--- a/doc/task03/Design_Thinking_final.pptx
+++ b/doc/task03/Design_Thinking_final.pptx
@@ -4,20 +4,25 @@
   <p:sldMasterIdLst>
     <p:sldMasterId id="2147483648" r:id="rId1"/>
   </p:sldMasterIdLst>
+  <p:notesMasterIdLst>
+    <p:notesMasterId r:id="rId17"/>
+  </p:notesMasterIdLst>
   <p:sldIdLst>
     <p:sldId id="256" r:id="rId2"/>
-    <p:sldId id="269" r:id="rId3"/>
-    <p:sldId id="259" r:id="rId4"/>
-    <p:sldId id="261" r:id="rId5"/>
-    <p:sldId id="263" r:id="rId6"/>
-    <p:sldId id="264" r:id="rId7"/>
-    <p:sldId id="268" r:id="rId8"/>
-    <p:sldId id="265" r:id="rId9"/>
-    <p:sldId id="262" r:id="rId10"/>
-    <p:sldId id="257" r:id="rId11"/>
-    <p:sldId id="258" r:id="rId12"/>
-    <p:sldId id="266" r:id="rId13"/>
-    <p:sldId id="267" r:id="rId14"/>
+    <p:sldId id="270" r:id="rId3"/>
+    <p:sldId id="269" r:id="rId4"/>
+    <p:sldId id="259" r:id="rId5"/>
+    <p:sldId id="261" r:id="rId6"/>
+    <p:sldId id="263" r:id="rId7"/>
+    <p:sldId id="264" r:id="rId8"/>
+    <p:sldId id="268" r:id="rId9"/>
+    <p:sldId id="265" r:id="rId10"/>
+    <p:sldId id="262" r:id="rId11"/>
+    <p:sldId id="257" r:id="rId12"/>
+    <p:sldId id="258" r:id="rId13"/>
+    <p:sldId id="266" r:id="rId14"/>
+    <p:sldId id="267" r:id="rId15"/>
+    <p:sldId id="271" r:id="rId16"/>
   </p:sldIdLst>
   <p:sldSz cx="9144000" cy="6858000" type="screen4x3"/>
   <p:notesSz cx="6858000" cy="9144000"/>
@@ -119,6 +124,1600 @@
 </p:presentation>
 </file>
 
+<file path=ppt/notesMasters/notesMaster1.xml><?xml version="1.0" encoding="utf-8"?>
+<p:notesMaster xmlns:a="http://schemas.openxmlformats.org/drawingml/2006/main" xmlns:r="http://schemas.openxmlformats.org/officeDocument/2006/relationships" xmlns:p="http://schemas.openxmlformats.org/presentationml/2006/main">
+  <p:cSld>
+    <p:bg>
+      <p:bgRef idx="1001">
+        <a:schemeClr val="bg1"/>
+      </p:bgRef>
+    </p:bg>
+    <p:spTree>
+      <p:nvGrpSpPr>
+        <p:cNvPr id="1" name=""/>
+        <p:cNvGrpSpPr/>
+        <p:nvPr/>
+      </p:nvGrpSpPr>
+      <p:grpSpPr>
+        <a:xfrm>
+          <a:off x="0" y="0"/>
+          <a:ext cx="0" cy="0"/>
+          <a:chOff x="0" y="0"/>
+          <a:chExt cx="0" cy="0"/>
+        </a:xfrm>
+      </p:grpSpPr>
+      <p:sp>
+        <p:nvSpPr>
+          <p:cNvPr id="2" name="Kopfzeilenplatzhalter 1"/>
+          <p:cNvSpPr>
+            <a:spLocks noGrp="1"/>
+          </p:cNvSpPr>
+          <p:nvPr>
+            <p:ph type="hdr" sz="quarter"/>
+          </p:nvPr>
+        </p:nvSpPr>
+        <p:spPr>
+          <a:xfrm>
+            <a:off x="0" y="0"/>
+            <a:ext cx="2971800" cy="457200"/>
+          </a:xfrm>
+          <a:prstGeom prst="rect">
+            <a:avLst/>
+          </a:prstGeom>
+        </p:spPr>
+        <p:txBody>
+          <a:bodyPr vert="horz" lIns="91440" tIns="45720" rIns="91440" bIns="45720" rtlCol="0"/>
+          <a:lstStyle>
+            <a:lvl1pPr algn="l">
+              <a:defRPr sz="1200"/>
+            </a:lvl1pPr>
+          </a:lstStyle>
+          <a:p>
+            <a:endParaRPr lang="de-CH"/>
+          </a:p>
+        </p:txBody>
+      </p:sp>
+      <p:sp>
+        <p:nvSpPr>
+          <p:cNvPr id="3" name="Datumsplatzhalter 2"/>
+          <p:cNvSpPr>
+            <a:spLocks noGrp="1"/>
+          </p:cNvSpPr>
+          <p:nvPr>
+            <p:ph type="dt" idx="1"/>
+          </p:nvPr>
+        </p:nvSpPr>
+        <p:spPr>
+          <a:xfrm>
+            <a:off x="3884613" y="0"/>
+            <a:ext cx="2971800" cy="457200"/>
+          </a:xfrm>
+          <a:prstGeom prst="rect">
+            <a:avLst/>
+          </a:prstGeom>
+        </p:spPr>
+        <p:txBody>
+          <a:bodyPr vert="horz" lIns="91440" tIns="45720" rIns="91440" bIns="45720" rtlCol="0"/>
+          <a:lstStyle>
+            <a:lvl1pPr algn="r">
+              <a:defRPr sz="1200"/>
+            </a:lvl1pPr>
+          </a:lstStyle>
+          <a:p>
+            <a:fld id="{886089FC-270D-4247-A68F-0C2F3B33D2DF}" type="datetimeFigureOut">
+              <a:rPr lang="de-CH" smtClean="0"/>
+              <a:t>17.03.2015</a:t>
+            </a:fld>
+            <a:endParaRPr lang="de-CH"/>
+          </a:p>
+        </p:txBody>
+      </p:sp>
+      <p:sp>
+        <p:nvSpPr>
+          <p:cNvPr id="4" name="Folienbildplatzhalter 3"/>
+          <p:cNvSpPr>
+            <a:spLocks noGrp="1" noRot="1" noChangeAspect="1"/>
+          </p:cNvSpPr>
+          <p:nvPr>
+            <p:ph type="sldImg" idx="2"/>
+          </p:nvPr>
+        </p:nvSpPr>
+        <p:spPr>
+          <a:xfrm>
+            <a:off x="1143000" y="685800"/>
+            <a:ext cx="4572000" cy="3429000"/>
+          </a:xfrm>
+          <a:prstGeom prst="rect">
+            <a:avLst/>
+          </a:prstGeom>
+          <a:noFill/>
+          <a:ln w="12700">
+            <a:solidFill>
+              <a:prstClr val="black"/>
+            </a:solidFill>
+          </a:ln>
+        </p:spPr>
+        <p:txBody>
+          <a:bodyPr vert="horz" lIns="91440" tIns="45720" rIns="91440" bIns="45720" rtlCol="0" anchor="ctr"/>
+          <a:lstStyle/>
+          <a:p>
+            <a:endParaRPr lang="de-CH"/>
+          </a:p>
+        </p:txBody>
+      </p:sp>
+      <p:sp>
+        <p:nvSpPr>
+          <p:cNvPr id="5" name="Notizenplatzhalter 4"/>
+          <p:cNvSpPr>
+            <a:spLocks noGrp="1"/>
+          </p:cNvSpPr>
+          <p:nvPr>
+            <p:ph type="body" sz="quarter" idx="3"/>
+          </p:nvPr>
+        </p:nvSpPr>
+        <p:spPr>
+          <a:xfrm>
+            <a:off x="685800" y="4343400"/>
+            <a:ext cx="5486400" cy="4114800"/>
+          </a:xfrm>
+          <a:prstGeom prst="rect">
+            <a:avLst/>
+          </a:prstGeom>
+        </p:spPr>
+        <p:txBody>
+          <a:bodyPr vert="horz" lIns="91440" tIns="45720" rIns="91440" bIns="45720" rtlCol="0"/>
+          <a:lstStyle/>
+          <a:p>
+            <a:pPr lvl="0"/>
+            <a:r>
+              <a:rPr lang="de-DE" smtClean="0"/>
+              <a:t>Textmasterformat bearbeiten</a:t>
+            </a:r>
+          </a:p>
+          <a:p>
+            <a:pPr lvl="1"/>
+            <a:r>
+              <a:rPr lang="de-DE" smtClean="0"/>
+              <a:t>Zweite Ebene</a:t>
+            </a:r>
+          </a:p>
+          <a:p>
+            <a:pPr lvl="2"/>
+            <a:r>
+              <a:rPr lang="de-DE" smtClean="0"/>
+              <a:t>Dritte Ebene</a:t>
+            </a:r>
+          </a:p>
+          <a:p>
+            <a:pPr lvl="3"/>
+            <a:r>
+              <a:rPr lang="de-DE" smtClean="0"/>
+              <a:t>Vierte Ebene</a:t>
+            </a:r>
+          </a:p>
+          <a:p>
+            <a:pPr lvl="4"/>
+            <a:r>
+              <a:rPr lang="de-DE" smtClean="0"/>
+              <a:t>Fünfte Ebene</a:t>
+            </a:r>
+            <a:endParaRPr lang="de-CH"/>
+          </a:p>
+        </p:txBody>
+      </p:sp>
+      <p:sp>
+        <p:nvSpPr>
+          <p:cNvPr id="6" name="Fußzeilenplatzhalter 5"/>
+          <p:cNvSpPr>
+            <a:spLocks noGrp="1"/>
+          </p:cNvSpPr>
+          <p:nvPr>
+            <p:ph type="ftr" sz="quarter" idx="4"/>
+          </p:nvPr>
+        </p:nvSpPr>
+        <p:spPr>
+          <a:xfrm>
+            <a:off x="0" y="8685213"/>
+            <a:ext cx="2971800" cy="457200"/>
+          </a:xfrm>
+          <a:prstGeom prst="rect">
+            <a:avLst/>
+          </a:prstGeom>
+        </p:spPr>
+        <p:txBody>
+          <a:bodyPr vert="horz" lIns="91440" tIns="45720" rIns="91440" bIns="45720" rtlCol="0" anchor="b"/>
+          <a:lstStyle>
+            <a:lvl1pPr algn="l">
+              <a:defRPr sz="1200"/>
+            </a:lvl1pPr>
+          </a:lstStyle>
+          <a:p>
+            <a:endParaRPr lang="de-CH"/>
+          </a:p>
+        </p:txBody>
+      </p:sp>
+      <p:sp>
+        <p:nvSpPr>
+          <p:cNvPr id="7" name="Foliennummernplatzhalter 6"/>
+          <p:cNvSpPr>
+            <a:spLocks noGrp="1"/>
+          </p:cNvSpPr>
+          <p:nvPr>
+            <p:ph type="sldNum" sz="quarter" idx="5"/>
+          </p:nvPr>
+        </p:nvSpPr>
+        <p:spPr>
+          <a:xfrm>
+            <a:off x="3884613" y="8685213"/>
+            <a:ext cx="2971800" cy="457200"/>
+          </a:xfrm>
+          <a:prstGeom prst="rect">
+            <a:avLst/>
+          </a:prstGeom>
+        </p:spPr>
+        <p:txBody>
+          <a:bodyPr vert="horz" lIns="91440" tIns="45720" rIns="91440" bIns="45720" rtlCol="0" anchor="b"/>
+          <a:lstStyle>
+            <a:lvl1pPr algn="r">
+              <a:defRPr sz="1200"/>
+            </a:lvl1pPr>
+          </a:lstStyle>
+          <a:p>
+            <a:fld id="{9A061F0F-BF1A-47A6-BC67-894693F926E4}" type="slidenum">
+              <a:rPr lang="de-CH" smtClean="0"/>
+              <a:t>‹Nr.›</a:t>
+            </a:fld>
+            <a:endParaRPr lang="de-CH"/>
+          </a:p>
+        </p:txBody>
+      </p:sp>
+    </p:spTree>
+    <p:extLst>
+      <p:ext uri="{BB962C8B-B14F-4D97-AF65-F5344CB8AC3E}">
+        <p14:creationId xmlns:p14="http://schemas.microsoft.com/office/powerpoint/2010/main" val="4126845593"/>
+      </p:ext>
+    </p:extLst>
+  </p:cSld>
+  <p:clrMap bg1="lt1" tx1="dk1" bg2="lt2" tx2="dk2" accent1="accent1" accent2="accent2" accent3="accent3" accent4="accent4" accent5="accent5" accent6="accent6" hlink="hlink" folHlink="folHlink"/>
+  <p:notesStyle>
+    <a:lvl1pPr marL="0" algn="l" defTabSz="914400" rtl="0" eaLnBrk="1" latinLnBrk="0" hangingPunct="1">
+      <a:defRPr sz="1200" kern="1200">
+        <a:solidFill>
+          <a:schemeClr val="tx1"/>
+        </a:solidFill>
+        <a:latin typeface="+mn-lt"/>
+        <a:ea typeface="+mn-ea"/>
+        <a:cs typeface="+mn-cs"/>
+      </a:defRPr>
+    </a:lvl1pPr>
+    <a:lvl2pPr marL="457200" algn="l" defTabSz="914400" rtl="0" eaLnBrk="1" latinLnBrk="0" hangingPunct="1">
+      <a:defRPr sz="1200" kern="1200">
+        <a:solidFill>
+          <a:schemeClr val="tx1"/>
+        </a:solidFill>
+        <a:latin typeface="+mn-lt"/>
+        <a:ea typeface="+mn-ea"/>
+        <a:cs typeface="+mn-cs"/>
+      </a:defRPr>
+    </a:lvl2pPr>
+    <a:lvl3pPr marL="914400" algn="l" defTabSz="914400" rtl="0" eaLnBrk="1" latinLnBrk="0" hangingPunct="1">
+      <a:defRPr sz="1200" kern="1200">
+        <a:solidFill>
+          <a:schemeClr val="tx1"/>
+        </a:solidFill>
+        <a:latin typeface="+mn-lt"/>
+        <a:ea typeface="+mn-ea"/>
+        <a:cs typeface="+mn-cs"/>
+      </a:defRPr>
+    </a:lvl3pPr>
+    <a:lvl4pPr marL="1371600" algn="l" defTabSz="914400" rtl="0" eaLnBrk="1" latinLnBrk="0" hangingPunct="1">
+      <a:defRPr sz="1200" kern="1200">
+        <a:solidFill>
+          <a:schemeClr val="tx1"/>
+        </a:solidFill>
+        <a:latin typeface="+mn-lt"/>
+        <a:ea typeface="+mn-ea"/>
+        <a:cs typeface="+mn-cs"/>
+      </a:defRPr>
+    </a:lvl4pPr>
+    <a:lvl5pPr marL="1828800" algn="l" defTabSz="914400" rtl="0" eaLnBrk="1" latinLnBrk="0" hangingPunct="1">
+      <a:defRPr sz="1200" kern="1200">
+        <a:solidFill>
+          <a:schemeClr val="tx1"/>
+        </a:solidFill>
+        <a:latin typeface="+mn-lt"/>
+        <a:ea typeface="+mn-ea"/>
+        <a:cs typeface="+mn-cs"/>
+      </a:defRPr>
+    </a:lvl5pPr>
+    <a:lvl6pPr marL="2286000" algn="l" defTabSz="914400" rtl="0" eaLnBrk="1" latinLnBrk="0" hangingPunct="1">
+      <a:defRPr sz="1200" kern="1200">
+        <a:solidFill>
+          <a:schemeClr val="tx1"/>
+        </a:solidFill>
+        <a:latin typeface="+mn-lt"/>
+        <a:ea typeface="+mn-ea"/>
+        <a:cs typeface="+mn-cs"/>
+      </a:defRPr>
+    </a:lvl6pPr>
+    <a:lvl7pPr marL="2743200" algn="l" defTabSz="914400" rtl="0" eaLnBrk="1" latinLnBrk="0" hangingPunct="1">
+      <a:defRPr sz="1200" kern="1200">
+        <a:solidFill>
+          <a:schemeClr val="tx1"/>
+        </a:solidFill>
+        <a:latin typeface="+mn-lt"/>
+        <a:ea typeface="+mn-ea"/>
+        <a:cs typeface="+mn-cs"/>
+      </a:defRPr>
+    </a:lvl7pPr>
+    <a:lvl8pPr marL="3200400" algn="l" defTabSz="914400" rtl="0" eaLnBrk="1" latinLnBrk="0" hangingPunct="1">
+      <a:defRPr sz="1200" kern="1200">
+        <a:solidFill>
+          <a:schemeClr val="tx1"/>
+        </a:solidFill>
+        <a:latin typeface="+mn-lt"/>
+        <a:ea typeface="+mn-ea"/>
+        <a:cs typeface="+mn-cs"/>
+      </a:defRPr>
+    </a:lvl8pPr>
+    <a:lvl9pPr marL="3657600" algn="l" defTabSz="914400" rtl="0" eaLnBrk="1" latinLnBrk="0" hangingPunct="1">
+      <a:defRPr sz="1200" kern="1200">
+        <a:solidFill>
+          <a:schemeClr val="tx1"/>
+        </a:solidFill>
+        <a:latin typeface="+mn-lt"/>
+        <a:ea typeface="+mn-ea"/>
+        <a:cs typeface="+mn-cs"/>
+      </a:defRPr>
+    </a:lvl9pPr>
+  </p:notesStyle>
+</p:notesMaster>
+</file>
+
+<file path=ppt/notesSlides/notesSlide1.xml><?xml version="1.0" encoding="utf-8"?>
+<p:notes xmlns:a="http://schemas.openxmlformats.org/drawingml/2006/main" xmlns:r="http://schemas.openxmlformats.org/officeDocument/2006/relationships" xmlns:p="http://schemas.openxmlformats.org/presentationml/2006/main">
+  <p:cSld>
+    <p:spTree>
+      <p:nvGrpSpPr>
+        <p:cNvPr id="1" name=""/>
+        <p:cNvGrpSpPr/>
+        <p:nvPr/>
+      </p:nvGrpSpPr>
+      <p:grpSpPr>
+        <a:xfrm>
+          <a:off x="0" y="0"/>
+          <a:ext cx="0" cy="0"/>
+          <a:chOff x="0" y="0"/>
+          <a:chExt cx="0" cy="0"/>
+        </a:xfrm>
+      </p:grpSpPr>
+      <p:sp>
+        <p:nvSpPr>
+          <p:cNvPr id="2" name="Folienbildplatzhalter 1"/>
+          <p:cNvSpPr>
+            <a:spLocks noGrp="1" noRot="1" noChangeAspect="1"/>
+          </p:cNvSpPr>
+          <p:nvPr>
+            <p:ph type="sldImg"/>
+          </p:nvPr>
+        </p:nvSpPr>
+        <p:spPr/>
+      </p:sp>
+      <p:sp>
+        <p:nvSpPr>
+          <p:cNvPr id="3" name="Notizenplatzhalter 2"/>
+          <p:cNvSpPr>
+            <a:spLocks noGrp="1"/>
+          </p:cNvSpPr>
+          <p:nvPr>
+            <p:ph type="body" idx="1"/>
+          </p:nvPr>
+        </p:nvSpPr>
+        <p:spPr/>
+        <p:txBody>
+          <a:bodyPr/>
+          <a:lstStyle/>
+          <a:p>
+            <a:r>
+              <a:rPr lang="en-US" dirty="0" smtClean="0"/>
+              <a:t>Interview </a:t>
+            </a:r>
+            <a:r>
+              <a:rPr lang="en-US" dirty="0" err="1" smtClean="0"/>
+              <a:t>wies</a:t>
+            </a:r>
+            <a:r>
+              <a:rPr lang="en-US" baseline="0" dirty="0" smtClean="0"/>
+              <a:t> </a:t>
+            </a:r>
+            <a:r>
+              <a:rPr lang="en-US" baseline="0" dirty="0" err="1" smtClean="0"/>
+              <a:t>uns</a:t>
+            </a:r>
+            <a:r>
+              <a:rPr lang="en-US" baseline="0" dirty="0" smtClean="0"/>
+              <a:t> die </a:t>
+            </a:r>
+            <a:r>
+              <a:rPr lang="en-US" baseline="0" dirty="0" err="1" smtClean="0"/>
+              <a:t>richtige</a:t>
+            </a:r>
+            <a:r>
+              <a:rPr lang="en-US" baseline="0" dirty="0" smtClean="0"/>
+              <a:t> </a:t>
+            </a:r>
+            <a:r>
+              <a:rPr lang="en-US" baseline="0" dirty="0" err="1" smtClean="0"/>
+              <a:t>Richtung</a:t>
+            </a:r>
+            <a:r>
+              <a:rPr lang="en-US" baseline="0" dirty="0" smtClean="0"/>
+              <a:t> </a:t>
+            </a:r>
+            <a:r>
+              <a:rPr lang="en-US" baseline="0" dirty="0" err="1" smtClean="0"/>
+              <a:t>beim</a:t>
+            </a:r>
+            <a:r>
+              <a:rPr lang="en-US" baseline="0" dirty="0" smtClean="0"/>
+              <a:t> Design Thinking </a:t>
+            </a:r>
+            <a:r>
+              <a:rPr lang="en-US" baseline="0" dirty="0" err="1" smtClean="0"/>
+              <a:t>Prozess</a:t>
+            </a:r>
+            <a:r>
+              <a:rPr lang="en-US" baseline="0" smtClean="0"/>
+              <a:t>.</a:t>
+            </a:r>
+            <a:endParaRPr lang="de-CH" dirty="0"/>
+          </a:p>
+        </p:txBody>
+      </p:sp>
+      <p:sp>
+        <p:nvSpPr>
+          <p:cNvPr id="4" name="Foliennummernplatzhalter 3"/>
+          <p:cNvSpPr>
+            <a:spLocks noGrp="1"/>
+          </p:cNvSpPr>
+          <p:nvPr>
+            <p:ph type="sldNum" sz="quarter" idx="10"/>
+          </p:nvPr>
+        </p:nvSpPr>
+        <p:spPr/>
+        <p:txBody>
+          <a:bodyPr/>
+          <a:lstStyle/>
+          <a:p>
+            <a:fld id="{9A061F0F-BF1A-47A6-BC67-894693F926E4}" type="slidenum">
+              <a:rPr lang="de-CH" smtClean="0"/>
+              <a:t>4</a:t>
+            </a:fld>
+            <a:endParaRPr lang="de-CH"/>
+          </a:p>
+        </p:txBody>
+      </p:sp>
+    </p:spTree>
+    <p:extLst>
+      <p:ext uri="{BB962C8B-B14F-4D97-AF65-F5344CB8AC3E}">
+        <p14:creationId xmlns:p14="http://schemas.microsoft.com/office/powerpoint/2010/main" val="2154698066"/>
+      </p:ext>
+    </p:extLst>
+  </p:cSld>
+  <p:clrMapOvr>
+    <a:masterClrMapping/>
+  </p:clrMapOvr>
+</p:notes>
+</file>
+
+<file path=ppt/notesSlides/notesSlide2.xml><?xml version="1.0" encoding="utf-8"?>
+<p:notes xmlns:a="http://schemas.openxmlformats.org/drawingml/2006/main" xmlns:r="http://schemas.openxmlformats.org/officeDocument/2006/relationships" xmlns:p="http://schemas.openxmlformats.org/presentationml/2006/main">
+  <p:cSld>
+    <p:spTree>
+      <p:nvGrpSpPr>
+        <p:cNvPr id="1" name=""/>
+        <p:cNvGrpSpPr/>
+        <p:nvPr/>
+      </p:nvGrpSpPr>
+      <p:grpSpPr>
+        <a:xfrm>
+          <a:off x="0" y="0"/>
+          <a:ext cx="0" cy="0"/>
+          <a:chOff x="0" y="0"/>
+          <a:chExt cx="0" cy="0"/>
+        </a:xfrm>
+      </p:grpSpPr>
+      <p:sp>
+        <p:nvSpPr>
+          <p:cNvPr id="2" name="Folienbildplatzhalter 1"/>
+          <p:cNvSpPr>
+            <a:spLocks noGrp="1" noRot="1" noChangeAspect="1"/>
+          </p:cNvSpPr>
+          <p:nvPr>
+            <p:ph type="sldImg"/>
+          </p:nvPr>
+        </p:nvSpPr>
+        <p:spPr/>
+      </p:sp>
+      <p:sp>
+        <p:nvSpPr>
+          <p:cNvPr id="3" name="Notizenplatzhalter 2"/>
+          <p:cNvSpPr>
+            <a:spLocks noGrp="1"/>
+          </p:cNvSpPr>
+          <p:nvPr>
+            <p:ph type="body" idx="1"/>
+          </p:nvPr>
+        </p:nvSpPr>
+        <p:spPr/>
+        <p:txBody>
+          <a:bodyPr/>
+          <a:lstStyle/>
+          <a:p>
+            <a:r>
+              <a:rPr lang="en-US" dirty="0" smtClean="0"/>
+              <a:t>- </a:t>
+            </a:r>
+            <a:r>
+              <a:rPr lang="en-US" dirty="0" err="1" smtClean="0"/>
+              <a:t>Wohnung</a:t>
+            </a:r>
+            <a:r>
+              <a:rPr lang="en-US" dirty="0" smtClean="0"/>
+              <a:t>: Chaos,</a:t>
+            </a:r>
+          </a:p>
+          <a:p>
+            <a:pPr marL="171450" indent="-171450">
+              <a:buFontTx/>
+              <a:buChar char="-"/>
+            </a:pPr>
+            <a:r>
+              <a:rPr lang="en-US" dirty="0" err="1" smtClean="0"/>
+              <a:t>Verschuldet</a:t>
+            </a:r>
+            <a:endParaRPr lang="en-US" dirty="0" smtClean="0"/>
+          </a:p>
+          <a:p>
+            <a:pPr marL="171450" indent="-171450">
+              <a:buFontTx/>
+              <a:buChar char="-"/>
+            </a:pPr>
+            <a:r>
+              <a:rPr lang="en-US" dirty="0" err="1" smtClean="0"/>
+              <a:t>Nahrungsaufnahme</a:t>
+            </a:r>
+            <a:r>
+              <a:rPr lang="en-US" baseline="0" dirty="0" smtClean="0"/>
+              <a:t> = </a:t>
+            </a:r>
+            <a:r>
+              <a:rPr lang="en-US" baseline="0" dirty="0" err="1" smtClean="0"/>
+              <a:t>nebensache</a:t>
+            </a:r>
+            <a:endParaRPr lang="de-CH" dirty="0"/>
+          </a:p>
+        </p:txBody>
+      </p:sp>
+      <p:sp>
+        <p:nvSpPr>
+          <p:cNvPr id="4" name="Foliennummernplatzhalter 3"/>
+          <p:cNvSpPr>
+            <a:spLocks noGrp="1"/>
+          </p:cNvSpPr>
+          <p:nvPr>
+            <p:ph type="sldNum" sz="quarter" idx="10"/>
+          </p:nvPr>
+        </p:nvSpPr>
+        <p:spPr/>
+        <p:txBody>
+          <a:bodyPr/>
+          <a:lstStyle/>
+          <a:p>
+            <a:fld id="{9A061F0F-BF1A-47A6-BC67-894693F926E4}" type="slidenum">
+              <a:rPr lang="de-CH" smtClean="0"/>
+              <a:t>5</a:t>
+            </a:fld>
+            <a:endParaRPr lang="de-CH"/>
+          </a:p>
+        </p:txBody>
+      </p:sp>
+    </p:spTree>
+    <p:extLst>
+      <p:ext uri="{BB962C8B-B14F-4D97-AF65-F5344CB8AC3E}">
+        <p14:creationId xmlns:p14="http://schemas.microsoft.com/office/powerpoint/2010/main" val="452913892"/>
+      </p:ext>
+    </p:extLst>
+  </p:cSld>
+  <p:clrMapOvr>
+    <a:masterClrMapping/>
+  </p:clrMapOvr>
+</p:notes>
+</file>
+
+<file path=ppt/notesSlides/notesSlide3.xml><?xml version="1.0" encoding="utf-8"?>
+<p:notes xmlns:a="http://schemas.openxmlformats.org/drawingml/2006/main" xmlns:r="http://schemas.openxmlformats.org/officeDocument/2006/relationships" xmlns:p="http://schemas.openxmlformats.org/presentationml/2006/main">
+  <p:cSld>
+    <p:spTree>
+      <p:nvGrpSpPr>
+        <p:cNvPr id="1" name=""/>
+        <p:cNvGrpSpPr/>
+        <p:nvPr/>
+      </p:nvGrpSpPr>
+      <p:grpSpPr>
+        <a:xfrm>
+          <a:off x="0" y="0"/>
+          <a:ext cx="0" cy="0"/>
+          <a:chOff x="0" y="0"/>
+          <a:chExt cx="0" cy="0"/>
+        </a:xfrm>
+      </p:grpSpPr>
+      <p:sp>
+        <p:nvSpPr>
+          <p:cNvPr id="2" name="Folienbildplatzhalter 1"/>
+          <p:cNvSpPr>
+            <a:spLocks noGrp="1" noRot="1" noChangeAspect="1"/>
+          </p:cNvSpPr>
+          <p:nvPr>
+            <p:ph type="sldImg"/>
+          </p:nvPr>
+        </p:nvSpPr>
+        <p:spPr/>
+      </p:sp>
+      <p:sp>
+        <p:nvSpPr>
+          <p:cNvPr id="3" name="Notizenplatzhalter 2"/>
+          <p:cNvSpPr>
+            <a:spLocks noGrp="1"/>
+          </p:cNvSpPr>
+          <p:nvPr>
+            <p:ph type="body" idx="1"/>
+          </p:nvPr>
+        </p:nvSpPr>
+        <p:spPr/>
+        <p:txBody>
+          <a:bodyPr/>
+          <a:lstStyle/>
+          <a:p>
+            <a:r>
+              <a:rPr lang="en-US" dirty="0" err="1" smtClean="0"/>
+              <a:t>Spielerisch</a:t>
+            </a:r>
+            <a:r>
+              <a:rPr lang="en-US" baseline="0" dirty="0" smtClean="0"/>
+              <a:t> </a:t>
+            </a:r>
+            <a:r>
+              <a:rPr lang="en-US" baseline="0" dirty="0" err="1" smtClean="0"/>
+              <a:t>zum</a:t>
+            </a:r>
+            <a:r>
+              <a:rPr lang="en-US" baseline="0" dirty="0" smtClean="0"/>
+              <a:t> </a:t>
+            </a:r>
+            <a:r>
+              <a:rPr lang="en-US" baseline="0" dirty="0" err="1" smtClean="0"/>
+              <a:t>Mitmachen</a:t>
+            </a:r>
+            <a:r>
+              <a:rPr lang="en-US" baseline="0" dirty="0" smtClean="0"/>
+              <a:t> </a:t>
+            </a:r>
+            <a:r>
+              <a:rPr lang="en-US" baseline="0" dirty="0" err="1" smtClean="0"/>
+              <a:t>animieren</a:t>
+            </a:r>
+            <a:r>
+              <a:rPr lang="en-US" baseline="0" dirty="0" smtClean="0"/>
+              <a:t>.</a:t>
+            </a:r>
+            <a:endParaRPr lang="de-CH" dirty="0"/>
+          </a:p>
+        </p:txBody>
+      </p:sp>
+      <p:sp>
+        <p:nvSpPr>
+          <p:cNvPr id="4" name="Foliennummernplatzhalter 3"/>
+          <p:cNvSpPr>
+            <a:spLocks noGrp="1"/>
+          </p:cNvSpPr>
+          <p:nvPr>
+            <p:ph type="sldNum" sz="quarter" idx="10"/>
+          </p:nvPr>
+        </p:nvSpPr>
+        <p:spPr/>
+        <p:txBody>
+          <a:bodyPr/>
+          <a:lstStyle/>
+          <a:p>
+            <a:fld id="{9A061F0F-BF1A-47A6-BC67-894693F926E4}" type="slidenum">
+              <a:rPr lang="de-CH" smtClean="0"/>
+              <a:t>6</a:t>
+            </a:fld>
+            <a:endParaRPr lang="de-CH"/>
+          </a:p>
+        </p:txBody>
+      </p:sp>
+    </p:spTree>
+    <p:extLst>
+      <p:ext uri="{BB962C8B-B14F-4D97-AF65-F5344CB8AC3E}">
+        <p14:creationId xmlns:p14="http://schemas.microsoft.com/office/powerpoint/2010/main" val="2500551139"/>
+      </p:ext>
+    </p:extLst>
+  </p:cSld>
+  <p:clrMapOvr>
+    <a:masterClrMapping/>
+  </p:clrMapOvr>
+</p:notes>
+</file>
+
+<file path=ppt/notesSlides/notesSlide4.xml><?xml version="1.0" encoding="utf-8"?>
+<p:notes xmlns:a="http://schemas.openxmlformats.org/drawingml/2006/main" xmlns:r="http://schemas.openxmlformats.org/officeDocument/2006/relationships" xmlns:p="http://schemas.openxmlformats.org/presentationml/2006/main">
+  <p:cSld>
+    <p:spTree>
+      <p:nvGrpSpPr>
+        <p:cNvPr id="1" name=""/>
+        <p:cNvGrpSpPr/>
+        <p:nvPr/>
+      </p:nvGrpSpPr>
+      <p:grpSpPr>
+        <a:xfrm>
+          <a:off x="0" y="0"/>
+          <a:ext cx="0" cy="0"/>
+          <a:chOff x="0" y="0"/>
+          <a:chExt cx="0" cy="0"/>
+        </a:xfrm>
+      </p:grpSpPr>
+      <p:sp>
+        <p:nvSpPr>
+          <p:cNvPr id="2" name="Folienbildplatzhalter 1"/>
+          <p:cNvSpPr>
+            <a:spLocks noGrp="1" noRot="1" noChangeAspect="1"/>
+          </p:cNvSpPr>
+          <p:nvPr>
+            <p:ph type="sldImg"/>
+          </p:nvPr>
+        </p:nvSpPr>
+        <p:spPr/>
+      </p:sp>
+      <p:sp>
+        <p:nvSpPr>
+          <p:cNvPr id="3" name="Notizenplatzhalter 2"/>
+          <p:cNvSpPr>
+            <a:spLocks noGrp="1"/>
+          </p:cNvSpPr>
+          <p:nvPr>
+            <p:ph type="body" idx="1"/>
+          </p:nvPr>
+        </p:nvSpPr>
+        <p:spPr/>
+        <p:txBody>
+          <a:bodyPr/>
+          <a:lstStyle/>
+          <a:p>
+            <a:r>
+              <a:rPr lang="en-US" dirty="0" err="1" smtClean="0"/>
+              <a:t>Notfallplan</a:t>
+            </a:r>
+            <a:r>
+              <a:rPr lang="en-US" dirty="0" smtClean="0"/>
+              <a:t> </a:t>
+            </a:r>
+            <a:r>
+              <a:rPr lang="en-US" dirty="0" err="1" smtClean="0"/>
+              <a:t>ist</a:t>
+            </a:r>
+            <a:r>
+              <a:rPr lang="en-US" dirty="0" smtClean="0"/>
+              <a:t> </a:t>
+            </a:r>
+            <a:r>
+              <a:rPr lang="en-US" dirty="0" err="1" smtClean="0"/>
+              <a:t>eine</a:t>
+            </a:r>
+            <a:r>
+              <a:rPr lang="en-US" dirty="0" smtClean="0"/>
+              <a:t> </a:t>
+            </a:r>
+            <a:r>
+              <a:rPr lang="en-US" dirty="0" err="1" smtClean="0"/>
+              <a:t>Checkliste</a:t>
+            </a:r>
+            <a:r>
+              <a:rPr lang="en-US" dirty="0" smtClean="0"/>
+              <a:t>, die der</a:t>
+            </a:r>
+            <a:r>
+              <a:rPr lang="en-US" baseline="0" dirty="0" smtClean="0"/>
+              <a:t> Patient </a:t>
+            </a:r>
+            <a:r>
+              <a:rPr lang="en-US" baseline="0" dirty="0" err="1" smtClean="0"/>
+              <a:t>mit</a:t>
+            </a:r>
+            <a:r>
+              <a:rPr lang="en-US" baseline="0" dirty="0" smtClean="0"/>
+              <a:t> </a:t>
+            </a:r>
+            <a:r>
+              <a:rPr lang="en-US" baseline="0" dirty="0" err="1" smtClean="0"/>
+              <a:t>dem</a:t>
+            </a:r>
+            <a:r>
+              <a:rPr lang="en-US" baseline="0" dirty="0" smtClean="0"/>
+              <a:t> </a:t>
+            </a:r>
+            <a:r>
+              <a:rPr lang="en-US" baseline="0" dirty="0" err="1" smtClean="0"/>
+              <a:t>Therapeuten</a:t>
+            </a:r>
+            <a:r>
+              <a:rPr lang="en-US" baseline="0" dirty="0" smtClean="0"/>
+              <a:t> </a:t>
+            </a:r>
+            <a:r>
+              <a:rPr lang="en-US" baseline="0" dirty="0" err="1" smtClean="0"/>
+              <a:t>ausgearbeitet</a:t>
+            </a:r>
+            <a:r>
+              <a:rPr lang="en-US" baseline="0" dirty="0" smtClean="0"/>
+              <a:t> hat.</a:t>
+            </a:r>
+          </a:p>
+          <a:p>
+            <a:endParaRPr lang="de-CH" dirty="0"/>
+          </a:p>
+        </p:txBody>
+      </p:sp>
+      <p:sp>
+        <p:nvSpPr>
+          <p:cNvPr id="4" name="Foliennummernplatzhalter 3"/>
+          <p:cNvSpPr>
+            <a:spLocks noGrp="1"/>
+          </p:cNvSpPr>
+          <p:nvPr>
+            <p:ph type="sldNum" sz="quarter" idx="10"/>
+          </p:nvPr>
+        </p:nvSpPr>
+        <p:spPr/>
+        <p:txBody>
+          <a:bodyPr/>
+          <a:lstStyle/>
+          <a:p>
+            <a:fld id="{9A061F0F-BF1A-47A6-BC67-894693F926E4}" type="slidenum">
+              <a:rPr lang="de-CH" smtClean="0"/>
+              <a:t>7</a:t>
+            </a:fld>
+            <a:endParaRPr lang="de-CH"/>
+          </a:p>
+        </p:txBody>
+      </p:sp>
+    </p:spTree>
+    <p:extLst>
+      <p:ext uri="{BB962C8B-B14F-4D97-AF65-F5344CB8AC3E}">
+        <p14:creationId xmlns:p14="http://schemas.microsoft.com/office/powerpoint/2010/main" val="2708565576"/>
+      </p:ext>
+    </p:extLst>
+  </p:cSld>
+  <p:clrMapOvr>
+    <a:masterClrMapping/>
+  </p:clrMapOvr>
+</p:notes>
+</file>
+
+<file path=ppt/notesSlides/notesSlide5.xml><?xml version="1.0" encoding="utf-8"?>
+<p:notes xmlns:a="http://schemas.openxmlformats.org/drawingml/2006/main" xmlns:r="http://schemas.openxmlformats.org/officeDocument/2006/relationships" xmlns:p="http://schemas.openxmlformats.org/presentationml/2006/main">
+  <p:cSld>
+    <p:spTree>
+      <p:nvGrpSpPr>
+        <p:cNvPr id="1" name=""/>
+        <p:cNvGrpSpPr/>
+        <p:nvPr/>
+      </p:nvGrpSpPr>
+      <p:grpSpPr>
+        <a:xfrm>
+          <a:off x="0" y="0"/>
+          <a:ext cx="0" cy="0"/>
+          <a:chOff x="0" y="0"/>
+          <a:chExt cx="0" cy="0"/>
+        </a:xfrm>
+      </p:grpSpPr>
+      <p:sp>
+        <p:nvSpPr>
+          <p:cNvPr id="2" name="Folienbildplatzhalter 1"/>
+          <p:cNvSpPr>
+            <a:spLocks noGrp="1" noRot="1" noChangeAspect="1"/>
+          </p:cNvSpPr>
+          <p:nvPr>
+            <p:ph type="sldImg"/>
+          </p:nvPr>
+        </p:nvSpPr>
+        <p:spPr/>
+      </p:sp>
+      <p:sp>
+        <p:nvSpPr>
+          <p:cNvPr id="3" name="Notizenplatzhalter 2"/>
+          <p:cNvSpPr>
+            <a:spLocks noGrp="1"/>
+          </p:cNvSpPr>
+          <p:nvPr>
+            <p:ph type="body" idx="1"/>
+          </p:nvPr>
+        </p:nvSpPr>
+        <p:spPr/>
+        <p:txBody>
+          <a:bodyPr/>
+          <a:lstStyle/>
+          <a:p>
+            <a:r>
+              <a:rPr lang="en-US" dirty="0" err="1" smtClean="0"/>
+              <a:t>Einfacher</a:t>
+            </a:r>
+            <a:r>
+              <a:rPr lang="en-US" dirty="0" smtClean="0"/>
+              <a:t>:</a:t>
+            </a:r>
+            <a:r>
+              <a:rPr lang="en-US" baseline="0" dirty="0" smtClean="0"/>
+              <a:t> </a:t>
+            </a:r>
+            <a:r>
+              <a:rPr lang="en-US" baseline="0" dirty="0" err="1" smtClean="0"/>
+              <a:t>Einfache</a:t>
+            </a:r>
+            <a:r>
+              <a:rPr lang="en-US" baseline="0" dirty="0" smtClean="0"/>
+              <a:t> Navigation</a:t>
+            </a:r>
+          </a:p>
+          <a:p>
+            <a:r>
+              <a:rPr lang="en-US" baseline="0" dirty="0" err="1" smtClean="0"/>
+              <a:t>Effizient</a:t>
+            </a:r>
+            <a:r>
+              <a:rPr lang="en-US" baseline="0" dirty="0" smtClean="0"/>
+              <a:t>: </a:t>
+            </a:r>
+            <a:r>
+              <a:rPr lang="en-US" baseline="0" dirty="0" err="1" smtClean="0"/>
+              <a:t>Termine</a:t>
+            </a:r>
+            <a:r>
+              <a:rPr lang="en-US" baseline="0" dirty="0" smtClean="0"/>
+              <a:t> </a:t>
+            </a:r>
+            <a:r>
+              <a:rPr lang="en-US" baseline="0" dirty="0" err="1" smtClean="0"/>
+              <a:t>sollten</a:t>
+            </a:r>
+            <a:r>
+              <a:rPr lang="en-US" baseline="0" dirty="0" smtClean="0"/>
+              <a:t> </a:t>
+            </a:r>
+            <a:r>
+              <a:rPr lang="en-US" baseline="0" dirty="0" err="1" smtClean="0"/>
+              <a:t>besser</a:t>
+            </a:r>
+            <a:r>
+              <a:rPr lang="en-US" baseline="0" dirty="0" smtClean="0"/>
+              <a:t> </a:t>
+            </a:r>
+            <a:r>
+              <a:rPr lang="en-US" baseline="0" dirty="0" err="1" smtClean="0"/>
+              <a:t>eingehalten</a:t>
+            </a:r>
+            <a:r>
+              <a:rPr lang="en-US" baseline="0" dirty="0" smtClean="0"/>
+              <a:t> </a:t>
+            </a:r>
+            <a:r>
+              <a:rPr lang="en-US" baseline="0" dirty="0" err="1" smtClean="0"/>
+              <a:t>werden</a:t>
+            </a:r>
+            <a:r>
+              <a:rPr lang="en-US" baseline="0" dirty="0" smtClean="0"/>
+              <a:t> </a:t>
+            </a:r>
+            <a:r>
+              <a:rPr lang="en-US" baseline="0" dirty="0" err="1" smtClean="0"/>
+              <a:t>könnnen</a:t>
+            </a:r>
+            <a:endParaRPr lang="en-US" baseline="0" dirty="0" smtClean="0"/>
+          </a:p>
+          <a:p>
+            <a:r>
+              <a:rPr lang="en-US" baseline="0" dirty="0" err="1" smtClean="0"/>
+              <a:t>Angenehm</a:t>
+            </a:r>
+            <a:r>
+              <a:rPr lang="en-US" baseline="0" dirty="0" smtClean="0"/>
+              <a:t>: </a:t>
+            </a:r>
+            <a:r>
+              <a:rPr lang="en-US" baseline="0" dirty="0" err="1" smtClean="0"/>
+              <a:t>Spierisch</a:t>
+            </a:r>
+            <a:r>
+              <a:rPr lang="en-US" baseline="0" dirty="0" smtClean="0"/>
+              <a:t> </a:t>
+            </a:r>
+            <a:r>
+              <a:rPr lang="en-US" baseline="0" dirty="0" err="1" smtClean="0"/>
+              <a:t>zum</a:t>
+            </a:r>
+            <a:r>
+              <a:rPr lang="en-US" baseline="0" dirty="0" smtClean="0"/>
+              <a:t> </a:t>
+            </a:r>
+            <a:r>
+              <a:rPr lang="en-US" baseline="0" dirty="0" err="1" smtClean="0"/>
+              <a:t>Mitmachen</a:t>
+            </a:r>
+            <a:r>
+              <a:rPr lang="en-US" baseline="0" dirty="0" smtClean="0"/>
+              <a:t> </a:t>
+            </a:r>
+            <a:r>
+              <a:rPr lang="en-US" baseline="0" dirty="0" err="1" smtClean="0"/>
+              <a:t>animieren</a:t>
+            </a:r>
+            <a:endParaRPr lang="de-CH" dirty="0"/>
+          </a:p>
+        </p:txBody>
+      </p:sp>
+      <p:sp>
+        <p:nvSpPr>
+          <p:cNvPr id="4" name="Foliennummernplatzhalter 3"/>
+          <p:cNvSpPr>
+            <a:spLocks noGrp="1"/>
+          </p:cNvSpPr>
+          <p:nvPr>
+            <p:ph type="sldNum" sz="quarter" idx="10"/>
+          </p:nvPr>
+        </p:nvSpPr>
+        <p:spPr/>
+        <p:txBody>
+          <a:bodyPr/>
+          <a:lstStyle/>
+          <a:p>
+            <a:fld id="{9A061F0F-BF1A-47A6-BC67-894693F926E4}" type="slidenum">
+              <a:rPr lang="de-CH" smtClean="0"/>
+              <a:t>8</a:t>
+            </a:fld>
+            <a:endParaRPr lang="de-CH"/>
+          </a:p>
+        </p:txBody>
+      </p:sp>
+    </p:spTree>
+    <p:extLst>
+      <p:ext uri="{BB962C8B-B14F-4D97-AF65-F5344CB8AC3E}">
+        <p14:creationId xmlns:p14="http://schemas.microsoft.com/office/powerpoint/2010/main" val="1188858508"/>
+      </p:ext>
+    </p:extLst>
+  </p:cSld>
+  <p:clrMapOvr>
+    <a:masterClrMapping/>
+  </p:clrMapOvr>
+</p:notes>
+</file>
+
+<file path=ppt/notesSlides/notesSlide6.xml><?xml version="1.0" encoding="utf-8"?>
+<p:notes xmlns:a="http://schemas.openxmlformats.org/drawingml/2006/main" xmlns:r="http://schemas.openxmlformats.org/officeDocument/2006/relationships" xmlns:p="http://schemas.openxmlformats.org/presentationml/2006/main">
+  <p:cSld>
+    <p:spTree>
+      <p:nvGrpSpPr>
+        <p:cNvPr id="1" name=""/>
+        <p:cNvGrpSpPr/>
+        <p:nvPr/>
+      </p:nvGrpSpPr>
+      <p:grpSpPr>
+        <a:xfrm>
+          <a:off x="0" y="0"/>
+          <a:ext cx="0" cy="0"/>
+          <a:chOff x="0" y="0"/>
+          <a:chExt cx="0" cy="0"/>
+        </a:xfrm>
+      </p:grpSpPr>
+      <p:sp>
+        <p:nvSpPr>
+          <p:cNvPr id="2" name="Folienbildplatzhalter 1"/>
+          <p:cNvSpPr>
+            <a:spLocks noGrp="1" noRot="1" noChangeAspect="1"/>
+          </p:cNvSpPr>
+          <p:nvPr>
+            <p:ph type="sldImg"/>
+          </p:nvPr>
+        </p:nvSpPr>
+        <p:spPr/>
+      </p:sp>
+      <p:sp>
+        <p:nvSpPr>
+          <p:cNvPr id="3" name="Notizenplatzhalter 2"/>
+          <p:cNvSpPr>
+            <a:spLocks noGrp="1"/>
+          </p:cNvSpPr>
+          <p:nvPr>
+            <p:ph type="body" idx="1"/>
+          </p:nvPr>
+        </p:nvSpPr>
+        <p:spPr/>
+        <p:txBody>
+          <a:bodyPr/>
+          <a:lstStyle/>
+          <a:p>
+            <a:r>
+              <a:rPr lang="en-US" dirty="0" err="1" smtClean="0"/>
+              <a:t>Medikation</a:t>
+            </a:r>
+            <a:r>
+              <a:rPr lang="en-US" dirty="0" smtClean="0"/>
+              <a:t>:</a:t>
+            </a:r>
+            <a:r>
+              <a:rPr lang="en-US" baseline="0" dirty="0" smtClean="0"/>
+              <a:t> </a:t>
+            </a:r>
+            <a:r>
+              <a:rPr lang="en-US" baseline="0" dirty="0" err="1" smtClean="0"/>
+              <a:t>Doserung</a:t>
+            </a:r>
+            <a:r>
+              <a:rPr lang="en-US" baseline="0" dirty="0" smtClean="0"/>
+              <a:t> + </a:t>
+            </a:r>
+            <a:r>
+              <a:rPr lang="en-US" baseline="0" dirty="0" err="1" smtClean="0"/>
+              <a:t>Anleitung</a:t>
+            </a:r>
+            <a:r>
+              <a:rPr lang="en-US" baseline="0" dirty="0" smtClean="0"/>
+              <a:t> </a:t>
+            </a:r>
+            <a:r>
+              <a:rPr lang="en-US" baseline="0" dirty="0" err="1" smtClean="0"/>
+              <a:t>zur</a:t>
+            </a:r>
+            <a:r>
+              <a:rPr lang="en-US" baseline="0" dirty="0" smtClean="0"/>
+              <a:t> </a:t>
+            </a:r>
+            <a:r>
+              <a:rPr lang="en-US" baseline="0" dirty="0" err="1" smtClean="0"/>
+              <a:t>Einnahme</a:t>
+            </a:r>
+            <a:r>
+              <a:rPr lang="en-US" baseline="0" dirty="0" smtClean="0"/>
+              <a:t> der </a:t>
+            </a:r>
+            <a:r>
+              <a:rPr lang="en-US" baseline="0" dirty="0" err="1" smtClean="0"/>
+              <a:t>Medikamente</a:t>
+            </a:r>
+            <a:endParaRPr lang="de-CH" dirty="0"/>
+          </a:p>
+        </p:txBody>
+      </p:sp>
+      <p:sp>
+        <p:nvSpPr>
+          <p:cNvPr id="4" name="Foliennummernplatzhalter 3"/>
+          <p:cNvSpPr>
+            <a:spLocks noGrp="1"/>
+          </p:cNvSpPr>
+          <p:nvPr>
+            <p:ph type="sldNum" sz="quarter" idx="10"/>
+          </p:nvPr>
+        </p:nvSpPr>
+        <p:spPr/>
+        <p:txBody>
+          <a:bodyPr/>
+          <a:lstStyle/>
+          <a:p>
+            <a:fld id="{9A061F0F-BF1A-47A6-BC67-894693F926E4}" type="slidenum">
+              <a:rPr lang="de-CH" smtClean="0"/>
+              <a:t>9</a:t>
+            </a:fld>
+            <a:endParaRPr lang="de-CH"/>
+          </a:p>
+        </p:txBody>
+      </p:sp>
+    </p:spTree>
+    <p:extLst>
+      <p:ext uri="{BB962C8B-B14F-4D97-AF65-F5344CB8AC3E}">
+        <p14:creationId xmlns:p14="http://schemas.microsoft.com/office/powerpoint/2010/main" val="1510856985"/>
+      </p:ext>
+    </p:extLst>
+  </p:cSld>
+  <p:clrMapOvr>
+    <a:masterClrMapping/>
+  </p:clrMapOvr>
+</p:notes>
+</file>
+
+<file path=ppt/notesSlides/notesSlide7.xml><?xml version="1.0" encoding="utf-8"?>
+<p:notes xmlns:a="http://schemas.openxmlformats.org/drawingml/2006/main" xmlns:r="http://schemas.openxmlformats.org/officeDocument/2006/relationships" xmlns:p="http://schemas.openxmlformats.org/presentationml/2006/main">
+  <p:cSld>
+    <p:spTree>
+      <p:nvGrpSpPr>
+        <p:cNvPr id="1" name=""/>
+        <p:cNvGrpSpPr/>
+        <p:nvPr/>
+      </p:nvGrpSpPr>
+      <p:grpSpPr>
+        <a:xfrm>
+          <a:off x="0" y="0"/>
+          <a:ext cx="0" cy="0"/>
+          <a:chOff x="0" y="0"/>
+          <a:chExt cx="0" cy="0"/>
+        </a:xfrm>
+      </p:grpSpPr>
+      <p:sp>
+        <p:nvSpPr>
+          <p:cNvPr id="2" name="Folienbildplatzhalter 1"/>
+          <p:cNvSpPr>
+            <a:spLocks noGrp="1" noRot="1" noChangeAspect="1"/>
+          </p:cNvSpPr>
+          <p:nvPr>
+            <p:ph type="sldImg"/>
+          </p:nvPr>
+        </p:nvSpPr>
+        <p:spPr/>
+      </p:sp>
+      <p:sp>
+        <p:nvSpPr>
+          <p:cNvPr id="3" name="Notizenplatzhalter 2"/>
+          <p:cNvSpPr>
+            <a:spLocks noGrp="1"/>
+          </p:cNvSpPr>
+          <p:nvPr>
+            <p:ph type="body" idx="1"/>
+          </p:nvPr>
+        </p:nvSpPr>
+        <p:spPr/>
+        <p:txBody>
+          <a:bodyPr/>
+          <a:lstStyle/>
+          <a:p>
+            <a:r>
+              <a:rPr lang="en-US" dirty="0" err="1" smtClean="0"/>
+              <a:t>Weiterführende</a:t>
+            </a:r>
+            <a:r>
+              <a:rPr lang="en-US" baseline="0" dirty="0" smtClean="0"/>
+              <a:t> </a:t>
+            </a:r>
+            <a:r>
+              <a:rPr lang="en-US" baseline="0" dirty="0" err="1" smtClean="0"/>
+              <a:t>Gedanken</a:t>
+            </a:r>
+            <a:r>
+              <a:rPr lang="en-US" baseline="0" dirty="0" smtClean="0"/>
+              <a:t>: </a:t>
+            </a:r>
+            <a:r>
+              <a:rPr lang="en-US" baseline="0" dirty="0" err="1" smtClean="0"/>
+              <a:t>Wenn</a:t>
+            </a:r>
+            <a:r>
+              <a:rPr lang="en-US" baseline="0" dirty="0" smtClean="0"/>
+              <a:t> </a:t>
+            </a:r>
+            <a:r>
+              <a:rPr lang="en-US" baseline="0" dirty="0" err="1" smtClean="0"/>
+              <a:t>z.B</a:t>
+            </a:r>
+            <a:r>
+              <a:rPr lang="en-US" baseline="0" dirty="0" smtClean="0"/>
+              <a:t>. 20 in </a:t>
+            </a:r>
+            <a:r>
+              <a:rPr lang="en-US" baseline="0" dirty="0" err="1" smtClean="0"/>
+              <a:t>Folge</a:t>
+            </a:r>
+            <a:r>
+              <a:rPr lang="en-US" baseline="0" dirty="0" smtClean="0"/>
+              <a:t> in </a:t>
+            </a:r>
+            <a:r>
+              <a:rPr lang="en-US" baseline="0" dirty="0" err="1" smtClean="0"/>
+              <a:t>jeden</a:t>
+            </a:r>
+            <a:r>
+              <a:rPr lang="en-US" baseline="0" dirty="0" smtClean="0"/>
+              <a:t> Morgen ins </a:t>
+            </a:r>
+            <a:r>
+              <a:rPr lang="en-US" baseline="0" dirty="0" err="1" smtClean="0"/>
+              <a:t>Migros</a:t>
+            </a:r>
+            <a:r>
+              <a:rPr lang="en-US" baseline="0" dirty="0" smtClean="0"/>
+              <a:t> </a:t>
+            </a:r>
+            <a:r>
+              <a:rPr lang="en-US" baseline="0" dirty="0" err="1" smtClean="0"/>
+              <a:t>geganen</a:t>
+            </a:r>
+            <a:r>
+              <a:rPr lang="en-US" baseline="0" dirty="0" smtClean="0"/>
+              <a:t>: </a:t>
+            </a:r>
+            <a:r>
+              <a:rPr lang="en-US" baseline="0" dirty="0" err="1" smtClean="0"/>
+              <a:t>Kinogutschein</a:t>
+            </a:r>
+            <a:r>
+              <a:rPr lang="en-US" baseline="0" dirty="0" smtClean="0"/>
+              <a:t> (</a:t>
+            </a:r>
+            <a:r>
+              <a:rPr lang="en-US" baseline="0" dirty="0" err="1" smtClean="0"/>
+              <a:t>Echte</a:t>
+            </a:r>
+            <a:r>
+              <a:rPr lang="en-US" baseline="0" dirty="0" smtClean="0"/>
+              <a:t> </a:t>
+            </a:r>
+            <a:r>
+              <a:rPr lang="en-US" baseline="0" dirty="0" err="1" smtClean="0"/>
+              <a:t>Belohnungen</a:t>
+            </a:r>
+            <a:r>
+              <a:rPr lang="en-US" baseline="0" dirty="0" smtClean="0"/>
+              <a:t>)</a:t>
+            </a:r>
+            <a:endParaRPr lang="de-CH" dirty="0"/>
+          </a:p>
+        </p:txBody>
+      </p:sp>
+      <p:sp>
+        <p:nvSpPr>
+          <p:cNvPr id="4" name="Foliennummernplatzhalter 3"/>
+          <p:cNvSpPr>
+            <a:spLocks noGrp="1"/>
+          </p:cNvSpPr>
+          <p:nvPr>
+            <p:ph type="sldNum" sz="quarter" idx="10"/>
+          </p:nvPr>
+        </p:nvSpPr>
+        <p:spPr/>
+        <p:txBody>
+          <a:bodyPr/>
+          <a:lstStyle/>
+          <a:p>
+            <a:fld id="{9A061F0F-BF1A-47A6-BC67-894693F926E4}" type="slidenum">
+              <a:rPr lang="de-CH" smtClean="0"/>
+              <a:t>14</a:t>
+            </a:fld>
+            <a:endParaRPr lang="de-CH"/>
+          </a:p>
+        </p:txBody>
+      </p:sp>
+    </p:spTree>
+    <p:extLst>
+      <p:ext uri="{BB962C8B-B14F-4D97-AF65-F5344CB8AC3E}">
+        <p14:creationId xmlns:p14="http://schemas.microsoft.com/office/powerpoint/2010/main" val="2346822262"/>
+      </p:ext>
+    </p:extLst>
+  </p:cSld>
+  <p:clrMapOvr>
+    <a:masterClrMapping/>
+  </p:clrMapOvr>
+</p:notes>
+</file>
+
+<file path=ppt/notesSlides/notesSlide8.xml><?xml version="1.0" encoding="utf-8"?>
+<p:notes xmlns:a="http://schemas.openxmlformats.org/drawingml/2006/main" xmlns:r="http://schemas.openxmlformats.org/officeDocument/2006/relationships" xmlns:p="http://schemas.openxmlformats.org/presentationml/2006/main">
+  <p:cSld>
+    <p:spTree>
+      <p:nvGrpSpPr>
+        <p:cNvPr id="1" name=""/>
+        <p:cNvGrpSpPr/>
+        <p:nvPr/>
+      </p:nvGrpSpPr>
+      <p:grpSpPr>
+        <a:xfrm>
+          <a:off x="0" y="0"/>
+          <a:ext cx="0" cy="0"/>
+          <a:chOff x="0" y="0"/>
+          <a:chExt cx="0" cy="0"/>
+        </a:xfrm>
+      </p:grpSpPr>
+      <p:sp>
+        <p:nvSpPr>
+          <p:cNvPr id="2" name="Folienbildplatzhalter 1"/>
+          <p:cNvSpPr>
+            <a:spLocks noGrp="1" noRot="1" noChangeAspect="1"/>
+          </p:cNvSpPr>
+          <p:nvPr>
+            <p:ph type="sldImg"/>
+          </p:nvPr>
+        </p:nvSpPr>
+        <p:spPr/>
+      </p:sp>
+      <p:sp>
+        <p:nvSpPr>
+          <p:cNvPr id="3" name="Notizenplatzhalter 2"/>
+          <p:cNvSpPr>
+            <a:spLocks noGrp="1"/>
+          </p:cNvSpPr>
+          <p:nvPr>
+            <p:ph type="body" idx="1"/>
+          </p:nvPr>
+        </p:nvSpPr>
+        <p:spPr/>
+        <p:txBody>
+          <a:bodyPr/>
+          <a:lstStyle/>
+          <a:p>
+            <a:r>
+              <a:rPr lang="en-US" dirty="0" err="1" smtClean="0"/>
+              <a:t>Ist</a:t>
+            </a:r>
+            <a:r>
+              <a:rPr lang="en-US" dirty="0" smtClean="0"/>
+              <a:t> in </a:t>
+            </a:r>
+            <a:r>
+              <a:rPr lang="en-US" dirty="0" err="1" smtClean="0"/>
+              <a:t>unserem</a:t>
+            </a:r>
+            <a:r>
+              <a:rPr lang="en-US" dirty="0" smtClean="0"/>
+              <a:t> </a:t>
+            </a:r>
+            <a:r>
+              <a:rPr lang="en-US" dirty="0" err="1" smtClean="0"/>
+              <a:t>Sinne</a:t>
+            </a:r>
+            <a:r>
+              <a:rPr lang="en-US" baseline="0" dirty="0" smtClean="0"/>
+              <a:t> </a:t>
+            </a:r>
+            <a:r>
+              <a:rPr lang="en-US" baseline="0" dirty="0" err="1" smtClean="0"/>
+              <a:t>kein</a:t>
+            </a:r>
+            <a:r>
+              <a:rPr lang="en-US" baseline="0" dirty="0" smtClean="0"/>
+              <a:t> </a:t>
+            </a:r>
+            <a:r>
+              <a:rPr lang="en-US" baseline="0" dirty="0" err="1" smtClean="0"/>
+              <a:t>Notfall</a:t>
+            </a:r>
+            <a:r>
+              <a:rPr lang="en-US" baseline="0" dirty="0" smtClean="0"/>
+              <a:t> auf </a:t>
+            </a:r>
+            <a:r>
+              <a:rPr lang="en-US" baseline="0" dirty="0" err="1" smtClean="0"/>
+              <a:t>Leben</a:t>
+            </a:r>
+            <a:r>
+              <a:rPr lang="en-US" baseline="0" dirty="0" smtClean="0"/>
+              <a:t> und </a:t>
+            </a:r>
+            <a:r>
+              <a:rPr lang="en-US" baseline="0" dirty="0" err="1" smtClean="0"/>
+              <a:t>Tod</a:t>
+            </a:r>
+            <a:r>
+              <a:rPr lang="en-US" baseline="0" dirty="0" smtClean="0"/>
+              <a:t>, </a:t>
+            </a:r>
+            <a:r>
+              <a:rPr lang="en-US" baseline="0" dirty="0" err="1" smtClean="0"/>
+              <a:t>sondern</a:t>
+            </a:r>
+            <a:r>
+              <a:rPr lang="en-US" baseline="0" dirty="0" smtClean="0"/>
+              <a:t> </a:t>
+            </a:r>
+            <a:r>
+              <a:rPr lang="en-US" baseline="0" dirty="0" err="1" smtClean="0"/>
+              <a:t>ein</a:t>
+            </a:r>
+            <a:r>
+              <a:rPr lang="en-US" baseline="0" dirty="0" smtClean="0"/>
+              <a:t> </a:t>
+            </a:r>
+            <a:r>
+              <a:rPr lang="en-US" baseline="0" dirty="0" err="1" smtClean="0"/>
+              <a:t>Rückfall-Notfall</a:t>
+            </a:r>
+            <a:r>
+              <a:rPr lang="en-US" baseline="0" dirty="0" smtClean="0"/>
+              <a:t>: (</a:t>
+            </a:r>
+            <a:r>
+              <a:rPr lang="en-US" baseline="0" dirty="0" err="1" smtClean="0"/>
+              <a:t>Ich</a:t>
+            </a:r>
+            <a:r>
+              <a:rPr lang="en-US" baseline="0" dirty="0" smtClean="0"/>
+              <a:t> </a:t>
+            </a:r>
+            <a:r>
+              <a:rPr lang="en-US" baseline="0" dirty="0" err="1" smtClean="0"/>
+              <a:t>möchte</a:t>
+            </a:r>
+            <a:r>
+              <a:rPr lang="en-US" baseline="0" dirty="0" smtClean="0"/>
+              <a:t> </a:t>
+            </a:r>
+            <a:r>
+              <a:rPr lang="en-US" baseline="0" dirty="0" err="1" smtClean="0"/>
+              <a:t>umbedingt</a:t>
+            </a:r>
+            <a:r>
+              <a:rPr lang="en-US" baseline="0" dirty="0" smtClean="0"/>
+              <a:t> </a:t>
+            </a:r>
+            <a:r>
+              <a:rPr lang="en-US" baseline="0" dirty="0" err="1" smtClean="0"/>
+              <a:t>zur</a:t>
+            </a:r>
+            <a:r>
+              <a:rPr lang="en-US" baseline="0" dirty="0" smtClean="0"/>
+              <a:t> </a:t>
+            </a:r>
+            <a:r>
+              <a:rPr lang="en-US" baseline="0" dirty="0" err="1" smtClean="0"/>
+              <a:t>Flasche</a:t>
+            </a:r>
+            <a:r>
+              <a:rPr lang="en-US" baseline="0" dirty="0" smtClean="0"/>
+              <a:t> </a:t>
+            </a:r>
+            <a:r>
+              <a:rPr lang="en-US" baseline="0" dirty="0" err="1" smtClean="0"/>
+              <a:t>greifen</a:t>
+            </a:r>
+            <a:r>
+              <a:rPr lang="en-US" baseline="0" dirty="0" smtClean="0"/>
+              <a:t>…)</a:t>
+            </a:r>
+            <a:endParaRPr lang="de-CH" dirty="0"/>
+          </a:p>
+        </p:txBody>
+      </p:sp>
+      <p:sp>
+        <p:nvSpPr>
+          <p:cNvPr id="4" name="Foliennummernplatzhalter 3"/>
+          <p:cNvSpPr>
+            <a:spLocks noGrp="1"/>
+          </p:cNvSpPr>
+          <p:nvPr>
+            <p:ph type="sldNum" sz="quarter" idx="10"/>
+          </p:nvPr>
+        </p:nvSpPr>
+        <p:spPr/>
+        <p:txBody>
+          <a:bodyPr/>
+          <a:lstStyle/>
+          <a:p>
+            <a:fld id="{9A061F0F-BF1A-47A6-BC67-894693F926E4}" type="slidenum">
+              <a:rPr lang="de-CH" smtClean="0"/>
+              <a:t>15</a:t>
+            </a:fld>
+            <a:endParaRPr lang="de-CH"/>
+          </a:p>
+        </p:txBody>
+      </p:sp>
+    </p:spTree>
+    <p:extLst>
+      <p:ext uri="{BB962C8B-B14F-4D97-AF65-F5344CB8AC3E}">
+        <p14:creationId xmlns:p14="http://schemas.microsoft.com/office/powerpoint/2010/main" val="1674853867"/>
+      </p:ext>
+    </p:extLst>
+  </p:cSld>
+  <p:clrMapOvr>
+    <a:masterClrMapping/>
+  </p:clrMapOvr>
+</p:notes>
+</file>
+
 <file path=ppt/slideLayouts/slideLayout1.xml><?xml version="1.0" encoding="utf-8"?>
 <p:sldLayout xmlns:a="http://schemas.openxmlformats.org/drawingml/2006/main" xmlns:r="http://schemas.openxmlformats.org/officeDocument/2006/relationships" xmlns:p="http://schemas.openxmlformats.org/presentationml/2006/main" type="title" preserve="1">
   <p:cSld name="Titelfolie">
@@ -353,7 +1952,7 @@
           <a:p>
             <a:fld id="{550EA7F5-C048-764E-A1BB-BCA3DE93A146}" type="datetimeFigureOut">
               <a:rPr lang="de-DE" smtClean="0"/>
-              <a:t>16.03.15</a:t>
+              <a:t>17.03.2015</a:t>
             </a:fld>
             <a:endParaRPr lang="de-DE"/>
           </a:p>
@@ -523,7 +2122,7 @@
           <a:p>
             <a:fld id="{550EA7F5-C048-764E-A1BB-BCA3DE93A146}" type="datetimeFigureOut">
               <a:rPr lang="de-DE" smtClean="0"/>
-              <a:t>16.03.15</a:t>
+              <a:t>17.03.2015</a:t>
             </a:fld>
             <a:endParaRPr lang="de-DE"/>
           </a:p>
@@ -703,7 +2302,7 @@
           <a:p>
             <a:fld id="{550EA7F5-C048-764E-A1BB-BCA3DE93A146}" type="datetimeFigureOut">
               <a:rPr lang="de-DE" smtClean="0"/>
-              <a:t>16.03.15</a:t>
+              <a:t>17.03.2015</a:t>
             </a:fld>
             <a:endParaRPr lang="de-DE"/>
           </a:p>
@@ -926,7 +2525,7 @@
           <a:p>
             <a:fld id="{550EA7F5-C048-764E-A1BB-BCA3DE93A146}" type="datetimeFigureOut">
               <a:rPr lang="de-DE" smtClean="0"/>
-              <a:t>16.03.15</a:t>
+              <a:t>17.03.2015</a:t>
             </a:fld>
             <a:endParaRPr lang="de-DE"/>
           </a:p>
@@ -1221,7 +2820,7 @@
           <a:p>
             <a:fld id="{550EA7F5-C048-764E-A1BB-BCA3DE93A146}" type="datetimeFigureOut">
               <a:rPr lang="de-DE" smtClean="0"/>
-              <a:t>16.03.15</a:t>
+              <a:t>17.03.2015</a:t>
             </a:fld>
             <a:endParaRPr lang="de-DE"/>
           </a:p>
@@ -1562,7 +3161,7 @@
           <a:p>
             <a:fld id="{550EA7F5-C048-764E-A1BB-BCA3DE93A146}" type="datetimeFigureOut">
               <a:rPr lang="de-DE" smtClean="0"/>
-              <a:t>16.03.15</a:t>
+              <a:t>17.03.2015</a:t>
             </a:fld>
             <a:endParaRPr lang="de-DE"/>
           </a:p>
@@ -2033,7 +3632,7 @@
           <a:p>
             <a:fld id="{550EA7F5-C048-764E-A1BB-BCA3DE93A146}" type="datetimeFigureOut">
               <a:rPr lang="de-DE" smtClean="0"/>
-              <a:t>16.03.15</a:t>
+              <a:t>17.03.2015</a:t>
             </a:fld>
             <a:endParaRPr lang="de-DE"/>
           </a:p>
@@ -2204,7 +3803,7 @@
           <a:p>
             <a:fld id="{550EA7F5-C048-764E-A1BB-BCA3DE93A146}" type="datetimeFigureOut">
               <a:rPr lang="de-DE" smtClean="0"/>
-              <a:t>16.03.15</a:t>
+              <a:t>17.03.2015</a:t>
             </a:fld>
             <a:endParaRPr lang="de-DE"/>
           </a:p>
@@ -2299,7 +3898,7 @@
           <a:p>
             <a:fld id="{550EA7F5-C048-764E-A1BB-BCA3DE93A146}" type="datetimeFigureOut">
               <a:rPr lang="de-DE" smtClean="0"/>
-              <a:t>16.03.15</a:t>
+              <a:t>17.03.2015</a:t>
             </a:fld>
             <a:endParaRPr lang="de-DE"/>
           </a:p>
@@ -2576,7 +4175,7 @@
           <a:p>
             <a:fld id="{550EA7F5-C048-764E-A1BB-BCA3DE93A146}" type="datetimeFigureOut">
               <a:rPr lang="de-DE" smtClean="0"/>
-              <a:t>16.03.15</a:t>
+              <a:t>17.03.2015</a:t>
             </a:fld>
             <a:endParaRPr lang="de-DE"/>
           </a:p>
@@ -2829,7 +4428,7 @@
           <a:p>
             <a:fld id="{550EA7F5-C048-764E-A1BB-BCA3DE93A146}" type="datetimeFigureOut">
               <a:rPr lang="de-DE" smtClean="0"/>
-              <a:t>16.03.15</a:t>
+              <a:t>17.03.2015</a:t>
             </a:fld>
             <a:endParaRPr lang="de-DE"/>
           </a:p>
@@ -3042,7 +4641,7 @@
           <a:p>
             <a:fld id="{550EA7F5-C048-764E-A1BB-BCA3DE93A146}" type="datetimeFigureOut">
               <a:rPr lang="de-DE" smtClean="0"/>
-              <a:t>16.03.15</a:t>
+              <a:t>17.03.2015</a:t>
             </a:fld>
             <a:endParaRPr lang="de-DE"/>
           </a:p>
@@ -3477,6 +5076,13 @@
   <p:clrMapOvr>
     <a:masterClrMapping/>
   </p:clrMapOvr>
+  <p:timing>
+    <p:tnLst>
+      <p:par>
+        <p:cTn id="1" dur="indefinite" restart="never" nodeType="tmRoot"/>
+      </p:par>
+    </p:tnLst>
+  </p:timing>
 </p:sld>
 </file>
 
@@ -3499,7 +5105,7 @@
       </p:grpSpPr>
       <p:sp>
         <p:nvSpPr>
-          <p:cNvPr id="2" name="Titel 1"/>
+          <p:cNvPr id="4" name="Titel 3"/>
           <p:cNvSpPr>
             <a:spLocks noGrp="1"/>
           </p:cNvSpPr>
@@ -3513,20 +5119,8 @@
           <a:lstStyle/>
           <a:p>
             <a:r>
-              <a:rPr lang="de-DE" dirty="0" err="1"/>
-              <a:t>e</a:t>
-            </a:r>
-            <a:r>
-              <a:rPr lang="de-DE" dirty="0" err="1" smtClean="0"/>
-              <a:t>rkenntnisse</a:t>
-            </a:r>
-            <a:r>
               <a:rPr lang="de-DE" dirty="0" smtClean="0"/>
-              <a:t> – </a:t>
-            </a:r>
-            <a:r>
-              <a:rPr lang="de-DE" dirty="0" err="1" smtClean="0"/>
-              <a:t>scope</a:t>
+              <a:t>Anforderungen</a:t>
             </a:r>
             <a:endParaRPr lang="de-DE" dirty="0"/>
           </a:p>
@@ -3534,92 +5128,48 @@
       </p:sp>
       <p:sp>
         <p:nvSpPr>
-          <p:cNvPr id="3" name="Inhaltsplatzhalter 2"/>
-          <p:cNvSpPr>
-            <a:spLocks noGrp="1"/>
-          </p:cNvSpPr>
-          <p:nvPr>
-            <p:ph idx="1"/>
-          </p:nvPr>
-        </p:nvSpPr>
-        <p:spPr/>
-        <p:txBody>
-          <a:bodyPr/>
-          <a:lstStyle/>
-          <a:p>
-            <a:r>
-              <a:rPr lang="de-CH" dirty="0" smtClean="0"/>
-              <a:t>Terminverwaltung</a:t>
-            </a:r>
-          </a:p>
-          <a:p>
-            <a:pPr lvl="1"/>
-            <a:r>
-              <a:rPr lang="de-CH" dirty="0" smtClean="0"/>
-              <a:t>Anzeigen</a:t>
-            </a:r>
-          </a:p>
-          <a:p>
-            <a:pPr lvl="1"/>
-            <a:r>
-              <a:rPr lang="de-CH" dirty="0" smtClean="0"/>
-              <a:t>Erinnern</a:t>
-            </a:r>
-          </a:p>
-          <a:p>
-            <a:r>
-              <a:rPr lang="de-CH" dirty="0" smtClean="0"/>
-              <a:t>Behandlung</a:t>
-            </a:r>
-          </a:p>
-          <a:p>
-            <a:pPr lvl="1"/>
-            <a:r>
-              <a:rPr lang="de-CH" dirty="0" smtClean="0"/>
-              <a:t>An Handlung erinnern</a:t>
-            </a:r>
-            <a:endParaRPr lang="de-CH" b="1" dirty="0" smtClean="0"/>
-          </a:p>
-          <a:p>
-            <a:r>
-              <a:rPr lang="de-CH" dirty="0" smtClean="0"/>
-              <a:t>Verwaltung medikamentöse Behandlung</a:t>
-            </a:r>
-          </a:p>
-          <a:p>
-            <a:pPr lvl="1"/>
-            <a:r>
-              <a:rPr lang="de-CH" dirty="0" smtClean="0"/>
-              <a:t>«Medikation»</a:t>
-            </a:r>
-          </a:p>
-          <a:p>
-            <a:pPr lvl="1"/>
-            <a:r>
-              <a:rPr lang="de-CH" dirty="0" smtClean="0"/>
-              <a:t>Ausdruck um Rezepte abzuholen</a:t>
-            </a:r>
+          <p:cNvPr id="5" name="Textplatzhalter 4"/>
+          <p:cNvSpPr>
+            <a:spLocks noGrp="1"/>
+          </p:cNvSpPr>
+          <p:nvPr>
+            <p:ph type="body" idx="1"/>
+          </p:nvPr>
+        </p:nvSpPr>
+        <p:spPr/>
+        <p:txBody>
+          <a:bodyPr/>
+          <a:lstStyle/>
+          <a:p>
+            <a:endParaRPr lang="de-DE"/>
           </a:p>
         </p:txBody>
       </p:sp>
     </p:spTree>
     <p:extLst>
       <p:ext uri="{BB962C8B-B14F-4D97-AF65-F5344CB8AC3E}">
-        <p14:creationId xmlns:p14="http://schemas.microsoft.com/office/powerpoint/2010/main" val="11114944"/>
+        <p14:creationId xmlns:p14="http://schemas.microsoft.com/office/powerpoint/2010/main" val="838882359"/>
       </p:ext>
     </p:extLst>
   </p:cSld>
   <p:clrMapOvr>
     <a:masterClrMapping/>
   </p:clrMapOvr>
-  <mc:AlternateContent xmlns:mc="http://schemas.openxmlformats.org/markup-compatibility/2006">
-    <mc:Choice xmlns:p14="http://schemas.microsoft.com/office/powerpoint/2010/main" Requires="p14">
+  <mc:AlternateContent xmlns:mc="http://schemas.openxmlformats.org/markup-compatibility/2006" xmlns:p14="http://schemas.microsoft.com/office/powerpoint/2010/main">
+    <mc:Choice Requires="p14">
       <p:transition spd="slow" p14:dur="2000"/>
     </mc:Choice>
-    <mc:Fallback>
+    <mc:Fallback xmlns="">
       <p:transition xmlns:p14="http://schemas.microsoft.com/office/powerpoint/2010/main" spd="slow"/>
     </mc:Fallback>
   </mc:AlternateContent>
+  <p:timing>
+    <p:tnLst>
+      <p:par>
+        <p:cTn id="1" dur="indefinite" restart="never" nodeType="tmRoot"/>
+      </p:par>
+    </p:tnLst>
+  </p:timing>
 </p:sld>
 </file>
 
@@ -3665,15 +5215,7 @@
             </a:r>
             <a:r>
               <a:rPr lang="de-DE" dirty="0" smtClean="0"/>
-              <a:t> – out </a:t>
-            </a:r>
-            <a:r>
-              <a:rPr lang="de-DE" dirty="0" err="1" smtClean="0"/>
-              <a:t>of</a:t>
-            </a:r>
-            <a:r>
-              <a:rPr lang="de-DE" dirty="0"/>
-              <a:t> </a:t>
+              <a:t> – </a:t>
             </a:r>
             <a:r>
               <a:rPr lang="de-DE" dirty="0" err="1" smtClean="0"/>
@@ -3707,8 +5249,29 @@
             <a:pPr lvl="1"/>
             <a:r>
               <a:rPr lang="de-CH" dirty="0" smtClean="0"/>
-              <a:t>Termine vereinbaren</a:t>
-            </a:r>
+              <a:t>Anzeigen</a:t>
+            </a:r>
+          </a:p>
+          <a:p>
+            <a:pPr lvl="1"/>
+            <a:r>
+              <a:rPr lang="de-CH" dirty="0" smtClean="0"/>
+              <a:t>Erinnern</a:t>
+            </a:r>
+          </a:p>
+          <a:p>
+            <a:r>
+              <a:rPr lang="de-CH" dirty="0" smtClean="0"/>
+              <a:t>Behandlung</a:t>
+            </a:r>
+          </a:p>
+          <a:p>
+            <a:pPr lvl="1"/>
+            <a:r>
+              <a:rPr lang="de-CH" dirty="0" smtClean="0"/>
+              <a:t>An Handlung erinnern</a:t>
+            </a:r>
+            <a:endParaRPr lang="de-CH" b="1" dirty="0" smtClean="0"/>
           </a:p>
           <a:p>
             <a:r>
@@ -3720,44 +5283,48 @@
             <a:pPr lvl="1"/>
             <a:r>
               <a:rPr lang="de-CH" dirty="0" smtClean="0"/>
-              <a:t>Rezeptverwaltung</a:t>
+              <a:t>«Medikation»</a:t>
             </a:r>
           </a:p>
           <a:p>
             <a:pPr lvl="1"/>
             <a:r>
               <a:rPr lang="de-CH" dirty="0" smtClean="0"/>
-              <a:t>Rezeptdatenbank</a:t>
-            </a:r>
-          </a:p>
-          <a:p>
-            <a:endParaRPr lang="de-DE" dirty="0"/>
+              <a:t>Ausdruck um Rezepte abzuholen</a:t>
+            </a:r>
           </a:p>
         </p:txBody>
       </p:sp>
     </p:spTree>
     <p:extLst>
       <p:ext uri="{BB962C8B-B14F-4D97-AF65-F5344CB8AC3E}">
-        <p14:creationId xmlns:p14="http://schemas.microsoft.com/office/powerpoint/2010/main" val="3010319095"/>
+        <p14:creationId xmlns:p14="http://schemas.microsoft.com/office/powerpoint/2010/main" val="11114944"/>
       </p:ext>
     </p:extLst>
   </p:cSld>
   <p:clrMapOvr>
     <a:masterClrMapping/>
   </p:clrMapOvr>
-  <mc:AlternateContent xmlns:mc="http://schemas.openxmlformats.org/markup-compatibility/2006">
-    <mc:Choice xmlns:p14="http://schemas.microsoft.com/office/powerpoint/2010/main" Requires="p14">
+  <mc:AlternateContent xmlns:mc="http://schemas.openxmlformats.org/markup-compatibility/2006" xmlns:p14="http://schemas.microsoft.com/office/powerpoint/2010/main">
+    <mc:Choice Requires="p14">
       <p:transition spd="slow" p14:dur="2000"/>
     </mc:Choice>
-    <mc:Fallback>
+    <mc:Fallback xmlns="">
       <p:transition xmlns:p14="http://schemas.microsoft.com/office/powerpoint/2010/main" spd="slow"/>
     </mc:Fallback>
   </mc:AlternateContent>
+  <p:timing>
+    <p:tnLst>
+      <p:par>
+        <p:cTn id="1" dur="indefinite" restart="never" nodeType="tmRoot"/>
+      </p:par>
+    </p:tnLst>
+  </p:timing>
 </p:sld>
 </file>
 
 <file path=ppt/slides/slide12.xml><?xml version="1.0" encoding="utf-8"?>
-<p:sld xmlns:a="http://schemas.openxmlformats.org/drawingml/2006/main" xmlns:r="http://schemas.openxmlformats.org/officeDocument/2006/relationships" xmlns:p="http://schemas.openxmlformats.org/presentationml/2006/main">
+<p:sld xmlns:a="http://schemas.openxmlformats.org/drawingml/2006/main" xmlns:r="http://schemas.openxmlformats.org/officeDocument/2006/relationships" xmlns:p="http://schemas.openxmlformats.org/presentationml/2006/main" show="0">
   <p:cSld>
     <p:spTree>
       <p:nvGrpSpPr>
@@ -3789,48 +5356,110 @@
           <a:lstStyle/>
           <a:p>
             <a:r>
+              <a:rPr lang="de-DE" dirty="0" err="1"/>
+              <a:t>e</a:t>
+            </a:r>
+            <a:r>
               <a:rPr lang="de-DE" dirty="0" err="1" smtClean="0"/>
-              <a:t>prototyp</a:t>
+              <a:t>rkenntnisse</a:t>
+            </a:r>
+            <a:r>
+              <a:rPr lang="de-DE" dirty="0" smtClean="0"/>
+              <a:t> – out </a:t>
+            </a:r>
+            <a:r>
+              <a:rPr lang="de-DE" dirty="0" err="1" smtClean="0"/>
+              <a:t>of</a:t>
+            </a:r>
+            <a:r>
+              <a:rPr lang="de-DE" dirty="0"/>
+              <a:t> </a:t>
+            </a:r>
+            <a:r>
+              <a:rPr lang="de-DE" dirty="0" err="1" smtClean="0"/>
+              <a:t>scope</a:t>
             </a:r>
             <a:endParaRPr lang="de-DE" dirty="0"/>
           </a:p>
         </p:txBody>
       </p:sp>
-      <p:pic>
-        <p:nvPicPr>
-          <p:cNvPr id="4" name="Inhaltsplatzhalter 3" descr="Bildschirmfoto 2015-03-16 um 20.10.38.png"/>
-          <p:cNvPicPr>
-            <a:picLocks noGrp="1" noChangeAspect="1"/>
-          </p:cNvPicPr>
+      <p:sp>
+        <p:nvSpPr>
+          <p:cNvPr id="3" name="Inhaltsplatzhalter 2"/>
+          <p:cNvSpPr>
+            <a:spLocks noGrp="1"/>
+          </p:cNvSpPr>
           <p:nvPr>
             <p:ph idx="1"/>
           </p:nvPr>
-        </p:nvPicPr>
-        <p:blipFill>
-          <a:blip r:embed="rId2">
-            <a:extLst>
-              <a:ext uri="{28A0092B-C50C-407E-A947-70E740481C1C}">
-                <a14:useLocalDpi xmlns:a14="http://schemas.microsoft.com/office/drawing/2010/main" val="0"/>
-              </a:ext>
-            </a:extLst>
-          </a:blip>
-          <a:srcRect l="-133738" r="-133738"/>
-          <a:stretch>
-            <a:fillRect/>
-          </a:stretch>
-        </p:blipFill>
-        <p:spPr/>
-      </p:pic>
+        </p:nvSpPr>
+        <p:spPr/>
+        <p:txBody>
+          <a:bodyPr/>
+          <a:lstStyle/>
+          <a:p>
+            <a:r>
+              <a:rPr lang="de-CH" dirty="0" smtClean="0"/>
+              <a:t>Terminverwaltung</a:t>
+            </a:r>
+          </a:p>
+          <a:p>
+            <a:pPr lvl="1"/>
+            <a:r>
+              <a:rPr lang="de-CH" dirty="0" smtClean="0"/>
+              <a:t>Termine vereinbaren</a:t>
+            </a:r>
+          </a:p>
+          <a:p>
+            <a:r>
+              <a:rPr lang="de-CH" dirty="0" smtClean="0"/>
+              <a:t>Verwaltung medikamentöse Behandlung</a:t>
+            </a:r>
+          </a:p>
+          <a:p>
+            <a:pPr lvl="1"/>
+            <a:r>
+              <a:rPr lang="de-CH" dirty="0" smtClean="0"/>
+              <a:t>Rezeptverwaltung</a:t>
+            </a:r>
+          </a:p>
+          <a:p>
+            <a:pPr lvl="1"/>
+            <a:r>
+              <a:rPr lang="de-CH" dirty="0" smtClean="0"/>
+              <a:t>Rezeptdatenbank</a:t>
+            </a:r>
+          </a:p>
+          <a:p>
+            <a:endParaRPr lang="de-DE" dirty="0"/>
+          </a:p>
+        </p:txBody>
+      </p:sp>
     </p:spTree>
     <p:extLst>
       <p:ext uri="{BB962C8B-B14F-4D97-AF65-F5344CB8AC3E}">
-        <p14:creationId xmlns:p14="http://schemas.microsoft.com/office/powerpoint/2010/main" val="3307133754"/>
+        <p14:creationId xmlns:p14="http://schemas.microsoft.com/office/powerpoint/2010/main" val="3010319095"/>
       </p:ext>
     </p:extLst>
   </p:cSld>
   <p:clrMapOvr>
     <a:masterClrMapping/>
   </p:clrMapOvr>
+  <mc:AlternateContent xmlns:mc="http://schemas.openxmlformats.org/markup-compatibility/2006" xmlns:p14="http://schemas.microsoft.com/office/powerpoint/2010/main">
+    <mc:Choice Requires="p14">
+      <p:transition spd="slow" p14:dur="2000"/>
+    </mc:Choice>
+    <mc:Fallback xmlns="">
+      <p:transition xmlns:p14="http://schemas.microsoft.com/office/powerpoint/2010/main" spd="slow"/>
+    </mc:Fallback>
+  </mc:AlternateContent>
+  <p:timing>
+    <p:tnLst>
+      <p:par>
+        <p:cTn id="1" dur="indefinite" restart="never" nodeType="tmRoot"/>
+      </p:par>
+    </p:tnLst>
+  </p:timing>
 </p:sld>
 </file>
 
@@ -3867,6 +5496,91 @@
           <a:lstStyle/>
           <a:p>
             <a:r>
+              <a:rPr lang="de-DE" dirty="0" err="1" smtClean="0"/>
+              <a:t>prototyp</a:t>
+            </a:r>
+            <a:endParaRPr lang="de-DE" dirty="0"/>
+          </a:p>
+        </p:txBody>
+      </p:sp>
+      <p:pic>
+        <p:nvPicPr>
+          <p:cNvPr id="4" name="Inhaltsplatzhalter 3" descr="Bildschirmfoto 2015-03-16 um 20.10.38.png"/>
+          <p:cNvPicPr>
+            <a:picLocks noGrp="1" noChangeAspect="1"/>
+          </p:cNvPicPr>
+          <p:nvPr>
+            <p:ph idx="1"/>
+          </p:nvPr>
+        </p:nvPicPr>
+        <p:blipFill>
+          <a:blip r:embed="rId2">
+            <a:extLst>
+              <a:ext uri="{28A0092B-C50C-407E-A947-70E740481C1C}">
+                <a14:useLocalDpi xmlns:a14="http://schemas.microsoft.com/office/drawing/2010/main" val="0"/>
+              </a:ext>
+            </a:extLst>
+          </a:blip>
+          <a:srcRect l="-133738" r="-133738"/>
+          <a:stretch>
+            <a:fillRect/>
+          </a:stretch>
+        </p:blipFill>
+        <p:spPr/>
+      </p:pic>
+    </p:spTree>
+    <p:extLst>
+      <p:ext uri="{BB962C8B-B14F-4D97-AF65-F5344CB8AC3E}">
+        <p14:creationId xmlns:p14="http://schemas.microsoft.com/office/powerpoint/2010/main" val="3307133754"/>
+      </p:ext>
+    </p:extLst>
+  </p:cSld>
+  <p:clrMapOvr>
+    <a:masterClrMapping/>
+  </p:clrMapOvr>
+  <p:timing>
+    <p:tnLst>
+      <p:par>
+        <p:cTn id="1" dur="indefinite" restart="never" nodeType="tmRoot"/>
+      </p:par>
+    </p:tnLst>
+  </p:timing>
+</p:sld>
+</file>
+
+<file path=ppt/slides/slide14.xml><?xml version="1.0" encoding="utf-8"?>
+<p:sld xmlns:a="http://schemas.openxmlformats.org/drawingml/2006/main" xmlns:r="http://schemas.openxmlformats.org/officeDocument/2006/relationships" xmlns:p="http://schemas.openxmlformats.org/presentationml/2006/main">
+  <p:cSld>
+    <p:spTree>
+      <p:nvGrpSpPr>
+        <p:cNvPr id="1" name=""/>
+        <p:cNvGrpSpPr/>
+        <p:nvPr/>
+      </p:nvGrpSpPr>
+      <p:grpSpPr>
+        <a:xfrm>
+          <a:off x="0" y="0"/>
+          <a:ext cx="0" cy="0"/>
+          <a:chOff x="0" y="0"/>
+          <a:chExt cx="0" cy="0"/>
+        </a:xfrm>
+      </p:grpSpPr>
+      <p:sp>
+        <p:nvSpPr>
+          <p:cNvPr id="2" name="Titel 1"/>
+          <p:cNvSpPr>
+            <a:spLocks noGrp="1"/>
+          </p:cNvSpPr>
+          <p:nvPr>
+            <p:ph type="title"/>
+          </p:nvPr>
+        </p:nvSpPr>
+        <p:spPr/>
+        <p:txBody>
+          <a:bodyPr/>
+          <a:lstStyle/>
+          <a:p>
+            <a:r>
               <a:rPr lang="de-DE" dirty="0" smtClean="0"/>
               <a:t>„</a:t>
             </a:r>
@@ -3901,7 +5615,7 @@
           </p:nvPr>
         </p:nvPicPr>
         <p:blipFill>
-          <a:blip r:embed="rId2">
+          <a:blip r:embed="rId3">
             <a:extLst>
               <a:ext uri="{28A0092B-C50C-407E-A947-70E740481C1C}">
                 <a14:useLocalDpi xmlns:a14="http://schemas.microsoft.com/office/drawing/2010/main" val="0"/>
@@ -3925,6 +5639,133 @@
   <p:clrMapOvr>
     <a:masterClrMapping/>
   </p:clrMapOvr>
+  <p:timing>
+    <p:tnLst>
+      <p:par>
+        <p:cTn id="1" dur="indefinite" restart="never" nodeType="tmRoot"/>
+      </p:par>
+    </p:tnLst>
+  </p:timing>
+</p:sld>
+</file>
+
+<file path=ppt/slides/slide15.xml><?xml version="1.0" encoding="utf-8"?>
+<p:sld xmlns:a="http://schemas.openxmlformats.org/drawingml/2006/main" xmlns:r="http://schemas.openxmlformats.org/officeDocument/2006/relationships" xmlns:p="http://schemas.openxmlformats.org/presentationml/2006/main">
+  <p:cSld>
+    <p:spTree>
+      <p:nvGrpSpPr>
+        <p:cNvPr id="1" name=""/>
+        <p:cNvGrpSpPr/>
+        <p:nvPr/>
+      </p:nvGrpSpPr>
+      <p:grpSpPr>
+        <a:xfrm>
+          <a:off x="0" y="0"/>
+          <a:ext cx="0" cy="0"/>
+          <a:chOff x="0" y="0"/>
+          <a:chExt cx="0" cy="0"/>
+        </a:xfrm>
+      </p:grpSpPr>
+      <p:sp>
+        <p:nvSpPr>
+          <p:cNvPr id="2" name="Titel 1"/>
+          <p:cNvSpPr>
+            <a:spLocks noGrp="1"/>
+          </p:cNvSpPr>
+          <p:nvPr>
+            <p:ph type="title"/>
+          </p:nvPr>
+        </p:nvSpPr>
+        <p:spPr/>
+        <p:txBody>
+          <a:bodyPr/>
+          <a:lstStyle/>
+          <a:p>
+            <a:r>
+              <a:rPr lang="en-US" dirty="0" err="1" smtClean="0"/>
+              <a:t>Rückfall-Notfall</a:t>
+            </a:r>
+            <a:endParaRPr lang="de-CH" dirty="0"/>
+          </a:p>
+        </p:txBody>
+      </p:sp>
+      <p:sp>
+        <p:nvSpPr>
+          <p:cNvPr id="3" name="Inhaltsplatzhalter 2"/>
+          <p:cNvSpPr>
+            <a:spLocks noGrp="1"/>
+          </p:cNvSpPr>
+          <p:nvPr>
+            <p:ph idx="1"/>
+          </p:nvPr>
+        </p:nvSpPr>
+        <p:spPr/>
+        <p:txBody>
+          <a:bodyPr/>
+          <a:lstStyle/>
+          <a:p>
+            <a:endParaRPr lang="de-CH"/>
+          </a:p>
+        </p:txBody>
+      </p:sp>
+      <p:pic>
+        <p:nvPicPr>
+          <p:cNvPr id="1026" name="Picture 2" descr="C:\Users\James\Desktop\it3_prototype_notfall.png"/>
+          <p:cNvPicPr>
+            <a:picLocks noChangeAspect="1" noChangeArrowheads="1"/>
+          </p:cNvPicPr>
+          <p:nvPr/>
+        </p:nvPicPr>
+        <p:blipFill>
+          <a:blip r:embed="rId3">
+            <a:extLst>
+              <a:ext uri="{28A0092B-C50C-407E-A947-70E740481C1C}">
+                <a14:useLocalDpi xmlns:a14="http://schemas.microsoft.com/office/drawing/2010/main" val="0"/>
+              </a:ext>
+            </a:extLst>
+          </a:blip>
+          <a:srcRect/>
+          <a:stretch>
+            <a:fillRect/>
+          </a:stretch>
+        </p:blipFill>
+        <p:spPr bwMode="auto">
+          <a:xfrm>
+            <a:off x="2587223" y="1634365"/>
+            <a:ext cx="3963206" cy="5223635"/>
+          </a:xfrm>
+          <a:prstGeom prst="rect">
+            <a:avLst/>
+          </a:prstGeom>
+          <a:noFill/>
+          <a:extLst>
+            <a:ext uri="{909E8E84-426E-40DD-AFC4-6F175D3DCCD1}">
+              <a14:hiddenFill xmlns:a14="http://schemas.microsoft.com/office/drawing/2010/main">
+                <a:solidFill>
+                  <a:srgbClr val="FFFFFF"/>
+                </a:solidFill>
+              </a14:hiddenFill>
+            </a:ext>
+          </a:extLst>
+        </p:spPr>
+      </p:pic>
+    </p:spTree>
+    <p:extLst>
+      <p:ext uri="{BB962C8B-B14F-4D97-AF65-F5344CB8AC3E}">
+        <p14:creationId xmlns:p14="http://schemas.microsoft.com/office/powerpoint/2010/main" val="340465292"/>
+      </p:ext>
+    </p:extLst>
+  </p:cSld>
+  <p:clrMapOvr>
+    <a:masterClrMapping/>
+  </p:clrMapOvr>
+  <p:timing>
+    <p:tnLst>
+      <p:par>
+        <p:cTn id="1" dur="indefinite" restart="never" nodeType="tmRoot"/>
+      </p:par>
+    </p:tnLst>
+  </p:timing>
 </p:sld>
 </file>
 
@@ -3961,10 +5802,10 @@
           <a:lstStyle/>
           <a:p>
             <a:r>
-              <a:rPr lang="de-DE" dirty="0" smtClean="0"/>
-              <a:t>ziel</a:t>
-            </a:r>
-            <a:endParaRPr lang="de-DE" dirty="0"/>
+              <a:rPr lang="en-US" dirty="0" err="1" smtClean="0"/>
+              <a:t>Inhalt</a:t>
+            </a:r>
+            <a:endParaRPr lang="de-CH" dirty="0"/>
           </a:p>
         </p:txBody>
       </p:sp>
@@ -3984,23 +5825,69 @@
           <a:lstStyle/>
           <a:p>
             <a:r>
-              <a:rPr lang="de-DE" dirty="0" smtClean="0"/>
-              <a:t>Anwendung für Patienten</a:t>
-            </a:r>
-            <a:endParaRPr lang="de-DE" dirty="0"/>
+              <a:rPr lang="en-US" dirty="0" err="1" smtClean="0"/>
+              <a:t>Ziel</a:t>
+            </a:r>
+            <a:r>
+              <a:rPr lang="en-US" dirty="0" smtClean="0"/>
+              <a:t> – Scope</a:t>
+            </a:r>
+          </a:p>
+          <a:p>
+            <a:r>
+              <a:rPr lang="en-US" dirty="0" smtClean="0"/>
+              <a:t>Interview &amp; Personas – Research</a:t>
+            </a:r>
+          </a:p>
+          <a:p>
+            <a:r>
+              <a:rPr lang="en-US" dirty="0" smtClean="0"/>
+              <a:t>Storyboards</a:t>
+            </a:r>
+          </a:p>
+          <a:p>
+            <a:r>
+              <a:rPr lang="en-US" dirty="0" smtClean="0"/>
+              <a:t>Prototypes</a:t>
+            </a:r>
+          </a:p>
+          <a:p>
+            <a:r>
+              <a:rPr lang="en-US" dirty="0" err="1" smtClean="0"/>
+              <a:t>Diskussion</a:t>
+            </a:r>
+            <a:r>
+              <a:rPr lang="en-US" dirty="0" smtClean="0"/>
+              <a:t> / </a:t>
+            </a:r>
+            <a:r>
+              <a:rPr lang="en-US" dirty="0" err="1" smtClean="0"/>
+              <a:t>Fragen</a:t>
+            </a:r>
+            <a:endParaRPr lang="en-US" dirty="0" smtClean="0"/>
+          </a:p>
+          <a:p>
+            <a:endParaRPr lang="de-CH" dirty="0"/>
           </a:p>
         </p:txBody>
       </p:sp>
     </p:spTree>
     <p:extLst>
       <p:ext uri="{BB962C8B-B14F-4D97-AF65-F5344CB8AC3E}">
-        <p14:creationId xmlns:p14="http://schemas.microsoft.com/office/powerpoint/2010/main" val="2809093334"/>
+        <p14:creationId xmlns:p14="http://schemas.microsoft.com/office/powerpoint/2010/main" val="3930703100"/>
       </p:ext>
     </p:extLst>
   </p:cSld>
   <p:clrMapOvr>
     <a:masterClrMapping/>
   </p:clrMapOvr>
+  <p:timing>
+    <p:tnLst>
+      <p:par>
+        <p:cTn id="1" dur="indefinite" restart="never" nodeType="tmRoot"/>
+      </p:par>
+    </p:tnLst>
+  </p:timing>
 </p:sld>
 </file>
 
@@ -4038,7 +5925,11 @@
           <a:p>
             <a:r>
               <a:rPr lang="de-DE" dirty="0" smtClean="0"/>
-              <a:t>interview</a:t>
+              <a:t>ziel - </a:t>
+            </a:r>
+            <a:r>
+              <a:rPr lang="de-DE" dirty="0" err="1" smtClean="0"/>
+              <a:t>scope</a:t>
             </a:r>
             <a:endParaRPr lang="de-DE" dirty="0"/>
           </a:p>
@@ -4061,13 +5952,39 @@
           <a:p>
             <a:r>
               <a:rPr lang="de-DE" dirty="0" smtClean="0"/>
-              <a:t>Anna V., Stationsleiterin psychiatrische Klinik Langnau i. E.</a:t>
-            </a:r>
-          </a:p>
-          <a:p>
+              <a:t>Anwendung für </a:t>
+            </a:r>
             <a:r>
               <a:rPr lang="de-DE" dirty="0" smtClean="0"/>
-              <a:t>10 Jahren Berufserfahrung</a:t>
+              <a:t>Suchtpatienten</a:t>
+            </a:r>
+          </a:p>
+          <a:p>
+            <a:pPr lvl="1"/>
+            <a:r>
+              <a:rPr lang="de-DE" dirty="0" smtClean="0"/>
+              <a:t>Strukturierung Tagesablauf</a:t>
+            </a:r>
+          </a:p>
+          <a:p>
+            <a:pPr lvl="1"/>
+            <a:r>
+              <a:rPr lang="de-DE" dirty="0" smtClean="0"/>
+              <a:t>Terminerinnerung</a:t>
+            </a:r>
+          </a:p>
+          <a:p>
+            <a:pPr lvl="1"/>
+            <a:r>
+              <a:rPr lang="de-DE" dirty="0" smtClean="0"/>
+              <a:t>Hilfe bei Medikation</a:t>
+            </a:r>
+          </a:p>
+          <a:p>
+            <a:pPr lvl="1"/>
+            <a:r>
+              <a:rPr lang="de-DE" dirty="0" smtClean="0"/>
+              <a:t>Unterstützung in Ausnahmesituationen</a:t>
             </a:r>
             <a:endParaRPr lang="de-DE" dirty="0"/>
           </a:p>
@@ -4076,13 +5993,20 @@
     </p:spTree>
     <p:extLst>
       <p:ext uri="{BB962C8B-B14F-4D97-AF65-F5344CB8AC3E}">
-        <p14:creationId xmlns:p14="http://schemas.microsoft.com/office/powerpoint/2010/main" val="3732861675"/>
+        <p14:creationId xmlns:p14="http://schemas.microsoft.com/office/powerpoint/2010/main" val="2809093334"/>
       </p:ext>
     </p:extLst>
   </p:cSld>
   <p:clrMapOvr>
     <a:masterClrMapping/>
   </p:clrMapOvr>
+  <p:timing>
+    <p:tnLst>
+      <p:par>
+        <p:cTn id="1" dur="indefinite" restart="never" nodeType="tmRoot"/>
+      </p:par>
+    </p:tnLst>
+  </p:timing>
 </p:sld>
 </file>
 
@@ -4119,80 +6043,82 @@
           <a:lstStyle/>
           <a:p>
             <a:r>
+              <a:rPr lang="de-DE" dirty="0" smtClean="0"/>
+              <a:t>Interview - </a:t>
+            </a:r>
+            <a:r>
               <a:rPr lang="de-DE" dirty="0" err="1" smtClean="0"/>
-              <a:t>erkenntnisse</a:t>
-            </a:r>
+              <a:t>research</a:t>
+            </a:r>
+            <a:endParaRPr lang="de-DE" dirty="0"/>
+          </a:p>
+        </p:txBody>
+      </p:sp>
+      <p:sp>
+        <p:nvSpPr>
+          <p:cNvPr id="3" name="Inhaltsplatzhalter 2"/>
+          <p:cNvSpPr>
+            <a:spLocks noGrp="1"/>
+          </p:cNvSpPr>
+          <p:nvPr>
+            <p:ph idx="1"/>
+          </p:nvPr>
+        </p:nvSpPr>
+        <p:spPr/>
+        <p:txBody>
+          <a:bodyPr/>
+          <a:lstStyle/>
+          <a:p>
             <a:r>
               <a:rPr lang="de-DE" dirty="0" smtClean="0"/>
-              <a:t> – </a:t>
-            </a:r>
-            <a:r>
-              <a:rPr lang="de-DE" dirty="0" err="1" smtClean="0"/>
-              <a:t>personas</a:t>
-            </a:r>
-            <a:endParaRPr lang="de-DE" dirty="0"/>
-          </a:p>
-        </p:txBody>
-      </p:sp>
-      <p:sp>
-        <p:nvSpPr>
-          <p:cNvPr id="3" name="Inhaltsplatzhalter 2"/>
-          <p:cNvSpPr>
-            <a:spLocks noGrp="1"/>
-          </p:cNvSpPr>
-          <p:nvPr>
-            <p:ph idx="1"/>
-          </p:nvPr>
-        </p:nvSpPr>
-        <p:spPr/>
-        <p:txBody>
-          <a:bodyPr/>
-          <a:lstStyle/>
+              <a:t>Anna V., Stationsleiterin psychiatrische Klinik Langnau i. E.</a:t>
+            </a:r>
+          </a:p>
           <a:p>
             <a:r>
               <a:rPr lang="de-DE" dirty="0" smtClean="0"/>
-              <a:t>Seit längerem Drogenabhängig</a:t>
-            </a:r>
-          </a:p>
-          <a:p>
+              <a:t>10 Jahren </a:t>
+            </a:r>
             <a:r>
               <a:rPr lang="de-DE" dirty="0" smtClean="0"/>
-              <a:t>Nur beschränkt selbstständig</a:t>
-            </a:r>
-          </a:p>
-          <a:p>
-            <a:r>
-              <a:rPr lang="de-DE" dirty="0" smtClean="0"/>
-              <a:t>Ungeordnetes Leben</a:t>
-            </a:r>
-          </a:p>
-          <a:p>
-            <a:r>
-              <a:rPr lang="de-DE" dirty="0" smtClean="0"/>
-              <a:t>Kaum Kontakte</a:t>
-            </a:r>
-          </a:p>
-          <a:p>
-            <a:r>
-              <a:rPr lang="de-DE" dirty="0" smtClean="0"/>
-              <a:t>Termine gehen oft vergessen</a:t>
-            </a:r>
-          </a:p>
-          <a:p>
-            <a:endParaRPr lang="de-DE" dirty="0"/>
+              <a:t>Berufserfahrung</a:t>
+            </a:r>
+          </a:p>
+          <a:p>
+            <a:pPr marL="0" indent="0">
+              <a:buNone/>
+            </a:pPr>
+            <a:endParaRPr lang="de-DE" dirty="0" smtClean="0"/>
+          </a:p>
+          <a:p>
+            <a:pPr marL="0" indent="0" algn="ctr">
+              <a:buNone/>
+            </a:pPr>
+            <a:r>
+              <a:rPr lang="de-DE" b="1" dirty="0" smtClean="0"/>
+              <a:t>„Wenn die Patienten zur Behandlung erscheinen ist‘s sehr gut, wenn sie nüchtern erscheinen noch besser“</a:t>
+            </a:r>
+            <a:endParaRPr lang="de-DE" b="1" dirty="0"/>
           </a:p>
         </p:txBody>
       </p:sp>
     </p:spTree>
     <p:extLst>
       <p:ext uri="{BB962C8B-B14F-4D97-AF65-F5344CB8AC3E}">
-        <p14:creationId xmlns:p14="http://schemas.microsoft.com/office/powerpoint/2010/main" val="1310575014"/>
+        <p14:creationId xmlns:p14="http://schemas.microsoft.com/office/powerpoint/2010/main" val="3732861675"/>
       </p:ext>
     </p:extLst>
   </p:cSld>
   <p:clrMapOvr>
     <a:masterClrMapping/>
   </p:clrMapOvr>
+  <p:timing>
+    <p:tnLst>
+      <p:par>
+        <p:cTn id="1" dur="indefinite" restart="never" nodeType="tmRoot"/>
+      </p:par>
+    </p:tnLst>
+  </p:timing>
 </p:sld>
 </file>
 
@@ -4225,6 +6151,134 @@
         </p:nvSpPr>
         <p:spPr/>
         <p:txBody>
+          <a:bodyPr/>
+          <a:lstStyle/>
+          <a:p>
+            <a:r>
+              <a:rPr lang="de-DE" dirty="0" err="1" smtClean="0"/>
+              <a:t>erkenntnisse</a:t>
+            </a:r>
+            <a:r>
+              <a:rPr lang="de-DE" dirty="0" smtClean="0"/>
+              <a:t> – </a:t>
+            </a:r>
+            <a:r>
+              <a:rPr lang="de-DE" dirty="0" err="1" smtClean="0"/>
+              <a:t>personas</a:t>
+            </a:r>
+            <a:endParaRPr lang="de-DE" dirty="0"/>
+          </a:p>
+        </p:txBody>
+      </p:sp>
+      <p:sp>
+        <p:nvSpPr>
+          <p:cNvPr id="3" name="Inhaltsplatzhalter 2"/>
+          <p:cNvSpPr>
+            <a:spLocks noGrp="1"/>
+          </p:cNvSpPr>
+          <p:nvPr>
+            <p:ph idx="1"/>
+          </p:nvPr>
+        </p:nvSpPr>
+        <p:spPr/>
+        <p:txBody>
+          <a:bodyPr/>
+          <a:lstStyle/>
+          <a:p>
+            <a:r>
+              <a:rPr lang="de-DE" dirty="0" smtClean="0"/>
+              <a:t>Seit längerem Drogenabhängig</a:t>
+            </a:r>
+          </a:p>
+          <a:p>
+            <a:r>
+              <a:rPr lang="de-DE" dirty="0" smtClean="0"/>
+              <a:t>Nur beschränkt selbstständig</a:t>
+            </a:r>
+          </a:p>
+          <a:p>
+            <a:r>
+              <a:rPr lang="de-DE" dirty="0" smtClean="0"/>
+              <a:t>Ungeordnetes Leben</a:t>
+            </a:r>
+          </a:p>
+          <a:p>
+            <a:r>
+              <a:rPr lang="de-DE" dirty="0" smtClean="0"/>
+              <a:t>Kaum Kontakte</a:t>
+            </a:r>
+          </a:p>
+          <a:p>
+            <a:r>
+              <a:rPr lang="de-DE" dirty="0" smtClean="0"/>
+              <a:t>Termine gehen oft </a:t>
+            </a:r>
+            <a:r>
+              <a:rPr lang="de-DE" dirty="0" smtClean="0"/>
+              <a:t>vergessen</a:t>
+            </a:r>
+          </a:p>
+          <a:p>
+            <a:r>
+              <a:rPr lang="de-DE" dirty="0" smtClean="0"/>
+              <a:t>Sucht bestimmt Leben</a:t>
+            </a:r>
+            <a:endParaRPr lang="de-DE" dirty="0" smtClean="0"/>
+          </a:p>
+          <a:p>
+            <a:endParaRPr lang="de-DE" dirty="0"/>
+          </a:p>
+        </p:txBody>
+      </p:sp>
+    </p:spTree>
+    <p:extLst>
+      <p:ext uri="{BB962C8B-B14F-4D97-AF65-F5344CB8AC3E}">
+        <p14:creationId xmlns:p14="http://schemas.microsoft.com/office/powerpoint/2010/main" val="1310575014"/>
+      </p:ext>
+    </p:extLst>
+  </p:cSld>
+  <p:clrMapOvr>
+    <a:masterClrMapping/>
+  </p:clrMapOvr>
+  <p:timing>
+    <p:tnLst>
+      <p:par>
+        <p:cTn id="1" dur="indefinite" restart="never" nodeType="tmRoot"/>
+      </p:par>
+    </p:tnLst>
+  </p:timing>
+</p:sld>
+</file>
+
+<file path=ppt/slides/slide6.xml><?xml version="1.0" encoding="utf-8"?>
+<p:sld xmlns:a="http://schemas.openxmlformats.org/drawingml/2006/main" xmlns:r="http://schemas.openxmlformats.org/officeDocument/2006/relationships" xmlns:p="http://schemas.openxmlformats.org/presentationml/2006/main">
+  <p:cSld>
+    <p:spTree>
+      <p:nvGrpSpPr>
+        <p:cNvPr id="1" name=""/>
+        <p:cNvGrpSpPr/>
+        <p:nvPr/>
+      </p:nvGrpSpPr>
+      <p:grpSpPr>
+        <a:xfrm>
+          <a:off x="0" y="0"/>
+          <a:ext cx="0" cy="0"/>
+          <a:chOff x="0" y="0"/>
+          <a:chExt cx="0" cy="0"/>
+        </a:xfrm>
+      </p:grpSpPr>
+      <p:sp>
+        <p:nvSpPr>
+          <p:cNvPr id="2" name="Titel 1"/>
+          <p:cNvSpPr>
+            <a:spLocks noGrp="1"/>
+          </p:cNvSpPr>
+          <p:nvPr>
+            <p:ph type="title"/>
+          </p:nvPr>
+        </p:nvSpPr>
+        <p:spPr/>
+        <p:txBody>
           <a:bodyPr>
             <a:normAutofit fontScale="90000"/>
           </a:bodyPr>
@@ -4265,7 +6319,7 @@
           </p:nvPr>
         </p:nvPicPr>
         <p:blipFill rotWithShape="1">
-          <a:blip r:embed="rId2"/>
+          <a:blip r:embed="rId3"/>
           <a:srcRect t="10667" b="-698"/>
           <a:stretch/>
         </p:blipFill>
@@ -4286,10 +6340,17 @@
   <p:clrMapOvr>
     <a:masterClrMapping/>
   </p:clrMapOvr>
+  <p:timing>
+    <p:tnLst>
+      <p:par>
+        <p:cTn id="1" dur="indefinite" restart="never" nodeType="tmRoot"/>
+      </p:par>
+    </p:tnLst>
+  </p:timing>
 </p:sld>
 </file>
 
-<file path=ppt/slides/slide6.xml><?xml version="1.0" encoding="utf-8"?>
+<file path=ppt/slides/slide7.xml><?xml version="1.0" encoding="utf-8"?>
 <p:sld xmlns:a="http://schemas.openxmlformats.org/drawingml/2006/main" xmlns:r="http://schemas.openxmlformats.org/officeDocument/2006/relationships" xmlns:p="http://schemas.openxmlformats.org/presentationml/2006/main">
   <p:cSld>
     <p:spTree>
@@ -4356,7 +6417,7 @@
           </p:nvPr>
         </p:nvPicPr>
         <p:blipFill rotWithShape="1">
-          <a:blip r:embed="rId2"/>
+          <a:blip r:embed="rId3"/>
           <a:srcRect t="12645" b="-24503"/>
           <a:stretch/>
         </p:blipFill>
@@ -4377,107 +6438,13 @@
   <p:clrMapOvr>
     <a:masterClrMapping/>
   </p:clrMapOvr>
-</p:sld>
-</file>
-
-<file path=ppt/slides/slide7.xml><?xml version="1.0" encoding="utf-8"?>
-<p:sld xmlns:a="http://schemas.openxmlformats.org/drawingml/2006/main" xmlns:r="http://schemas.openxmlformats.org/officeDocument/2006/relationships" xmlns:p="http://schemas.openxmlformats.org/presentationml/2006/main">
-  <p:cSld>
-    <p:spTree>
-      <p:nvGrpSpPr>
-        <p:cNvPr id="1" name=""/>
-        <p:cNvGrpSpPr/>
-        <p:nvPr/>
-      </p:nvGrpSpPr>
-      <p:grpSpPr>
-        <a:xfrm>
-          <a:off x="0" y="0"/>
-          <a:ext cx="0" cy="0"/>
-          <a:chOff x="0" y="0"/>
-          <a:chExt cx="0" cy="0"/>
-        </a:xfrm>
-      </p:grpSpPr>
-      <p:sp>
-        <p:nvSpPr>
-          <p:cNvPr id="2" name="Titel 1"/>
-          <p:cNvSpPr>
-            <a:spLocks noGrp="1"/>
-          </p:cNvSpPr>
-          <p:nvPr>
-            <p:ph type="title"/>
-          </p:nvPr>
-        </p:nvSpPr>
-        <p:spPr/>
-        <p:txBody>
-          <a:bodyPr/>
-          <a:lstStyle/>
-          <a:p>
-            <a:r>
-              <a:rPr lang="de-DE" dirty="0" smtClean="0"/>
-              <a:t>ziel</a:t>
-            </a:r>
-            <a:endParaRPr lang="de-DE" dirty="0"/>
-          </a:p>
-        </p:txBody>
-      </p:sp>
-      <p:sp>
-        <p:nvSpPr>
-          <p:cNvPr id="3" name="Inhaltsplatzhalter 2"/>
-          <p:cNvSpPr>
-            <a:spLocks noGrp="1"/>
-          </p:cNvSpPr>
-          <p:nvPr>
-            <p:ph idx="1"/>
-          </p:nvPr>
-        </p:nvSpPr>
-        <p:spPr/>
-        <p:txBody>
-          <a:bodyPr/>
-          <a:lstStyle/>
-          <a:p>
-            <a:r>
-              <a:rPr lang="de-DE" dirty="0" smtClean="0"/>
-              <a:t>Behandlung von Suchtpatienten:</a:t>
-            </a:r>
-          </a:p>
-          <a:p>
-            <a:pPr lvl="1"/>
-            <a:r>
-              <a:rPr lang="de-DE" dirty="0"/>
-              <a:t>e</a:t>
-            </a:r>
-            <a:r>
-              <a:rPr lang="de-DE" dirty="0" smtClean="0"/>
-              <a:t>infacher, </a:t>
-            </a:r>
-          </a:p>
-          <a:p>
-            <a:pPr lvl="1"/>
-            <a:r>
-              <a:rPr lang="de-DE" dirty="0" smtClean="0"/>
-              <a:t>effizienter und</a:t>
-            </a:r>
-          </a:p>
-          <a:p>
-            <a:pPr lvl="1"/>
-            <a:r>
-              <a:rPr lang="de-DE" dirty="0" smtClean="0"/>
-              <a:t>angenehmer machen</a:t>
-            </a:r>
-            <a:endParaRPr lang="de-DE" dirty="0"/>
-          </a:p>
-        </p:txBody>
-      </p:sp>
-    </p:spTree>
-    <p:extLst>
-      <p:ext uri="{BB962C8B-B14F-4D97-AF65-F5344CB8AC3E}">
-        <p14:creationId xmlns:p14="http://schemas.microsoft.com/office/powerpoint/2010/main" val="2293000779"/>
-      </p:ext>
-    </p:extLst>
-  </p:cSld>
-  <p:clrMapOvr>
-    <a:masterClrMapping/>
-  </p:clrMapOvr>
+  <p:timing>
+    <p:tnLst>
+      <p:par>
+        <p:cTn id="1" dur="indefinite" restart="never" nodeType="tmRoot"/>
+      </p:par>
+    </p:tnLst>
+  </p:timing>
 </p:sld>
 </file>
 
@@ -4514,8 +6481,8 @@
           <a:lstStyle/>
           <a:p>
             <a:r>
-              <a:rPr lang="de-DE" dirty="0" err="1" smtClean="0"/>
-              <a:t>funktionen</a:t>
+              <a:rPr lang="de-DE" dirty="0" smtClean="0"/>
+              <a:t>ziel</a:t>
             </a:r>
             <a:endParaRPr lang="de-DE" dirty="0"/>
           </a:p>
@@ -4533,60 +6500,37 @@
         </p:nvSpPr>
         <p:spPr/>
         <p:txBody>
-          <a:bodyPr>
-            <a:normAutofit/>
-          </a:bodyPr>
+          <a:bodyPr/>
           <a:lstStyle/>
           <a:p>
             <a:r>
               <a:rPr lang="de-DE" dirty="0" smtClean="0"/>
-              <a:t>Terminerinnerung / -</a:t>
+              <a:t>Behandlung von Suchtpatienten:</a:t>
+            </a:r>
+          </a:p>
+          <a:p>
+            <a:pPr lvl="1"/>
+            <a:r>
+              <a:rPr lang="de-DE" dirty="0"/>
+              <a:t>e</a:t>
             </a:r>
             <a:r>
               <a:rPr lang="de-DE" dirty="0" smtClean="0"/>
-              <a:t>übersicht</a:t>
-            </a:r>
-            <a:endParaRPr lang="de-DE" dirty="0"/>
-          </a:p>
-          <a:p>
+              <a:t>infacher, </a:t>
+            </a:r>
+          </a:p>
+          <a:p>
+            <a:pPr lvl="1"/>
             <a:r>
               <a:rPr lang="de-DE" dirty="0" smtClean="0"/>
-              <a:t>Notfallplan / -nummern</a:t>
-            </a:r>
-            <a:endParaRPr lang="de-DE" dirty="0"/>
-          </a:p>
-          <a:p>
+              <a:t>effizienter und</a:t>
+            </a:r>
+          </a:p>
+          <a:p>
+            <a:pPr lvl="1"/>
             <a:r>
               <a:rPr lang="de-DE" dirty="0" smtClean="0"/>
-              <a:t>An </a:t>
-            </a:r>
-            <a:r>
-              <a:rPr lang="de-DE" dirty="0"/>
-              <a:t>Behandlung/ Aufgaben erinnern</a:t>
-            </a:r>
-          </a:p>
-          <a:p>
-            <a:r>
-              <a:rPr lang="de-DE" dirty="0" smtClean="0"/>
-              <a:t>Dosierung </a:t>
-            </a:r>
-            <a:r>
-              <a:rPr lang="de-DE" dirty="0"/>
-              <a:t>der Medikamente anzeigen</a:t>
-            </a:r>
-          </a:p>
-          <a:p>
-            <a:r>
-              <a:rPr lang="de-DE" dirty="0" smtClean="0"/>
-              <a:t>„Life-</a:t>
-            </a:r>
-            <a:r>
-              <a:rPr lang="de-DE" dirty="0" err="1" smtClean="0"/>
-              <a:t>Up</a:t>
-            </a:r>
-            <a:r>
-              <a:rPr lang="de-DE" dirty="0" smtClean="0"/>
-              <a:t>“</a:t>
+              <a:t>angenehmer machen</a:t>
             </a:r>
             <a:endParaRPr lang="de-DE" dirty="0"/>
           </a:p>
@@ -4595,18 +6539,25 @@
     </p:spTree>
     <p:extLst>
       <p:ext uri="{BB962C8B-B14F-4D97-AF65-F5344CB8AC3E}">
-        <p14:creationId xmlns:p14="http://schemas.microsoft.com/office/powerpoint/2010/main" val="972140927"/>
+        <p14:creationId xmlns:p14="http://schemas.microsoft.com/office/powerpoint/2010/main" val="2293000779"/>
       </p:ext>
     </p:extLst>
   </p:cSld>
   <p:clrMapOvr>
     <a:masterClrMapping/>
   </p:clrMapOvr>
+  <p:timing>
+    <p:tnLst>
+      <p:par>
+        <p:cTn id="1" dur="indefinite" restart="never" nodeType="tmRoot"/>
+      </p:par>
+    </p:tnLst>
+  </p:timing>
 </p:sld>
 </file>
 
 <file path=ppt/slides/slide9.xml><?xml version="1.0" encoding="utf-8"?>
-<p:sld xmlns:a="http://schemas.openxmlformats.org/drawingml/2006/main" xmlns:r="http://schemas.openxmlformats.org/officeDocument/2006/relationships" xmlns:p="http://schemas.openxmlformats.org/presentationml/2006/main" show="0">
+<p:sld xmlns:a="http://schemas.openxmlformats.org/drawingml/2006/main" xmlns:r="http://schemas.openxmlformats.org/officeDocument/2006/relationships" xmlns:p="http://schemas.openxmlformats.org/presentationml/2006/main">
   <p:cSld>
     <p:spTree>
       <p:nvGrpSpPr>
@@ -4624,7 +6575,7 @@
       </p:grpSpPr>
       <p:sp>
         <p:nvSpPr>
-          <p:cNvPr id="4" name="Titel 3"/>
+          <p:cNvPr id="2" name="Titel 1"/>
           <p:cNvSpPr>
             <a:spLocks noGrp="1"/>
           </p:cNvSpPr>
@@ -4638,50 +6589,94 @@
           <a:lstStyle/>
           <a:p>
             <a:r>
+              <a:rPr lang="de-DE" dirty="0" err="1" smtClean="0"/>
+              <a:t>funktionen</a:t>
+            </a:r>
+            <a:endParaRPr lang="de-DE" dirty="0"/>
+          </a:p>
+        </p:txBody>
+      </p:sp>
+      <p:sp>
+        <p:nvSpPr>
+          <p:cNvPr id="3" name="Inhaltsplatzhalter 2"/>
+          <p:cNvSpPr>
+            <a:spLocks noGrp="1"/>
+          </p:cNvSpPr>
+          <p:nvPr>
+            <p:ph idx="1"/>
+          </p:nvPr>
+        </p:nvSpPr>
+        <p:spPr/>
+        <p:txBody>
+          <a:bodyPr>
+            <a:normAutofit/>
+          </a:bodyPr>
+          <a:lstStyle/>
+          <a:p>
+            <a:r>
               <a:rPr lang="de-DE" dirty="0" smtClean="0"/>
-              <a:t>Anforderungen</a:t>
+              <a:t>Terminerinnerung / -übersicht</a:t>
             </a:r>
             <a:endParaRPr lang="de-DE" dirty="0"/>
           </a:p>
-        </p:txBody>
-      </p:sp>
-      <p:sp>
-        <p:nvSpPr>
-          <p:cNvPr id="5" name="Textplatzhalter 4"/>
-          <p:cNvSpPr>
-            <a:spLocks noGrp="1"/>
-          </p:cNvSpPr>
-          <p:nvPr>
-            <p:ph type="body" idx="1"/>
-          </p:nvPr>
-        </p:nvSpPr>
-        <p:spPr/>
-        <p:txBody>
-          <a:bodyPr/>
-          <a:lstStyle/>
-          <a:p>
-            <a:endParaRPr lang="de-DE"/>
+          <a:p>
+            <a:r>
+              <a:rPr lang="de-DE" dirty="0" smtClean="0"/>
+              <a:t>Notfallplan / -nummern</a:t>
+            </a:r>
+            <a:endParaRPr lang="de-DE" dirty="0"/>
+          </a:p>
+          <a:p>
+            <a:r>
+              <a:rPr lang="de-DE" dirty="0" smtClean="0"/>
+              <a:t>An </a:t>
+            </a:r>
+            <a:r>
+              <a:rPr lang="de-DE" dirty="0"/>
+              <a:t>Behandlung/ Aufgaben erinnern</a:t>
+            </a:r>
+          </a:p>
+          <a:p>
+            <a:r>
+              <a:rPr lang="de-DE" dirty="0" smtClean="0"/>
+              <a:t>Medikation</a:t>
+            </a:r>
+            <a:endParaRPr lang="de-DE" dirty="0"/>
+          </a:p>
+          <a:p>
+            <a:r>
+              <a:rPr lang="de-DE" dirty="0" smtClean="0"/>
+              <a:t>„Life-</a:t>
+            </a:r>
+            <a:r>
+              <a:rPr lang="de-DE" dirty="0" err="1" smtClean="0"/>
+              <a:t>Up</a:t>
+            </a:r>
+            <a:r>
+              <a:rPr lang="de-DE" dirty="0" smtClean="0"/>
+              <a:t>“</a:t>
+            </a:r>
+            <a:endParaRPr lang="de-DE" dirty="0"/>
           </a:p>
         </p:txBody>
       </p:sp>
     </p:spTree>
     <p:extLst>
       <p:ext uri="{BB962C8B-B14F-4D97-AF65-F5344CB8AC3E}">
-        <p14:creationId xmlns:p14="http://schemas.microsoft.com/office/powerpoint/2010/main" val="838882359"/>
+        <p14:creationId xmlns:p14="http://schemas.microsoft.com/office/powerpoint/2010/main" val="972140927"/>
       </p:ext>
     </p:extLst>
   </p:cSld>
   <p:clrMapOvr>
     <a:masterClrMapping/>
   </p:clrMapOvr>
-  <mc:AlternateContent xmlns:mc="http://schemas.openxmlformats.org/markup-compatibility/2006">
-    <mc:Choice xmlns:p14="http://schemas.microsoft.com/office/powerpoint/2010/main" Requires="p14">
-      <p:transition spd="slow" p14:dur="2000"/>
-    </mc:Choice>
-    <mc:Fallback>
-      <p:transition xmlns:p14="http://schemas.microsoft.com/office/powerpoint/2010/main" spd="slow"/>
-    </mc:Fallback>
-  </mc:AlternateContent>
+  <p:timing>
+    <p:tnLst>
+      <p:par>
+        <p:cTn id="1" dur="indefinite" restart="never" nodeType="tmRoot"/>
+      </p:par>
+    </p:tnLst>
+  </p:timing>
 </p:sld>
 </file>
 
@@ -5003,4 +6998,289 @@
   </a:objectDefaults>
   <a:extraClrSchemeLst/>
 </a:theme>
+</file>
+
+<file path=ppt/theme/theme2.xml><?xml version="1.0" encoding="utf-8"?>
+<a:theme xmlns:a="http://schemas.openxmlformats.org/drawingml/2006/main" name="Larissa">
+  <a:themeElements>
+    <a:clrScheme name="Larissa">
+      <a:dk1>
+        <a:sysClr val="windowText" lastClr="000000"/>
+      </a:dk1>
+      <a:lt1>
+        <a:sysClr val="window" lastClr="FFFFFF"/>
+      </a:lt1>
+      <a:dk2>
+        <a:srgbClr val="1F497D"/>
+      </a:dk2>
+      <a:lt2>
+        <a:srgbClr val="EEECE1"/>
+      </a:lt2>
+      <a:accent1>
+        <a:srgbClr val="4F81BD"/>
+      </a:accent1>
+      <a:accent2>
+        <a:srgbClr val="C0504D"/>
+      </a:accent2>
+      <a:accent3>
+        <a:srgbClr val="9BBB59"/>
+      </a:accent3>
+      <a:accent4>
+        <a:srgbClr val="8064A2"/>
+      </a:accent4>
+      <a:accent5>
+        <a:srgbClr val="4BACC6"/>
+      </a:accent5>
+      <a:accent6>
+        <a:srgbClr val="F79646"/>
+      </a:accent6>
+      <a:hlink>
+        <a:srgbClr val="0000FF"/>
+      </a:hlink>
+      <a:folHlink>
+        <a:srgbClr val="800080"/>
+      </a:folHlink>
+    </a:clrScheme>
+    <a:fontScheme name="Larissa">
+      <a:majorFont>
+        <a:latin typeface="Calibri"/>
+        <a:ea typeface=""/>
+        <a:cs typeface=""/>
+        <a:font script="Jpan" typeface="ＭＳ Ｐゴシック"/>
+        <a:font script="Hang" typeface="맑은 고딕"/>
+        <a:font script="Hans" typeface="宋体"/>
+        <a:font script="Hant" typeface="新細明體"/>
+        <a:font script="Arab" typeface="Times New Roman"/>
+        <a:font script="Hebr" typeface="Times New Roman"/>
+        <a:font script="Thai" typeface="Angsana New"/>
+        <a:font script="Ethi" typeface="Nyala"/>
+        <a:font script="Beng" typeface="Vrinda"/>
+        <a:font script="Gujr" typeface="Shruti"/>
+        <a:font script="Khmr" typeface="MoolBoran"/>
+        <a:font script="Knda" typeface="Tunga"/>
+        <a:font script="Guru" typeface="Raavi"/>
+        <a:font script="Cans" typeface="Euphemia"/>
+        <a:font script="Cher" typeface="Plantagenet Cherokee"/>
+        <a:font script="Yiii" typeface="Microsoft Yi Baiti"/>
+        <a:font script="Tibt" typeface="Microsoft Himalaya"/>
+        <a:font script="Thaa" typeface="MV Boli"/>
+        <a:font script="Deva" typeface="Mangal"/>
+        <a:font script="Telu" typeface="Gautami"/>
+        <a:font script="Taml" typeface="Latha"/>
+        <a:font script="Syrc" typeface="Estrangelo Edessa"/>
+        <a:font script="Orya" typeface="Kalinga"/>
+        <a:font script="Mlym" typeface="Kartika"/>
+        <a:font script="Laoo" typeface="DokChampa"/>
+        <a:font script="Sinh" typeface="Iskoola Pota"/>
+        <a:font script="Mong" typeface="Mongolian Baiti"/>
+        <a:font script="Viet" typeface="Times New Roman"/>
+        <a:font script="Uigh" typeface="Microsoft Uighur"/>
+        <a:font script="Geor" typeface="Sylfaen"/>
+      </a:majorFont>
+      <a:minorFont>
+        <a:latin typeface="Calibri"/>
+        <a:ea typeface=""/>
+        <a:cs typeface=""/>
+        <a:font script="Jpan" typeface="ＭＳ Ｐゴシック"/>
+        <a:font script="Hang" typeface="맑은 고딕"/>
+        <a:font script="Hans" typeface="宋体"/>
+        <a:font script="Hant" typeface="新細明體"/>
+        <a:font script="Arab" typeface="Arial"/>
+        <a:font script="Hebr" typeface="Arial"/>
+        <a:font script="Thai" typeface="Cordia New"/>
+        <a:font script="Ethi" typeface="Nyala"/>
+        <a:font script="Beng" typeface="Vrinda"/>
+        <a:font script="Gujr" typeface="Shruti"/>
+        <a:font script="Khmr" typeface="DaunPenh"/>
+        <a:font script="Knda" typeface="Tunga"/>
+        <a:font script="Guru" typeface="Raavi"/>
+        <a:font script="Cans" typeface="Euphemia"/>
+        <a:font script="Cher" typeface="Plantagenet Cherokee"/>
+        <a:font script="Yiii" typeface="Microsoft Yi Baiti"/>
+        <a:font script="Tibt" typeface="Microsoft Himalaya"/>
+        <a:font script="Thaa" typeface="MV Boli"/>
+        <a:font script="Deva" typeface="Mangal"/>
+        <a:font script="Telu" typeface="Gautami"/>
+        <a:font script="Taml" typeface="Latha"/>
+        <a:font script="Syrc" typeface="Estrangelo Edessa"/>
+        <a:font script="Orya" typeface="Kalinga"/>
+        <a:font script="Mlym" typeface="Kartika"/>
+        <a:font script="Laoo" typeface="DokChampa"/>
+        <a:font script="Sinh" typeface="Iskoola Pota"/>
+        <a:font script="Mong" typeface="Mongolian Baiti"/>
+        <a:font script="Viet" typeface="Arial"/>
+        <a:font script="Uigh" typeface="Microsoft Uighur"/>
+        <a:font script="Geor" typeface="Sylfaen"/>
+      </a:minorFont>
+    </a:fontScheme>
+    <a:fmtScheme name="Larissa">
+      <a:fillStyleLst>
+        <a:solidFill>
+          <a:schemeClr val="phClr"/>
+        </a:solidFill>
+        <a:gradFill rotWithShape="1">
+          <a:gsLst>
+            <a:gs pos="0">
+              <a:schemeClr val="phClr">
+                <a:tint val="50000"/>
+                <a:satMod val="300000"/>
+              </a:schemeClr>
+            </a:gs>
+            <a:gs pos="35000">
+              <a:schemeClr val="phClr">
+                <a:tint val="37000"/>
+                <a:satMod val="300000"/>
+              </a:schemeClr>
+            </a:gs>
+            <a:gs pos="100000">
+              <a:schemeClr val="phClr">
+                <a:tint val="15000"/>
+                <a:satMod val="350000"/>
+              </a:schemeClr>
+            </a:gs>
+          </a:gsLst>
+          <a:lin ang="16200000" scaled="1"/>
+        </a:gradFill>
+        <a:gradFill rotWithShape="1">
+          <a:gsLst>
+            <a:gs pos="0">
+              <a:schemeClr val="phClr">
+                <a:shade val="51000"/>
+                <a:satMod val="130000"/>
+              </a:schemeClr>
+            </a:gs>
+            <a:gs pos="80000">
+              <a:schemeClr val="phClr">
+                <a:shade val="93000"/>
+                <a:satMod val="130000"/>
+              </a:schemeClr>
+            </a:gs>
+            <a:gs pos="100000">
+              <a:schemeClr val="phClr">
+                <a:shade val="94000"/>
+                <a:satMod val="135000"/>
+              </a:schemeClr>
+            </a:gs>
+          </a:gsLst>
+          <a:lin ang="16200000" scaled="0"/>
+        </a:gradFill>
+      </a:fillStyleLst>
+      <a:lnStyleLst>
+        <a:ln w="9525" cap="flat" cmpd="sng" algn="ctr">
+          <a:solidFill>
+            <a:schemeClr val="phClr">
+              <a:shade val="95000"/>
+              <a:satMod val="105000"/>
+            </a:schemeClr>
+          </a:solidFill>
+          <a:prstDash val="solid"/>
+        </a:ln>
+        <a:ln w="25400" cap="flat" cmpd="sng" algn="ctr">
+          <a:solidFill>
+            <a:schemeClr val="phClr"/>
+          </a:solidFill>
+          <a:prstDash val="solid"/>
+        </a:ln>
+        <a:ln w="38100" cap="flat" cmpd="sng" algn="ctr">
+          <a:solidFill>
+            <a:schemeClr val="phClr"/>
+          </a:solidFill>
+          <a:prstDash val="solid"/>
+        </a:ln>
+      </a:lnStyleLst>
+      <a:effectStyleLst>
+        <a:effectStyle>
+          <a:effectLst>
+            <a:outerShdw blurRad="40000" dist="20000" dir="5400000" rotWithShape="0">
+              <a:srgbClr val="000000">
+                <a:alpha val="38000"/>
+              </a:srgbClr>
+            </a:outerShdw>
+          </a:effectLst>
+        </a:effectStyle>
+        <a:effectStyle>
+          <a:effectLst>
+            <a:outerShdw blurRad="40000" dist="23000" dir="5400000" rotWithShape="0">
+              <a:srgbClr val="000000">
+                <a:alpha val="35000"/>
+              </a:srgbClr>
+            </a:outerShdw>
+          </a:effectLst>
+        </a:effectStyle>
+        <a:effectStyle>
+          <a:effectLst>
+            <a:outerShdw blurRad="40000" dist="23000" dir="5400000" rotWithShape="0">
+              <a:srgbClr val="000000">
+                <a:alpha val="35000"/>
+              </a:srgbClr>
+            </a:outerShdw>
+          </a:effectLst>
+          <a:scene3d>
+            <a:camera prst="orthographicFront">
+              <a:rot lat="0" lon="0" rev="0"/>
+            </a:camera>
+            <a:lightRig rig="threePt" dir="t">
+              <a:rot lat="0" lon="0" rev="1200000"/>
+            </a:lightRig>
+          </a:scene3d>
+          <a:sp3d>
+            <a:bevelT w="63500" h="25400"/>
+          </a:sp3d>
+        </a:effectStyle>
+      </a:effectStyleLst>
+      <a:bgFillStyleLst>
+        <a:solidFill>
+          <a:schemeClr val="phClr"/>
+        </a:solidFill>
+        <a:gradFill rotWithShape="1">
+          <a:gsLst>
+            <a:gs pos="0">
+              <a:schemeClr val="phClr">
+                <a:tint val="40000"/>
+                <a:satMod val="350000"/>
+              </a:schemeClr>
+            </a:gs>
+            <a:gs pos="40000">
+              <a:schemeClr val="phClr">
+                <a:tint val="45000"/>
+                <a:shade val="99000"/>
+                <a:satMod val="350000"/>
+              </a:schemeClr>
+            </a:gs>
+            <a:gs pos="100000">
+              <a:schemeClr val="phClr">
+                <a:shade val="20000"/>
+                <a:satMod val="255000"/>
+              </a:schemeClr>
+            </a:gs>
+          </a:gsLst>
+          <a:path path="circle">
+            <a:fillToRect l="50000" t="-80000" r="50000" b="180000"/>
+          </a:path>
+        </a:gradFill>
+        <a:gradFill rotWithShape="1">
+          <a:gsLst>
+            <a:gs pos="0">
+              <a:schemeClr val="phClr">
+                <a:tint val="80000"/>
+                <a:satMod val="300000"/>
+              </a:schemeClr>
+            </a:gs>
+            <a:gs pos="100000">
+              <a:schemeClr val="phClr">
+                <a:shade val="30000"/>
+                <a:satMod val="200000"/>
+              </a:schemeClr>
+            </a:gs>
+          </a:gsLst>
+          <a:path path="circle">
+            <a:fillToRect l="50000" t="50000" r="50000" b="50000"/>
+          </a:path>
+        </a:gradFill>
+      </a:bgFillStyleLst>
+    </a:fmtScheme>
+  </a:themeElements>
+  <a:objectDefaults/>
+  <a:extraClrSchemeLst/>
+</a:theme>
 </file>
--- a/doc/task03/Design_Thinking_final.pptx
+++ b/doc/task03/Design_Thinking_final.pptx
@@ -5,7 +5,7 @@
     <p:sldMasterId id="2147483648" r:id="rId1"/>
   </p:sldMasterIdLst>
   <p:notesMasterIdLst>
-    <p:notesMasterId r:id="rId17"/>
+    <p:notesMasterId r:id="rId16"/>
   </p:notesMasterIdLst>
   <p:sldIdLst>
     <p:sldId id="256" r:id="rId2"/>
@@ -17,12 +17,11 @@
     <p:sldId id="264" r:id="rId8"/>
     <p:sldId id="268" r:id="rId9"/>
     <p:sldId id="265" r:id="rId10"/>
-    <p:sldId id="262" r:id="rId11"/>
-    <p:sldId id="257" r:id="rId12"/>
-    <p:sldId id="258" r:id="rId13"/>
-    <p:sldId id="266" r:id="rId14"/>
-    <p:sldId id="267" r:id="rId15"/>
-    <p:sldId id="271" r:id="rId16"/>
+    <p:sldId id="266" r:id="rId11"/>
+    <p:sldId id="267" r:id="rId12"/>
+    <p:sldId id="271" r:id="rId13"/>
+    <p:sldId id="272" r:id="rId14"/>
+    <p:sldId id="273" r:id="rId15"/>
   </p:sldIdLst>
   <p:sldSz cx="9144000" cy="6858000" type="screen4x3"/>
   <p:notesSz cx="6858000" cy="9144000"/>
@@ -518,58 +517,6 @@
           <a:bodyPr/>
           <a:lstStyle/>
           <a:p>
-            <a:r>
-              <a:rPr lang="en-US" dirty="0" smtClean="0"/>
-              <a:t>Interview </a:t>
-            </a:r>
-            <a:r>
-              <a:rPr lang="en-US" dirty="0" err="1" smtClean="0"/>
-              <a:t>wies</a:t>
-            </a:r>
-            <a:r>
-              <a:rPr lang="en-US" baseline="0" dirty="0" smtClean="0"/>
-              <a:t> </a:t>
-            </a:r>
-            <a:r>
-              <a:rPr lang="en-US" baseline="0" dirty="0" err="1" smtClean="0"/>
-              <a:t>uns</a:t>
-            </a:r>
-            <a:r>
-              <a:rPr lang="en-US" baseline="0" dirty="0" smtClean="0"/>
-              <a:t> die </a:t>
-            </a:r>
-            <a:r>
-              <a:rPr lang="en-US" baseline="0" dirty="0" err="1" smtClean="0"/>
-              <a:t>richtige</a:t>
-            </a:r>
-            <a:r>
-              <a:rPr lang="en-US" baseline="0" dirty="0" smtClean="0"/>
-              <a:t> </a:t>
-            </a:r>
-            <a:r>
-              <a:rPr lang="en-US" baseline="0" dirty="0" err="1" smtClean="0"/>
-              <a:t>Richtung</a:t>
-            </a:r>
-            <a:r>
-              <a:rPr lang="en-US" baseline="0" dirty="0" smtClean="0"/>
-              <a:t> </a:t>
-            </a:r>
-            <a:r>
-              <a:rPr lang="en-US" baseline="0" dirty="0" err="1" smtClean="0"/>
-              <a:t>beim</a:t>
-            </a:r>
-            <a:r>
-              <a:rPr lang="en-US" baseline="0" dirty="0" smtClean="0"/>
-              <a:t> Design Thinking </a:t>
-            </a:r>
-            <a:r>
-              <a:rPr lang="en-US" baseline="0" dirty="0" err="1" smtClean="0"/>
-              <a:t>Prozess</a:t>
-            </a:r>
-            <a:r>
-              <a:rPr lang="en-US" baseline="0" smtClean="0"/>
-              <a:t>.</a:t>
-            </a:r>
             <a:endParaRPr lang="de-CH" dirty="0"/>
           </a:p>
         </p:txBody>
@@ -591,7 +538,7 @@
           <a:p>
             <a:fld id="{9A061F0F-BF1A-47A6-BC67-894693F926E4}" type="slidenum">
               <a:rPr lang="de-CH" smtClean="0"/>
-              <a:t>4</a:t>
+              <a:t>3</a:t>
             </a:fld>
             <a:endParaRPr lang="de-CH"/>
           </a:p>
@@ -600,7 +547,407 @@
     </p:spTree>
     <p:extLst>
       <p:ext uri="{BB962C8B-B14F-4D97-AF65-F5344CB8AC3E}">
-        <p14:creationId xmlns:p14="http://schemas.microsoft.com/office/powerpoint/2010/main" val="2154698066"/>
+        <p14:creationId xmlns:p14="http://schemas.microsoft.com/office/powerpoint/2010/main" val="3646151619"/>
+      </p:ext>
+    </p:extLst>
+  </p:cSld>
+  <p:clrMapOvr>
+    <a:masterClrMapping/>
+  </p:clrMapOvr>
+</p:notes>
+</file>
+
+<file path=ppt/notesSlides/notesSlide10.xml><?xml version="1.0" encoding="utf-8"?>
+<p:notes xmlns:a="http://schemas.openxmlformats.org/drawingml/2006/main" xmlns:r="http://schemas.openxmlformats.org/officeDocument/2006/relationships" xmlns:p="http://schemas.openxmlformats.org/presentationml/2006/main">
+  <p:cSld>
+    <p:spTree>
+      <p:nvGrpSpPr>
+        <p:cNvPr id="1" name=""/>
+        <p:cNvGrpSpPr/>
+        <p:nvPr/>
+      </p:nvGrpSpPr>
+      <p:grpSpPr>
+        <a:xfrm>
+          <a:off x="0" y="0"/>
+          <a:ext cx="0" cy="0"/>
+          <a:chOff x="0" y="0"/>
+          <a:chExt cx="0" cy="0"/>
+        </a:xfrm>
+      </p:grpSpPr>
+      <p:sp>
+        <p:nvSpPr>
+          <p:cNvPr id="2" name="Folienbildplatzhalter 1"/>
+          <p:cNvSpPr>
+            <a:spLocks noGrp="1" noRot="1" noChangeAspect="1"/>
+          </p:cNvSpPr>
+          <p:nvPr>
+            <p:ph type="sldImg"/>
+          </p:nvPr>
+        </p:nvSpPr>
+        <p:spPr/>
+      </p:sp>
+      <p:sp>
+        <p:nvSpPr>
+          <p:cNvPr id="3" name="Notizenplatzhalter 2"/>
+          <p:cNvSpPr>
+            <a:spLocks noGrp="1"/>
+          </p:cNvSpPr>
+          <p:nvPr>
+            <p:ph type="body" idx="1"/>
+          </p:nvPr>
+        </p:nvSpPr>
+        <p:spPr/>
+        <p:txBody>
+          <a:bodyPr/>
+          <a:lstStyle/>
+          <a:p>
+            <a:r>
+              <a:rPr lang="en-US" dirty="0" err="1" smtClean="0"/>
+              <a:t>Ist</a:t>
+            </a:r>
+            <a:r>
+              <a:rPr lang="en-US" dirty="0" smtClean="0"/>
+              <a:t> in </a:t>
+            </a:r>
+            <a:r>
+              <a:rPr lang="en-US" dirty="0" err="1" smtClean="0"/>
+              <a:t>unserem</a:t>
+            </a:r>
+            <a:r>
+              <a:rPr lang="en-US" dirty="0" smtClean="0"/>
+              <a:t> </a:t>
+            </a:r>
+            <a:r>
+              <a:rPr lang="en-US" dirty="0" err="1" smtClean="0"/>
+              <a:t>Sinne</a:t>
+            </a:r>
+            <a:r>
+              <a:rPr lang="en-US" baseline="0" dirty="0" smtClean="0"/>
+              <a:t> </a:t>
+            </a:r>
+            <a:r>
+              <a:rPr lang="en-US" baseline="0" dirty="0" err="1" smtClean="0"/>
+              <a:t>kein</a:t>
+            </a:r>
+            <a:r>
+              <a:rPr lang="en-US" baseline="0" dirty="0" smtClean="0"/>
+              <a:t> </a:t>
+            </a:r>
+            <a:r>
+              <a:rPr lang="en-US" baseline="0" dirty="0" err="1" smtClean="0"/>
+              <a:t>Notfall</a:t>
+            </a:r>
+            <a:r>
+              <a:rPr lang="en-US" baseline="0" dirty="0" smtClean="0"/>
+              <a:t> auf </a:t>
+            </a:r>
+            <a:r>
+              <a:rPr lang="en-US" baseline="0" dirty="0" err="1" smtClean="0"/>
+              <a:t>Leben</a:t>
+            </a:r>
+            <a:r>
+              <a:rPr lang="en-US" baseline="0" dirty="0" smtClean="0"/>
+              <a:t> und </a:t>
+            </a:r>
+            <a:r>
+              <a:rPr lang="en-US" baseline="0" dirty="0" err="1" smtClean="0"/>
+              <a:t>Tod</a:t>
+            </a:r>
+            <a:r>
+              <a:rPr lang="en-US" baseline="0" dirty="0" smtClean="0"/>
+              <a:t>, </a:t>
+            </a:r>
+            <a:r>
+              <a:rPr lang="en-US" baseline="0" dirty="0" err="1" smtClean="0"/>
+              <a:t>sondern</a:t>
+            </a:r>
+            <a:r>
+              <a:rPr lang="en-US" baseline="0" dirty="0" smtClean="0"/>
+              <a:t> </a:t>
+            </a:r>
+            <a:r>
+              <a:rPr lang="en-US" baseline="0" dirty="0" err="1" smtClean="0"/>
+              <a:t>ein</a:t>
+            </a:r>
+            <a:r>
+              <a:rPr lang="en-US" baseline="0" dirty="0" smtClean="0"/>
+              <a:t> </a:t>
+            </a:r>
+            <a:r>
+              <a:rPr lang="en-US" baseline="0" dirty="0" err="1" smtClean="0"/>
+              <a:t>Rückfall-Notfall</a:t>
+            </a:r>
+            <a:r>
+              <a:rPr lang="en-US" baseline="0" dirty="0" smtClean="0"/>
+              <a:t>: (</a:t>
+            </a:r>
+            <a:r>
+              <a:rPr lang="en-US" baseline="0" dirty="0" err="1" smtClean="0"/>
+              <a:t>Ich</a:t>
+            </a:r>
+            <a:r>
+              <a:rPr lang="en-US" baseline="0" dirty="0" smtClean="0"/>
+              <a:t> </a:t>
+            </a:r>
+            <a:r>
+              <a:rPr lang="en-US" baseline="0" dirty="0" err="1" smtClean="0"/>
+              <a:t>möchte</a:t>
+            </a:r>
+            <a:r>
+              <a:rPr lang="en-US" baseline="0" dirty="0" smtClean="0"/>
+              <a:t> </a:t>
+            </a:r>
+            <a:r>
+              <a:rPr lang="en-US" baseline="0" dirty="0" err="1" smtClean="0"/>
+              <a:t>umbedingt</a:t>
+            </a:r>
+            <a:r>
+              <a:rPr lang="en-US" baseline="0" dirty="0" smtClean="0"/>
+              <a:t> </a:t>
+            </a:r>
+            <a:r>
+              <a:rPr lang="en-US" baseline="0" dirty="0" err="1" smtClean="0"/>
+              <a:t>zur</a:t>
+            </a:r>
+            <a:r>
+              <a:rPr lang="en-US" baseline="0" dirty="0" smtClean="0"/>
+              <a:t> </a:t>
+            </a:r>
+            <a:r>
+              <a:rPr lang="en-US" baseline="0" dirty="0" err="1" smtClean="0"/>
+              <a:t>Flasche</a:t>
+            </a:r>
+            <a:r>
+              <a:rPr lang="en-US" baseline="0" dirty="0" smtClean="0"/>
+              <a:t> </a:t>
+            </a:r>
+            <a:r>
+              <a:rPr lang="en-US" baseline="0" dirty="0" err="1" smtClean="0"/>
+              <a:t>greifen</a:t>
+            </a:r>
+            <a:r>
+              <a:rPr lang="en-US" baseline="0" dirty="0" smtClean="0"/>
+              <a:t>…)</a:t>
+            </a:r>
+            <a:endParaRPr lang="de-CH" dirty="0"/>
+          </a:p>
+        </p:txBody>
+      </p:sp>
+      <p:sp>
+        <p:nvSpPr>
+          <p:cNvPr id="4" name="Foliennummernplatzhalter 3"/>
+          <p:cNvSpPr>
+            <a:spLocks noGrp="1"/>
+          </p:cNvSpPr>
+          <p:nvPr>
+            <p:ph type="sldNum" sz="quarter" idx="10"/>
+          </p:nvPr>
+        </p:nvSpPr>
+        <p:spPr/>
+        <p:txBody>
+          <a:bodyPr/>
+          <a:lstStyle/>
+          <a:p>
+            <a:fld id="{9A061F0F-BF1A-47A6-BC67-894693F926E4}" type="slidenum">
+              <a:rPr lang="de-CH" smtClean="0"/>
+              <a:t>12</a:t>
+            </a:fld>
+            <a:endParaRPr lang="de-CH"/>
+          </a:p>
+        </p:txBody>
+      </p:sp>
+    </p:spTree>
+    <p:extLst>
+      <p:ext uri="{BB962C8B-B14F-4D97-AF65-F5344CB8AC3E}">
+        <p14:creationId xmlns:p14="http://schemas.microsoft.com/office/powerpoint/2010/main" val="1674853867"/>
+      </p:ext>
+    </p:extLst>
+  </p:cSld>
+  <p:clrMapOvr>
+    <a:masterClrMapping/>
+  </p:clrMapOvr>
+</p:notes>
+</file>
+
+<file path=ppt/notesSlides/notesSlide11.xml><?xml version="1.0" encoding="utf-8"?>
+<p:notes xmlns:a="http://schemas.openxmlformats.org/drawingml/2006/main" xmlns:r="http://schemas.openxmlformats.org/officeDocument/2006/relationships" xmlns:p="http://schemas.openxmlformats.org/presentationml/2006/main">
+  <p:cSld>
+    <p:spTree>
+      <p:nvGrpSpPr>
+        <p:cNvPr id="1" name=""/>
+        <p:cNvGrpSpPr/>
+        <p:nvPr/>
+      </p:nvGrpSpPr>
+      <p:grpSpPr>
+        <a:xfrm>
+          <a:off x="0" y="0"/>
+          <a:ext cx="0" cy="0"/>
+          <a:chOff x="0" y="0"/>
+          <a:chExt cx="0" cy="0"/>
+        </a:xfrm>
+      </p:grpSpPr>
+      <p:sp>
+        <p:nvSpPr>
+          <p:cNvPr id="2" name="Folienbildplatzhalter 1"/>
+          <p:cNvSpPr>
+            <a:spLocks noGrp="1" noRot="1" noChangeAspect="1"/>
+          </p:cNvSpPr>
+          <p:nvPr>
+            <p:ph type="sldImg"/>
+          </p:nvPr>
+        </p:nvSpPr>
+        <p:spPr/>
+      </p:sp>
+      <p:sp>
+        <p:nvSpPr>
+          <p:cNvPr id="3" name="Notizenplatzhalter 2"/>
+          <p:cNvSpPr>
+            <a:spLocks noGrp="1"/>
+          </p:cNvSpPr>
+          <p:nvPr>
+            <p:ph type="body" idx="1"/>
+          </p:nvPr>
+        </p:nvSpPr>
+        <p:spPr/>
+        <p:txBody>
+          <a:bodyPr/>
+          <a:lstStyle/>
+          <a:p>
+            <a:r>
+              <a:rPr lang="en-US" dirty="0" err="1" smtClean="0"/>
+              <a:t>Termin</a:t>
+            </a:r>
+            <a:r>
+              <a:rPr lang="en-US" dirty="0" smtClean="0"/>
+              <a:t> </a:t>
+            </a:r>
+            <a:r>
+              <a:rPr lang="en-US" dirty="0" err="1" smtClean="0"/>
+              <a:t>ist</a:t>
+            </a:r>
+            <a:r>
+              <a:rPr lang="en-US" dirty="0" smtClean="0"/>
+              <a:t> </a:t>
+            </a:r>
+            <a:r>
+              <a:rPr lang="en-US" dirty="0" err="1" smtClean="0"/>
+              <a:t>einfach</a:t>
+            </a:r>
+            <a:r>
+              <a:rPr lang="en-US" dirty="0" smtClean="0"/>
+              <a:t> </a:t>
+            </a:r>
+            <a:r>
+              <a:rPr lang="en-US" dirty="0" err="1" smtClean="0"/>
+              <a:t>gehalten</a:t>
+            </a:r>
+            <a:r>
+              <a:rPr lang="en-US" dirty="0" smtClean="0"/>
+              <a:t>:</a:t>
+            </a:r>
+          </a:p>
+          <a:p>
+            <a:r>
+              <a:rPr lang="en-US" dirty="0" err="1" smtClean="0"/>
+              <a:t>Ziel</a:t>
+            </a:r>
+            <a:r>
+              <a:rPr lang="en-US" dirty="0" smtClean="0"/>
+              <a:t>, </a:t>
+            </a:r>
+            <a:r>
+              <a:rPr lang="en-US" dirty="0" err="1" smtClean="0"/>
+              <a:t>dass</a:t>
+            </a:r>
+            <a:r>
+              <a:rPr lang="en-US" dirty="0" smtClean="0"/>
+              <a:t> patient </a:t>
+            </a:r>
+            <a:r>
+              <a:rPr lang="en-US" dirty="0" err="1" smtClean="0"/>
+              <a:t>zur</a:t>
+            </a:r>
+            <a:r>
+              <a:rPr lang="en-US" dirty="0" smtClean="0"/>
+              <a:t> </a:t>
+            </a:r>
+            <a:r>
+              <a:rPr lang="en-US" dirty="0" err="1" smtClean="0"/>
+              <a:t>behandlung</a:t>
+            </a:r>
+            <a:r>
+              <a:rPr lang="en-US" dirty="0" smtClean="0"/>
+              <a:t> </a:t>
+            </a:r>
+            <a:r>
+              <a:rPr lang="en-US" dirty="0" err="1" smtClean="0"/>
+              <a:t>erscheint</a:t>
+            </a:r>
+            <a:r>
+              <a:rPr lang="en-US" dirty="0" smtClean="0"/>
+              <a:t>.</a:t>
+            </a:r>
+          </a:p>
+          <a:p>
+            <a:r>
+              <a:rPr lang="en-US" dirty="0" err="1" smtClean="0"/>
+              <a:t>Nicht</a:t>
+            </a:r>
+            <a:r>
+              <a:rPr lang="en-US" dirty="0" smtClean="0"/>
+              <a:t> </a:t>
+            </a:r>
+            <a:r>
+              <a:rPr lang="en-US" dirty="0" err="1" smtClean="0"/>
+              <a:t>mit</a:t>
+            </a:r>
+            <a:r>
+              <a:rPr lang="en-US" dirty="0" smtClean="0"/>
+              <a:t> </a:t>
+            </a:r>
+            <a:r>
+              <a:rPr lang="en-US" dirty="0" err="1" smtClean="0"/>
+              <a:t>zusatzinformationen</a:t>
+            </a:r>
+            <a:r>
+              <a:rPr lang="en-US" dirty="0" smtClean="0"/>
+              <a:t> </a:t>
+            </a:r>
+            <a:r>
+              <a:rPr lang="en-US" dirty="0" err="1" smtClean="0"/>
+              <a:t>belagern</a:t>
+            </a:r>
+            <a:endParaRPr lang="de-CH" dirty="0"/>
+          </a:p>
+        </p:txBody>
+      </p:sp>
+      <p:sp>
+        <p:nvSpPr>
+          <p:cNvPr id="4" name="Foliennummernplatzhalter 3"/>
+          <p:cNvSpPr>
+            <a:spLocks noGrp="1"/>
+          </p:cNvSpPr>
+          <p:nvPr>
+            <p:ph type="sldNum" sz="quarter" idx="10"/>
+          </p:nvPr>
+        </p:nvSpPr>
+        <p:spPr/>
+        <p:txBody>
+          <a:bodyPr/>
+          <a:lstStyle/>
+          <a:p>
+            <a:fld id="{9A061F0F-BF1A-47A6-BC67-894693F926E4}" type="slidenum">
+              <a:rPr lang="de-CH" smtClean="0"/>
+              <a:t>13</a:t>
+            </a:fld>
+            <a:endParaRPr lang="de-CH"/>
+          </a:p>
+        </p:txBody>
+      </p:sp>
+    </p:spTree>
+    <p:extLst>
+      <p:ext uri="{BB962C8B-B14F-4D97-AF65-F5344CB8AC3E}">
+        <p14:creationId xmlns:p14="http://schemas.microsoft.com/office/powerpoint/2010/main" val="4104595800"/>
       </p:ext>
     </p:extLst>
   </p:cSld>
@@ -656,44 +1003,55 @@
           <a:p>
             <a:r>
               <a:rPr lang="en-US" dirty="0" smtClean="0"/>
-              <a:t>- </a:t>
+              <a:t>Interview </a:t>
             </a:r>
             <a:r>
               <a:rPr lang="en-US" dirty="0" err="1" smtClean="0"/>
-              <a:t>Wohnung</a:t>
-            </a:r>
-            <a:r>
-              <a:rPr lang="en-US" dirty="0" smtClean="0"/>
-              <a:t>: Chaos,</a:t>
-            </a:r>
-          </a:p>
-          <a:p>
-            <a:pPr marL="171450" indent="-171450">
-              <a:buFontTx/>
-              <a:buChar char="-"/>
-            </a:pPr>
-            <a:r>
-              <a:rPr lang="en-US" dirty="0" err="1" smtClean="0"/>
-              <a:t>Verschuldet</a:t>
-            </a:r>
-            <a:endParaRPr lang="en-US" dirty="0" smtClean="0"/>
-          </a:p>
-          <a:p>
-            <a:pPr marL="171450" indent="-171450">
-              <a:buFontTx/>
-              <a:buChar char="-"/>
-            </a:pPr>
-            <a:r>
-              <a:rPr lang="en-US" dirty="0" err="1" smtClean="0"/>
-              <a:t>Nahrungsaufnahme</a:t>
+              <a:t>wies</a:t>
             </a:r>
             <a:r>
               <a:rPr lang="en-US" baseline="0" dirty="0" smtClean="0"/>
-              <a:t> = </a:t>
+              <a:t> </a:t>
             </a:r>
             <a:r>
               <a:rPr lang="en-US" baseline="0" dirty="0" err="1" smtClean="0"/>
-              <a:t>nebensache</a:t>
+              <a:t>uns</a:t>
+            </a:r>
+            <a:r>
+              <a:rPr lang="en-US" baseline="0" dirty="0" smtClean="0"/>
+              <a:t> die </a:t>
+            </a:r>
+            <a:r>
+              <a:rPr lang="en-US" baseline="0" dirty="0" err="1" smtClean="0"/>
+              <a:t>richtige</a:t>
+            </a:r>
+            <a:r>
+              <a:rPr lang="en-US" baseline="0" dirty="0" smtClean="0"/>
+              <a:t> </a:t>
+            </a:r>
+            <a:r>
+              <a:rPr lang="en-US" baseline="0" dirty="0" err="1" smtClean="0"/>
+              <a:t>Richtung</a:t>
+            </a:r>
+            <a:r>
+              <a:rPr lang="en-US" baseline="0" dirty="0" smtClean="0"/>
+              <a:t> </a:t>
+            </a:r>
+            <a:r>
+              <a:rPr lang="en-US" baseline="0" dirty="0" err="1" smtClean="0"/>
+              <a:t>beim</a:t>
+            </a:r>
+            <a:r>
+              <a:rPr lang="en-US" baseline="0" dirty="0" smtClean="0"/>
+              <a:t> Design Thinking </a:t>
+            </a:r>
+            <a:r>
+              <a:rPr lang="en-US" baseline="0" dirty="0" err="1" smtClean="0"/>
+              <a:t>Prozess</a:t>
+            </a:r>
+            <a:r>
+              <a:rPr lang="en-US" baseline="0" dirty="0" smtClean="0"/>
+              <a:t>.</a:t>
             </a:r>
             <a:endParaRPr lang="de-CH" dirty="0"/>
           </a:p>
@@ -716,7 +1074,7 @@
           <a:p>
             <a:fld id="{9A061F0F-BF1A-47A6-BC67-894693F926E4}" type="slidenum">
               <a:rPr lang="de-CH" smtClean="0"/>
-              <a:t>5</a:t>
+              <a:t>4</a:t>
             </a:fld>
             <a:endParaRPr lang="de-CH"/>
           </a:p>
@@ -725,7 +1083,7 @@
     </p:spTree>
     <p:extLst>
       <p:ext uri="{BB962C8B-B14F-4D97-AF65-F5344CB8AC3E}">
-        <p14:creationId xmlns:p14="http://schemas.microsoft.com/office/powerpoint/2010/main" val="452913892"/>
+        <p14:creationId xmlns:p14="http://schemas.microsoft.com/office/powerpoint/2010/main" val="2154698066"/>
       </p:ext>
     </p:extLst>
   </p:cSld>
@@ -780,36 +1138,49 @@
           <a:lstStyle/>
           <a:p>
             <a:r>
+              <a:rPr lang="en-US" dirty="0" smtClean="0"/>
+              <a:t>- </a:t>
+            </a:r>
+            <a:r>
+              <a:rPr lang="en-US" dirty="0" smtClean="0"/>
+              <a:t> </a:t>
+            </a:r>
+            <a:r>
               <a:rPr lang="en-US" dirty="0" err="1" smtClean="0"/>
-              <a:t>Spielerisch</a:t>
+              <a:t>Wohnung</a:t>
+            </a:r>
+            <a:r>
+              <a:rPr lang="en-US" dirty="0" smtClean="0"/>
+              <a:t>: Chaos,</a:t>
+            </a:r>
+          </a:p>
+          <a:p>
+            <a:pPr marL="171450" indent="-171450">
+              <a:buFontTx/>
+              <a:buChar char="-"/>
+            </a:pPr>
+            <a:r>
+              <a:rPr lang="en-US" dirty="0" err="1" smtClean="0"/>
+              <a:t>Verschuldet</a:t>
+            </a:r>
+            <a:endParaRPr lang="en-US" dirty="0" smtClean="0"/>
+          </a:p>
+          <a:p>
+            <a:pPr marL="171450" indent="-171450">
+              <a:buFontTx/>
+              <a:buChar char="-"/>
+            </a:pPr>
+            <a:r>
+              <a:rPr lang="en-US" dirty="0" err="1" smtClean="0"/>
+              <a:t>Nahrungsaufnahme</a:t>
             </a:r>
             <a:r>
               <a:rPr lang="en-US" baseline="0" dirty="0" smtClean="0"/>
-              <a:t> </a:t>
+              <a:t> = </a:t>
             </a:r>
             <a:r>
               <a:rPr lang="en-US" baseline="0" dirty="0" err="1" smtClean="0"/>
-              <a:t>zum</a:t>
-            </a:r>
-            <a:r>
-              <a:rPr lang="en-US" baseline="0" dirty="0" smtClean="0"/>
-              <a:t> </a:t>
-            </a:r>
-            <a:r>
-              <a:rPr lang="en-US" baseline="0" dirty="0" err="1" smtClean="0"/>
-              <a:t>Mitmachen</a:t>
-            </a:r>
-            <a:r>
-              <a:rPr lang="en-US" baseline="0" dirty="0" smtClean="0"/>
-              <a:t> </a:t>
-            </a:r>
-            <a:r>
-              <a:rPr lang="en-US" baseline="0" dirty="0" err="1" smtClean="0"/>
-              <a:t>animieren</a:t>
-            </a:r>
-            <a:r>
-              <a:rPr lang="en-US" baseline="0" dirty="0" smtClean="0"/>
-              <a:t>.</a:t>
+              <a:t>Nebensache</a:t>
             </a:r>
             <a:endParaRPr lang="de-CH" dirty="0"/>
           </a:p>
@@ -832,7 +1203,7 @@
           <a:p>
             <a:fld id="{9A061F0F-BF1A-47A6-BC67-894693F926E4}" type="slidenum">
               <a:rPr lang="de-CH" smtClean="0"/>
-              <a:t>6</a:t>
+              <a:t>5</a:t>
             </a:fld>
             <a:endParaRPr lang="de-CH"/>
           </a:p>
@@ -841,7 +1212,7 @@
     </p:spTree>
     <p:extLst>
       <p:ext uri="{BB962C8B-B14F-4D97-AF65-F5344CB8AC3E}">
-        <p14:creationId xmlns:p14="http://schemas.microsoft.com/office/powerpoint/2010/main" val="2500551139"/>
+        <p14:creationId xmlns:p14="http://schemas.microsoft.com/office/powerpoint/2010/main" val="452913892"/>
       </p:ext>
     </p:extLst>
   </p:cSld>
@@ -897,43 +1268,7 @@
           <a:p>
             <a:r>
               <a:rPr lang="en-US" dirty="0" err="1" smtClean="0"/>
-              <a:t>Notfallplan</a:t>
-            </a:r>
-            <a:r>
-              <a:rPr lang="en-US" dirty="0" smtClean="0"/>
-              <a:t> </a:t>
-            </a:r>
-            <a:r>
-              <a:rPr lang="en-US" dirty="0" err="1" smtClean="0"/>
-              <a:t>ist</a:t>
-            </a:r>
-            <a:r>
-              <a:rPr lang="en-US" dirty="0" smtClean="0"/>
-              <a:t> </a:t>
-            </a:r>
-            <a:r>
-              <a:rPr lang="en-US" dirty="0" err="1" smtClean="0"/>
-              <a:t>eine</a:t>
-            </a:r>
-            <a:r>
-              <a:rPr lang="en-US" dirty="0" smtClean="0"/>
-              <a:t> </a:t>
-            </a:r>
-            <a:r>
-              <a:rPr lang="en-US" dirty="0" err="1" smtClean="0"/>
-              <a:t>Checkliste</a:t>
-            </a:r>
-            <a:r>
-              <a:rPr lang="en-US" dirty="0" smtClean="0"/>
-              <a:t>, die der</a:t>
-            </a:r>
-            <a:r>
-              <a:rPr lang="en-US" baseline="0" dirty="0" smtClean="0"/>
-              <a:t> Patient </a:t>
-            </a:r>
-            <a:r>
-              <a:rPr lang="en-US" baseline="0" dirty="0" err="1" smtClean="0"/>
-              <a:t>mit</a:t>
+              <a:t>Spielerisch</a:t>
             </a:r>
             <a:r>
               <a:rPr lang="en-US" baseline="0" dirty="0" smtClean="0"/>
@@ -941,7 +1276,7 @@
             </a:r>
             <a:r>
               <a:rPr lang="en-US" baseline="0" dirty="0" err="1" smtClean="0"/>
-              <a:t>dem</a:t>
+              <a:t>zum</a:t>
             </a:r>
             <a:r>
               <a:rPr lang="en-US" baseline="0" dirty="0" smtClean="0"/>
@@ -949,7 +1284,7 @@
             </a:r>
             <a:r>
               <a:rPr lang="en-US" baseline="0" dirty="0" err="1" smtClean="0"/>
-              <a:t>Therapeuten</a:t>
+              <a:t>Mitmachen</a:t>
             </a:r>
             <a:r>
               <a:rPr lang="en-US" baseline="0" dirty="0" smtClean="0"/>
@@ -957,14 +1292,12 @@
             </a:r>
             <a:r>
               <a:rPr lang="en-US" baseline="0" dirty="0" err="1" smtClean="0"/>
-              <a:t>ausgearbeitet</a:t>
+              <a:t>animieren</a:t>
             </a:r>
             <a:r>
               <a:rPr lang="en-US" baseline="0" dirty="0" smtClean="0"/>
-              <a:t> hat.</a:t>
-            </a:r>
-          </a:p>
-          <a:p>
+              <a:t>.</a:t>
+            </a:r>
             <a:endParaRPr lang="de-CH" dirty="0"/>
           </a:p>
         </p:txBody>
@@ -986,7 +1319,7 @@
           <a:p>
             <a:fld id="{9A061F0F-BF1A-47A6-BC67-894693F926E4}" type="slidenum">
               <a:rPr lang="de-CH" smtClean="0"/>
-              <a:t>7</a:t>
+              <a:t>6</a:t>
             </a:fld>
             <a:endParaRPr lang="de-CH"/>
           </a:p>
@@ -995,7 +1328,7 @@
     </p:spTree>
     <p:extLst>
       <p:ext uri="{BB962C8B-B14F-4D97-AF65-F5344CB8AC3E}">
-        <p14:creationId xmlns:p14="http://schemas.microsoft.com/office/powerpoint/2010/main" val="2708565576"/>
+        <p14:creationId xmlns:p14="http://schemas.microsoft.com/office/powerpoint/2010/main" val="2500551139"/>
       </p:ext>
     </p:extLst>
   </p:cSld>
@@ -1051,11 +1384,43 @@
           <a:p>
             <a:r>
               <a:rPr lang="en-US" dirty="0" err="1" smtClean="0"/>
-              <a:t>Einfacher</a:t>
+              <a:t>Notfallplan</a:t>
             </a:r>
             <a:r>
               <a:rPr lang="en-US" dirty="0" smtClean="0"/>
-              <a:t>:</a:t>
+              <a:t> </a:t>
+            </a:r>
+            <a:r>
+              <a:rPr lang="en-US" dirty="0" err="1" smtClean="0"/>
+              <a:t>ist</a:t>
+            </a:r>
+            <a:r>
+              <a:rPr lang="en-US" dirty="0" smtClean="0"/>
+              <a:t> </a:t>
+            </a:r>
+            <a:r>
+              <a:rPr lang="en-US" dirty="0" err="1" smtClean="0"/>
+              <a:t>eine</a:t>
+            </a:r>
+            <a:r>
+              <a:rPr lang="en-US" dirty="0" smtClean="0"/>
+              <a:t> </a:t>
+            </a:r>
+            <a:r>
+              <a:rPr lang="en-US" dirty="0" err="1" smtClean="0"/>
+              <a:t>Checkliste</a:t>
+            </a:r>
+            <a:r>
+              <a:rPr lang="en-US" dirty="0" smtClean="0"/>
+              <a:t>, die der</a:t>
+            </a:r>
+            <a:r>
+              <a:rPr lang="en-US" baseline="0" dirty="0" smtClean="0"/>
+              <a:t> Patient </a:t>
+            </a:r>
+            <a:r>
+              <a:rPr lang="en-US" baseline="0" dirty="0" err="1" smtClean="0"/>
+              <a:t>mit</a:t>
             </a:r>
             <a:r>
               <a:rPr lang="en-US" baseline="0" dirty="0" smtClean="0"/>
@@ -1063,25 +1428,7 @@
             </a:r>
             <a:r>
               <a:rPr lang="en-US" baseline="0" dirty="0" err="1" smtClean="0"/>
-              <a:t>Einfache</a:t>
-            </a:r>
-            <a:r>
-              <a:rPr lang="en-US" baseline="0" dirty="0" smtClean="0"/>
-              <a:t> Navigation</a:t>
-            </a:r>
-          </a:p>
-          <a:p>
-            <a:r>
-              <a:rPr lang="en-US" baseline="0" dirty="0" err="1" smtClean="0"/>
-              <a:t>Effizient</a:t>
-            </a:r>
-            <a:r>
-              <a:rPr lang="en-US" baseline="0" dirty="0" smtClean="0"/>
-              <a:t>: </a:t>
-            </a:r>
-            <a:r>
-              <a:rPr lang="en-US" baseline="0" dirty="0" err="1" smtClean="0"/>
-              <a:t>Termine</a:t>
+              <a:t>dem</a:t>
             </a:r>
             <a:r>
               <a:rPr lang="en-US" baseline="0" dirty="0" smtClean="0"/>
@@ -1089,7 +1436,7 @@
             </a:r>
             <a:r>
               <a:rPr lang="en-US" baseline="0" dirty="0" err="1" smtClean="0"/>
-              <a:t>sollten</a:t>
+              <a:t>Therapeuten</a:t>
             </a:r>
             <a:r>
               <a:rPr lang="en-US" baseline="0" dirty="0" smtClean="0"/>
@@ -1097,71 +1444,14 @@
             </a:r>
             <a:r>
               <a:rPr lang="en-US" baseline="0" dirty="0" err="1" smtClean="0"/>
-              <a:t>besser</a:t>
+              <a:t>ausgearbeitet</a:t>
             </a:r>
             <a:r>
               <a:rPr lang="en-US" baseline="0" dirty="0" smtClean="0"/>
-              <a:t> </a:t>
-            </a:r>
-            <a:r>
-              <a:rPr lang="en-US" baseline="0" dirty="0" err="1" smtClean="0"/>
-              <a:t>eingehalten</a:t>
-            </a:r>
-            <a:r>
-              <a:rPr lang="en-US" baseline="0" dirty="0" smtClean="0"/>
-              <a:t> </a:t>
-            </a:r>
-            <a:r>
-              <a:rPr lang="en-US" baseline="0" dirty="0" err="1" smtClean="0"/>
-              <a:t>werden</a:t>
-            </a:r>
-            <a:r>
-              <a:rPr lang="en-US" baseline="0" dirty="0" smtClean="0"/>
-              <a:t> </a:t>
-            </a:r>
-            <a:r>
-              <a:rPr lang="en-US" baseline="0" dirty="0" err="1" smtClean="0"/>
-              <a:t>könnnen</a:t>
-            </a:r>
-            <a:endParaRPr lang="en-US" baseline="0" dirty="0" smtClean="0"/>
-          </a:p>
-          <a:p>
-            <a:r>
-              <a:rPr lang="en-US" baseline="0" dirty="0" err="1" smtClean="0"/>
-              <a:t>Angenehm</a:t>
-            </a:r>
-            <a:r>
-              <a:rPr lang="en-US" baseline="0" dirty="0" smtClean="0"/>
-              <a:t>: </a:t>
-            </a:r>
-            <a:r>
-              <a:rPr lang="en-US" baseline="0" dirty="0" err="1" smtClean="0"/>
-              <a:t>Spierisch</a:t>
-            </a:r>
-            <a:r>
-              <a:rPr lang="en-US" baseline="0" dirty="0" smtClean="0"/>
-              <a:t> </a:t>
-            </a:r>
-            <a:r>
-              <a:rPr lang="en-US" baseline="0" dirty="0" err="1" smtClean="0"/>
-              <a:t>zum</a:t>
-            </a:r>
-            <a:r>
-              <a:rPr lang="en-US" baseline="0" dirty="0" smtClean="0"/>
-              <a:t> </a:t>
-            </a:r>
-            <a:r>
-              <a:rPr lang="en-US" baseline="0" dirty="0" err="1" smtClean="0"/>
-              <a:t>Mitmachen</a:t>
-            </a:r>
-            <a:r>
-              <a:rPr lang="en-US" baseline="0" dirty="0" smtClean="0"/>
-              <a:t> </a:t>
-            </a:r>
-            <a:r>
-              <a:rPr lang="en-US" baseline="0" dirty="0" err="1" smtClean="0"/>
-              <a:t>animieren</a:t>
-            </a:r>
+              <a:t> hat.</a:t>
+            </a:r>
+          </a:p>
+          <a:p>
             <a:endParaRPr lang="de-CH" dirty="0"/>
           </a:p>
         </p:txBody>
@@ -1183,7 +1473,7 @@
           <a:p>
             <a:fld id="{9A061F0F-BF1A-47A6-BC67-894693F926E4}" type="slidenum">
               <a:rPr lang="de-CH" smtClean="0"/>
-              <a:t>8</a:t>
+              <a:t>7</a:t>
             </a:fld>
             <a:endParaRPr lang="de-CH"/>
           </a:p>
@@ -1192,7 +1482,7 @@
     </p:spTree>
     <p:extLst>
       <p:ext uri="{BB962C8B-B14F-4D97-AF65-F5344CB8AC3E}">
-        <p14:creationId xmlns:p14="http://schemas.microsoft.com/office/powerpoint/2010/main" val="1188858508"/>
+        <p14:creationId xmlns:p14="http://schemas.microsoft.com/office/powerpoint/2010/main" val="2708565576"/>
       </p:ext>
     </p:extLst>
   </p:cSld>
@@ -1248,7 +1538,7 @@
           <a:p>
             <a:r>
               <a:rPr lang="en-US" dirty="0" err="1" smtClean="0"/>
-              <a:t>Medikation</a:t>
+              <a:t>Einfacher</a:t>
             </a:r>
             <a:r>
               <a:rPr lang="en-US" dirty="0" smtClean="0"/>
@@ -1260,15 +1550,25 @@
             </a:r>
             <a:r>
               <a:rPr lang="en-US" baseline="0" dirty="0" err="1" smtClean="0"/>
-              <a:t>Doserung</a:t>
+              <a:t>Einfache</a:t>
             </a:r>
             <a:r>
               <a:rPr lang="en-US" baseline="0" dirty="0" smtClean="0"/>
-              <a:t> + </a:t>
-            </a:r>
+              <a:t> Navigation</a:t>
+            </a:r>
+          </a:p>
+          <a:p>
             <a:r>
               <a:rPr lang="en-US" baseline="0" dirty="0" err="1" smtClean="0"/>
-              <a:t>Anleitung</a:t>
+              <a:t>Effizient</a:t>
+            </a:r>
+            <a:r>
+              <a:rPr lang="en-US" baseline="0" dirty="0" smtClean="0"/>
+              <a:t>: </a:t>
+            </a:r>
+            <a:r>
+              <a:rPr lang="en-US" baseline="0" dirty="0" err="1" smtClean="0"/>
+              <a:t>Termine</a:t>
             </a:r>
             <a:r>
               <a:rPr lang="en-US" baseline="0" dirty="0" smtClean="0"/>
@@ -1276,7 +1576,7 @@
             </a:r>
             <a:r>
               <a:rPr lang="en-US" baseline="0" dirty="0" err="1" smtClean="0"/>
-              <a:t>zur</a:t>
+              <a:t>sollten</a:t>
             </a:r>
             <a:r>
               <a:rPr lang="en-US" baseline="0" dirty="0" smtClean="0"/>
@@ -1284,15 +1584,70 @@
             </a:r>
             <a:r>
               <a:rPr lang="en-US" baseline="0" dirty="0" err="1" smtClean="0"/>
-              <a:t>Einnahme</a:t>
+              <a:t>besser</a:t>
             </a:r>
             <a:r>
               <a:rPr lang="en-US" baseline="0" dirty="0" smtClean="0"/>
-              <a:t> der </a:t>
+              <a:t> </a:t>
             </a:r>
             <a:r>
               <a:rPr lang="en-US" baseline="0" dirty="0" err="1" smtClean="0"/>
-              <a:t>Medikamente</a:t>
+              <a:t>eingehalten</a:t>
+            </a:r>
+            <a:r>
+              <a:rPr lang="en-US" baseline="0" dirty="0" smtClean="0"/>
+              <a:t> </a:t>
+            </a:r>
+            <a:r>
+              <a:rPr lang="en-US" baseline="0" dirty="0" err="1" smtClean="0"/>
+              <a:t>werden</a:t>
+            </a:r>
+            <a:r>
+              <a:rPr lang="en-US" baseline="0" dirty="0" smtClean="0"/>
+              <a:t> </a:t>
+            </a:r>
+            <a:r>
+              <a:rPr lang="en-US" baseline="0" dirty="0" err="1" smtClean="0"/>
+              <a:t>könnnen</a:t>
+            </a:r>
+            <a:endParaRPr lang="en-US" baseline="0" dirty="0" smtClean="0"/>
+          </a:p>
+          <a:p>
+            <a:r>
+              <a:rPr lang="en-US" baseline="0" dirty="0" err="1" smtClean="0"/>
+              <a:t>Angenehm</a:t>
+            </a:r>
+            <a:r>
+              <a:rPr lang="en-US" baseline="0" dirty="0" smtClean="0"/>
+              <a:t>: </a:t>
+            </a:r>
+            <a:r>
+              <a:rPr lang="en-US" baseline="0" dirty="0" err="1" smtClean="0"/>
+              <a:t>Spierisch</a:t>
+            </a:r>
+            <a:r>
+              <a:rPr lang="en-US" baseline="0" dirty="0" smtClean="0"/>
+              <a:t> </a:t>
+            </a:r>
+            <a:r>
+              <a:rPr lang="en-US" baseline="0" dirty="0" err="1" smtClean="0"/>
+              <a:t>zum</a:t>
+            </a:r>
+            <a:r>
+              <a:rPr lang="en-US" baseline="0" dirty="0" smtClean="0"/>
+              <a:t> </a:t>
+            </a:r>
+            <a:r>
+              <a:rPr lang="en-US" baseline="0" dirty="0" err="1" smtClean="0"/>
+              <a:t>Mitmachen</a:t>
+            </a:r>
+            <a:r>
+              <a:rPr lang="en-US" baseline="0" dirty="0" smtClean="0"/>
+              <a:t> </a:t>
+            </a:r>
+            <a:r>
+              <a:rPr lang="en-US" baseline="0" dirty="0" err="1" smtClean="0"/>
+              <a:t>animieren</a:t>
             </a:r>
             <a:endParaRPr lang="de-CH" dirty="0"/>
           </a:p>
@@ -1315,7 +1670,7 @@
           <a:p>
             <a:fld id="{9A061F0F-BF1A-47A6-BC67-894693F926E4}" type="slidenum">
               <a:rPr lang="de-CH" smtClean="0"/>
-              <a:t>9</a:t>
+              <a:t>8</a:t>
             </a:fld>
             <a:endParaRPr lang="de-CH"/>
           </a:p>
@@ -1324,7 +1679,7 @@
     </p:spTree>
     <p:extLst>
       <p:ext uri="{BB962C8B-B14F-4D97-AF65-F5344CB8AC3E}">
-        <p14:creationId xmlns:p14="http://schemas.microsoft.com/office/powerpoint/2010/main" val="1510856985"/>
+        <p14:creationId xmlns:p14="http://schemas.microsoft.com/office/powerpoint/2010/main" val="1188858508"/>
       </p:ext>
     </p:extLst>
   </p:cSld>
@@ -1380,7 +1735,11 @@
           <a:p>
             <a:r>
               <a:rPr lang="en-US" dirty="0" err="1" smtClean="0"/>
-              <a:t>Weiterführende</a:t>
+              <a:t>Medikation</a:t>
+            </a:r>
+            <a:r>
+              <a:rPr lang="en-US" dirty="0" smtClean="0"/>
+              <a:t>:</a:t>
             </a:r>
             <a:r>
               <a:rPr lang="en-US" baseline="0" dirty="0" smtClean="0"/>
@@ -1388,15 +1747,15 @@
             </a:r>
             <a:r>
               <a:rPr lang="en-US" baseline="0" dirty="0" err="1" smtClean="0"/>
-              <a:t>Gedanken</a:t>
+              <a:t>Doserung</a:t>
             </a:r>
             <a:r>
               <a:rPr lang="en-US" baseline="0" dirty="0" smtClean="0"/>
-              <a:t>: </a:t>
+              <a:t> + </a:t>
             </a:r>
             <a:r>
               <a:rPr lang="en-US" baseline="0" dirty="0" err="1" smtClean="0"/>
-              <a:t>Wenn</a:t>
+              <a:t>Anleitung</a:t>
             </a:r>
             <a:r>
               <a:rPr lang="en-US" baseline="0" dirty="0" smtClean="0"/>
@@ -1404,31 +1763,7 @@
             </a:r>
             <a:r>
               <a:rPr lang="en-US" baseline="0" dirty="0" err="1" smtClean="0"/>
-              <a:t>z.B</a:t>
-            </a:r>
-            <a:r>
-              <a:rPr lang="en-US" baseline="0" dirty="0" smtClean="0"/>
-              <a:t>. 20 in </a:t>
-            </a:r>
-            <a:r>
-              <a:rPr lang="en-US" baseline="0" dirty="0" err="1" smtClean="0"/>
-              <a:t>Folge</a:t>
-            </a:r>
-            <a:r>
-              <a:rPr lang="en-US" baseline="0" dirty="0" smtClean="0"/>
-              <a:t> in </a:t>
-            </a:r>
-            <a:r>
-              <a:rPr lang="en-US" baseline="0" dirty="0" err="1" smtClean="0"/>
-              <a:t>jeden</a:t>
-            </a:r>
-            <a:r>
-              <a:rPr lang="en-US" baseline="0" dirty="0" smtClean="0"/>
-              <a:t> Morgen ins </a:t>
-            </a:r>
-            <a:r>
-              <a:rPr lang="en-US" baseline="0" dirty="0" err="1" smtClean="0"/>
-              <a:t>Migros</a:t>
+              <a:t>zur</a:t>
             </a:r>
             <a:r>
               <a:rPr lang="en-US" baseline="0" dirty="0" smtClean="0"/>
@@ -1436,35 +1771,15 @@
             </a:r>
             <a:r>
               <a:rPr lang="en-US" baseline="0" dirty="0" err="1" smtClean="0"/>
-              <a:t>geganen</a:t>
+              <a:t>Einnahme</a:t>
             </a:r>
             <a:r>
               <a:rPr lang="en-US" baseline="0" dirty="0" smtClean="0"/>
-              <a:t>: </a:t>
+              <a:t> der </a:t>
             </a:r>
             <a:r>
               <a:rPr lang="en-US" baseline="0" dirty="0" err="1" smtClean="0"/>
-              <a:t>Kinogutschein</a:t>
-            </a:r>
-            <a:r>
-              <a:rPr lang="en-US" baseline="0" dirty="0" smtClean="0"/>
-              <a:t> (</a:t>
-            </a:r>
-            <a:r>
-              <a:rPr lang="en-US" baseline="0" dirty="0" err="1" smtClean="0"/>
-              <a:t>Echte</a:t>
-            </a:r>
-            <a:r>
-              <a:rPr lang="en-US" baseline="0" dirty="0" smtClean="0"/>
-              <a:t> </a:t>
-            </a:r>
-            <a:r>
-              <a:rPr lang="en-US" baseline="0" dirty="0" err="1" smtClean="0"/>
-              <a:t>Belohnungen</a:t>
-            </a:r>
-            <a:r>
-              <a:rPr lang="en-US" baseline="0" dirty="0" smtClean="0"/>
-              <a:t>)</a:t>
+              <a:t>Medikamente</a:t>
             </a:r>
             <a:endParaRPr lang="de-CH" dirty="0"/>
           </a:p>
@@ -1487,7 +1802,7 @@
           <a:p>
             <a:fld id="{9A061F0F-BF1A-47A6-BC67-894693F926E4}" type="slidenum">
               <a:rPr lang="de-CH" smtClean="0"/>
-              <a:t>14</a:t>
+              <a:t>9</a:t>
             </a:fld>
             <a:endParaRPr lang="de-CH"/>
           </a:p>
@@ -1496,7 +1811,7 @@
     </p:spTree>
     <p:extLst>
       <p:ext uri="{BB962C8B-B14F-4D97-AF65-F5344CB8AC3E}">
-        <p14:creationId xmlns:p14="http://schemas.microsoft.com/office/powerpoint/2010/main" val="2346822262"/>
+        <p14:creationId xmlns:p14="http://schemas.microsoft.com/office/powerpoint/2010/main" val="1510856985"/>
       </p:ext>
     </p:extLst>
   </p:cSld>
@@ -1552,15 +1867,7 @@
           <a:p>
             <a:r>
               <a:rPr lang="en-US" dirty="0" err="1" smtClean="0"/>
-              <a:t>Ist</a:t>
-            </a:r>
-            <a:r>
-              <a:rPr lang="en-US" dirty="0" smtClean="0"/>
-              <a:t> in </a:t>
-            </a:r>
-            <a:r>
-              <a:rPr lang="en-US" dirty="0" err="1" smtClean="0"/>
-              <a:t>unserem</a:t>
+              <a:t>Übersichtliches</a:t>
             </a:r>
             <a:r>
               <a:rPr lang="en-US" dirty="0" smtClean="0"/>
@@ -1568,7 +1875,18 @@
             </a:r>
             <a:r>
               <a:rPr lang="en-US" dirty="0" err="1" smtClean="0"/>
-              <a:t>Sinne</a:t>
+              <a:t>Menü</a:t>
+            </a:r>
+            <a:endParaRPr lang="en-US" dirty="0" smtClean="0"/>
+          </a:p>
+          <a:p>
+            <a:pPr marL="171450" indent="-171450">
+              <a:buFontTx/>
+              <a:buChar char="-"/>
+            </a:pPr>
+            <a:r>
+              <a:rPr lang="en-US" dirty="0" err="1" smtClean="0"/>
+              <a:t>Nächste</a:t>
             </a:r>
             <a:r>
               <a:rPr lang="en-US" baseline="0" dirty="0" smtClean="0"/>
@@ -1576,7 +1894,21 @@
             </a:r>
             <a:r>
               <a:rPr lang="en-US" baseline="0" dirty="0" err="1" smtClean="0"/>
-              <a:t>kein</a:t>
+              <a:t>Termine</a:t>
+            </a:r>
+            <a:r>
+              <a:rPr lang="en-US" baseline="0" dirty="0" smtClean="0"/>
+              <a:t> (Slider)</a:t>
+            </a:r>
+          </a:p>
+          <a:p>
+            <a:pPr marL="0" indent="0">
+              <a:buFontTx/>
+              <a:buNone/>
+            </a:pPr>
+            <a:r>
+              <a:rPr lang="en-US" baseline="0" dirty="0" err="1" smtClean="0"/>
+              <a:t>Kacheln</a:t>
             </a:r>
             <a:r>
               <a:rPr lang="en-US" baseline="0" dirty="0" smtClean="0"/>
@@ -1584,31 +1916,15 @@
             </a:r>
             <a:r>
               <a:rPr lang="en-US" baseline="0" dirty="0" err="1" smtClean="0"/>
-              <a:t>Notfall</a:t>
+              <a:t>mit</a:t>
             </a:r>
             <a:r>
               <a:rPr lang="en-US" baseline="0" dirty="0" smtClean="0"/>
-              <a:t> auf </a:t>
+              <a:t> den </a:t>
             </a:r>
             <a:r>
               <a:rPr lang="en-US" baseline="0" dirty="0" err="1" smtClean="0"/>
-              <a:t>Leben</a:t>
-            </a:r>
-            <a:r>
-              <a:rPr lang="en-US" baseline="0" dirty="0" smtClean="0"/>
-              <a:t> und </a:t>
-            </a:r>
-            <a:r>
-              <a:rPr lang="en-US" baseline="0" dirty="0" err="1" smtClean="0"/>
-              <a:t>Tod</a:t>
-            </a:r>
-            <a:r>
-              <a:rPr lang="en-US" baseline="0" dirty="0" smtClean="0"/>
-              <a:t>, </a:t>
-            </a:r>
-            <a:r>
-              <a:rPr lang="en-US" baseline="0" dirty="0" err="1" smtClean="0"/>
-              <a:t>sondern</a:t>
+              <a:t>entsprechenden</a:t>
             </a:r>
             <a:r>
               <a:rPr lang="en-US" baseline="0" dirty="0" smtClean="0"/>
@@ -1616,67 +1932,18 @@
             </a:r>
             <a:r>
               <a:rPr lang="en-US" baseline="0" dirty="0" err="1" smtClean="0"/>
-              <a:t>ein</a:t>
-            </a:r>
+              <a:t>Untergruppen</a:t>
+            </a:r>
+            <a:endParaRPr lang="en-US" baseline="0" dirty="0" smtClean="0"/>
+          </a:p>
+          <a:p>
+            <a:pPr marL="0" indent="0">
+              <a:buFontTx/>
+              <a:buNone/>
+            </a:pPr>
             <a:r>
               <a:rPr lang="en-US" baseline="0" dirty="0" smtClean="0"/>
-              <a:t> </a:t>
-            </a:r>
-            <a:r>
-              <a:rPr lang="en-US" baseline="0" dirty="0" err="1" smtClean="0"/>
-              <a:t>Rückfall-Notfall</a:t>
-            </a:r>
-            <a:r>
-              <a:rPr lang="en-US" baseline="0" dirty="0" smtClean="0"/>
-              <a:t>: (</a:t>
-            </a:r>
-            <a:r>
-              <a:rPr lang="en-US" baseline="0" dirty="0" err="1" smtClean="0"/>
-              <a:t>Ich</a:t>
-            </a:r>
-            <a:r>
-              <a:rPr lang="en-US" baseline="0" dirty="0" smtClean="0"/>
-              <a:t> </a:t>
-            </a:r>
-            <a:r>
-              <a:rPr lang="en-US" baseline="0" dirty="0" err="1" smtClean="0"/>
-              <a:t>möchte</a:t>
-            </a:r>
-            <a:r>
-              <a:rPr lang="en-US" baseline="0" dirty="0" smtClean="0"/>
-              <a:t> </a:t>
-            </a:r>
-            <a:r>
-              <a:rPr lang="en-US" baseline="0" dirty="0" err="1" smtClean="0"/>
-              <a:t>umbedingt</a:t>
-            </a:r>
-            <a:r>
-              <a:rPr lang="en-US" baseline="0" dirty="0" smtClean="0"/>
-              <a:t> </a:t>
-            </a:r>
-            <a:r>
-              <a:rPr lang="en-US" baseline="0" dirty="0" err="1" smtClean="0"/>
-              <a:t>zur</a:t>
-            </a:r>
-            <a:r>
-              <a:rPr lang="en-US" baseline="0" dirty="0" smtClean="0"/>
-              <a:t> </a:t>
-            </a:r>
-            <a:r>
-              <a:rPr lang="en-US" baseline="0" dirty="0" err="1" smtClean="0"/>
-              <a:t>Flasche</a:t>
-            </a:r>
-            <a:r>
-              <a:rPr lang="en-US" baseline="0" dirty="0" smtClean="0"/>
-              <a:t> </a:t>
-            </a:r>
-            <a:r>
-              <a:rPr lang="en-US" baseline="0" dirty="0" err="1" smtClean="0"/>
-              <a:t>greifen</a:t>
-            </a:r>
-            <a:r>
-              <a:rPr lang="en-US" baseline="0" dirty="0" smtClean="0"/>
-              <a:t>…)</a:t>
+              <a:t>SOS Button</a:t>
             </a:r>
             <a:endParaRPr lang="de-CH" dirty="0"/>
           </a:p>
@@ -1699,7 +1966,7 @@
           <a:p>
             <a:fld id="{9A061F0F-BF1A-47A6-BC67-894693F926E4}" type="slidenum">
               <a:rPr lang="de-CH" smtClean="0"/>
-              <a:t>15</a:t>
+              <a:t>10</a:t>
             </a:fld>
             <a:endParaRPr lang="de-CH"/>
           </a:p>
@@ -1708,7 +1975,260 @@
     </p:spTree>
     <p:extLst>
       <p:ext uri="{BB962C8B-B14F-4D97-AF65-F5344CB8AC3E}">
-        <p14:creationId xmlns:p14="http://schemas.microsoft.com/office/powerpoint/2010/main" val="1674853867"/>
+        <p14:creationId xmlns:p14="http://schemas.microsoft.com/office/powerpoint/2010/main" val="27573463"/>
+      </p:ext>
+    </p:extLst>
+  </p:cSld>
+  <p:clrMapOvr>
+    <a:masterClrMapping/>
+  </p:clrMapOvr>
+</p:notes>
+</file>
+
+<file path=ppt/notesSlides/notesSlide9.xml><?xml version="1.0" encoding="utf-8"?>
+<p:notes xmlns:a="http://schemas.openxmlformats.org/drawingml/2006/main" xmlns:r="http://schemas.openxmlformats.org/officeDocument/2006/relationships" xmlns:p="http://schemas.openxmlformats.org/presentationml/2006/main">
+  <p:cSld>
+    <p:spTree>
+      <p:nvGrpSpPr>
+        <p:cNvPr id="1" name=""/>
+        <p:cNvGrpSpPr/>
+        <p:nvPr/>
+      </p:nvGrpSpPr>
+      <p:grpSpPr>
+        <a:xfrm>
+          <a:off x="0" y="0"/>
+          <a:ext cx="0" cy="0"/>
+          <a:chOff x="0" y="0"/>
+          <a:chExt cx="0" cy="0"/>
+        </a:xfrm>
+      </p:grpSpPr>
+      <p:sp>
+        <p:nvSpPr>
+          <p:cNvPr id="2" name="Folienbildplatzhalter 1"/>
+          <p:cNvSpPr>
+            <a:spLocks noGrp="1" noRot="1" noChangeAspect="1"/>
+          </p:cNvSpPr>
+          <p:nvPr>
+            <p:ph type="sldImg"/>
+          </p:nvPr>
+        </p:nvSpPr>
+        <p:spPr/>
+      </p:sp>
+      <p:sp>
+        <p:nvSpPr>
+          <p:cNvPr id="3" name="Notizenplatzhalter 2"/>
+          <p:cNvSpPr>
+            <a:spLocks noGrp="1"/>
+          </p:cNvSpPr>
+          <p:nvPr>
+            <p:ph type="body" idx="1"/>
+          </p:nvPr>
+        </p:nvSpPr>
+        <p:spPr/>
+        <p:txBody>
+          <a:bodyPr/>
+          <a:lstStyle/>
+          <a:p>
+            <a:r>
+              <a:rPr lang="en-US" dirty="0" err="1" smtClean="0"/>
+              <a:t>z.B</a:t>
+            </a:r>
+            <a:r>
+              <a:rPr lang="en-US" dirty="0" smtClean="0"/>
+              <a:t>. User</a:t>
+            </a:r>
+            <a:r>
+              <a:rPr lang="en-US" baseline="0" dirty="0" smtClean="0"/>
+              <a:t> -&gt; </a:t>
+            </a:r>
+            <a:r>
+              <a:rPr lang="en-US" baseline="0" dirty="0" err="1" smtClean="0"/>
+              <a:t>Briefkasten</a:t>
+            </a:r>
+            <a:r>
+              <a:rPr lang="en-US" baseline="0" dirty="0" smtClean="0"/>
+              <a:t> -&gt; </a:t>
+            </a:r>
+            <a:r>
+              <a:rPr lang="en-US" baseline="0" dirty="0" err="1" smtClean="0"/>
+              <a:t>Foto</a:t>
+            </a:r>
+            <a:r>
+              <a:rPr lang="en-US" baseline="0" dirty="0" smtClean="0"/>
+              <a:t> QR-Code am </a:t>
+            </a:r>
+            <a:r>
+              <a:rPr lang="en-US" baseline="0" dirty="0" err="1" smtClean="0"/>
+              <a:t>Briefkasten</a:t>
+            </a:r>
+            <a:r>
+              <a:rPr lang="en-US" baseline="0" dirty="0" smtClean="0"/>
+              <a:t> +10 </a:t>
+            </a:r>
+            <a:r>
+              <a:rPr lang="en-US" baseline="0" dirty="0" err="1" smtClean="0"/>
+              <a:t>Punkte</a:t>
+            </a:r>
+            <a:endParaRPr lang="en-US" baseline="0" dirty="0" smtClean="0"/>
+          </a:p>
+          <a:p>
+            <a:r>
+              <a:rPr lang="en-US" baseline="0" dirty="0" smtClean="0"/>
+              <a:t>User </a:t>
+            </a:r>
+            <a:r>
+              <a:rPr lang="en-US" baseline="0" dirty="0" err="1" smtClean="0"/>
+              <a:t>läuft</a:t>
+            </a:r>
+            <a:r>
+              <a:rPr lang="en-US" baseline="0" dirty="0" smtClean="0"/>
+              <a:t> </a:t>
+            </a:r>
+            <a:r>
+              <a:rPr lang="en-US" baseline="0" dirty="0" err="1" smtClean="0"/>
+              <a:t>zum</a:t>
+            </a:r>
+            <a:r>
+              <a:rPr lang="en-US" baseline="0" dirty="0" smtClean="0"/>
+              <a:t> </a:t>
+            </a:r>
+            <a:r>
+              <a:rPr lang="en-US" baseline="0" dirty="0" err="1" smtClean="0"/>
+              <a:t>Migros</a:t>
+            </a:r>
+            <a:r>
+              <a:rPr lang="en-US" baseline="0" dirty="0" smtClean="0"/>
+              <a:t> -&gt; GPS -&gt; + 20 </a:t>
+            </a:r>
+            <a:r>
+              <a:rPr lang="en-US" baseline="0" dirty="0" err="1" smtClean="0"/>
+              <a:t>Punkte</a:t>
+            </a:r>
+            <a:endParaRPr lang="en-US" dirty="0" smtClean="0"/>
+          </a:p>
+          <a:p>
+            <a:endParaRPr lang="en-US" dirty="0" smtClean="0"/>
+          </a:p>
+          <a:p>
+            <a:r>
+              <a:rPr lang="en-US" dirty="0" err="1" smtClean="0"/>
+              <a:t>Weiterführende</a:t>
+            </a:r>
+            <a:r>
+              <a:rPr lang="en-US" baseline="0" dirty="0" smtClean="0"/>
+              <a:t> </a:t>
+            </a:r>
+            <a:r>
+              <a:rPr lang="en-US" baseline="0" dirty="0" err="1" smtClean="0"/>
+              <a:t>Gedanken</a:t>
+            </a:r>
+            <a:r>
+              <a:rPr lang="en-US" baseline="0" dirty="0" smtClean="0"/>
+              <a:t>: </a:t>
+            </a:r>
+            <a:r>
+              <a:rPr lang="en-US" baseline="0" dirty="0" err="1" smtClean="0"/>
+              <a:t>Wenn</a:t>
+            </a:r>
+            <a:r>
+              <a:rPr lang="en-US" baseline="0" dirty="0" smtClean="0"/>
+              <a:t> </a:t>
+            </a:r>
+            <a:r>
+              <a:rPr lang="en-US" baseline="0" dirty="0" err="1" smtClean="0"/>
+              <a:t>z.B</a:t>
+            </a:r>
+            <a:r>
+              <a:rPr lang="en-US" baseline="0" dirty="0" smtClean="0"/>
+              <a:t>. 20 in </a:t>
+            </a:r>
+            <a:r>
+              <a:rPr lang="en-US" baseline="0" dirty="0" err="1" smtClean="0"/>
+              <a:t>Folge</a:t>
+            </a:r>
+            <a:r>
+              <a:rPr lang="en-US" baseline="0" dirty="0" smtClean="0"/>
+              <a:t> in </a:t>
+            </a:r>
+            <a:r>
+              <a:rPr lang="en-US" baseline="0" dirty="0" err="1" smtClean="0"/>
+              <a:t>jeden</a:t>
+            </a:r>
+            <a:r>
+              <a:rPr lang="en-US" baseline="0" dirty="0" smtClean="0"/>
+              <a:t> Morgen ins </a:t>
+            </a:r>
+            <a:r>
+              <a:rPr lang="en-US" baseline="0" dirty="0" err="1" smtClean="0"/>
+              <a:t>Migros</a:t>
+            </a:r>
+            <a:r>
+              <a:rPr lang="en-US" baseline="0" dirty="0" smtClean="0"/>
+              <a:t> </a:t>
+            </a:r>
+            <a:r>
+              <a:rPr lang="en-US" baseline="0" dirty="0" err="1" smtClean="0"/>
+              <a:t>geganen</a:t>
+            </a:r>
+            <a:r>
+              <a:rPr lang="en-US" baseline="0" dirty="0" smtClean="0"/>
+              <a:t>: </a:t>
+            </a:r>
+            <a:r>
+              <a:rPr lang="en-US" baseline="0" dirty="0" err="1" smtClean="0"/>
+              <a:t>Kinogutschein</a:t>
+            </a:r>
+            <a:r>
+              <a:rPr lang="en-US" baseline="0" dirty="0" smtClean="0"/>
+              <a:t> (</a:t>
+            </a:r>
+            <a:r>
+              <a:rPr lang="en-US" baseline="0" dirty="0" err="1" smtClean="0"/>
+              <a:t>Echte</a:t>
+            </a:r>
+            <a:r>
+              <a:rPr lang="en-US" baseline="0" dirty="0" smtClean="0"/>
+              <a:t> </a:t>
+            </a:r>
+            <a:r>
+              <a:rPr lang="en-US" baseline="0" dirty="0" err="1" smtClean="0"/>
+              <a:t>Belohnungen</a:t>
+            </a:r>
+            <a:r>
+              <a:rPr lang="en-US" baseline="0" dirty="0" smtClean="0"/>
+              <a:t>)</a:t>
+            </a:r>
+            <a:endParaRPr lang="de-CH" dirty="0"/>
+          </a:p>
+        </p:txBody>
+      </p:sp>
+      <p:sp>
+        <p:nvSpPr>
+          <p:cNvPr id="4" name="Foliennummernplatzhalter 3"/>
+          <p:cNvSpPr>
+            <a:spLocks noGrp="1"/>
+          </p:cNvSpPr>
+          <p:nvPr>
+            <p:ph type="sldNum" sz="quarter" idx="10"/>
+          </p:nvPr>
+        </p:nvSpPr>
+        <p:spPr/>
+        <p:txBody>
+          <a:bodyPr/>
+          <a:lstStyle/>
+          <a:p>
+            <a:fld id="{9A061F0F-BF1A-47A6-BC67-894693F926E4}" type="slidenum">
+              <a:rPr lang="de-CH" smtClean="0"/>
+              <a:t>11</a:t>
+            </a:fld>
+            <a:endParaRPr lang="de-CH"/>
+          </a:p>
+        </p:txBody>
+      </p:sp>
+    </p:spTree>
+    <p:extLst>
+      <p:ext uri="{BB962C8B-B14F-4D97-AF65-F5344CB8AC3E}">
+        <p14:creationId xmlns:p14="http://schemas.microsoft.com/office/powerpoint/2010/main" val="2346822262"/>
       </p:ext>
     </p:extLst>
   </p:cSld>
@@ -5087,383 +5607,6 @@
 </file>
 
 <file path=ppt/slides/slide10.xml><?xml version="1.0" encoding="utf-8"?>
-<p:sld xmlns:a="http://schemas.openxmlformats.org/drawingml/2006/main" xmlns:r="http://schemas.openxmlformats.org/officeDocument/2006/relationships" xmlns:p="http://schemas.openxmlformats.org/presentationml/2006/main" show="0">
-  <p:cSld>
-    <p:spTree>
-      <p:nvGrpSpPr>
-        <p:cNvPr id="1" name=""/>
-        <p:cNvGrpSpPr/>
-        <p:nvPr/>
-      </p:nvGrpSpPr>
-      <p:grpSpPr>
-        <a:xfrm>
-          <a:off x="0" y="0"/>
-          <a:ext cx="0" cy="0"/>
-          <a:chOff x="0" y="0"/>
-          <a:chExt cx="0" cy="0"/>
-        </a:xfrm>
-      </p:grpSpPr>
-      <p:sp>
-        <p:nvSpPr>
-          <p:cNvPr id="4" name="Titel 3"/>
-          <p:cNvSpPr>
-            <a:spLocks noGrp="1"/>
-          </p:cNvSpPr>
-          <p:nvPr>
-            <p:ph type="title"/>
-          </p:nvPr>
-        </p:nvSpPr>
-        <p:spPr/>
-        <p:txBody>
-          <a:bodyPr/>
-          <a:lstStyle/>
-          <a:p>
-            <a:r>
-              <a:rPr lang="de-DE" dirty="0" smtClean="0"/>
-              <a:t>Anforderungen</a:t>
-            </a:r>
-            <a:endParaRPr lang="de-DE" dirty="0"/>
-          </a:p>
-        </p:txBody>
-      </p:sp>
-      <p:sp>
-        <p:nvSpPr>
-          <p:cNvPr id="5" name="Textplatzhalter 4"/>
-          <p:cNvSpPr>
-            <a:spLocks noGrp="1"/>
-          </p:cNvSpPr>
-          <p:nvPr>
-            <p:ph type="body" idx="1"/>
-          </p:nvPr>
-        </p:nvSpPr>
-        <p:spPr/>
-        <p:txBody>
-          <a:bodyPr/>
-          <a:lstStyle/>
-          <a:p>
-            <a:endParaRPr lang="de-DE"/>
-          </a:p>
-        </p:txBody>
-      </p:sp>
-    </p:spTree>
-    <p:extLst>
-      <p:ext uri="{BB962C8B-B14F-4D97-AF65-F5344CB8AC3E}">
-        <p14:creationId xmlns:p14="http://schemas.microsoft.com/office/powerpoint/2010/main" val="838882359"/>
-      </p:ext>
-    </p:extLst>
-  </p:cSld>
-  <p:clrMapOvr>
-    <a:masterClrMapping/>
-  </p:clrMapOvr>
-  <mc:AlternateContent xmlns:mc="http://schemas.openxmlformats.org/markup-compatibility/2006" xmlns:p14="http://schemas.microsoft.com/office/powerpoint/2010/main">
-    <mc:Choice Requires="p14">
-      <p:transition spd="slow" p14:dur="2000"/>
-    </mc:Choice>
-    <mc:Fallback xmlns="">
-      <p:transition xmlns:p14="http://schemas.microsoft.com/office/powerpoint/2010/main" spd="slow"/>
-    </mc:Fallback>
-  </mc:AlternateContent>
-  <p:timing>
-    <p:tnLst>
-      <p:par>
-        <p:cTn id="1" dur="indefinite" restart="never" nodeType="tmRoot"/>
-      </p:par>
-    </p:tnLst>
-  </p:timing>
-</p:sld>
-</file>
-
-<file path=ppt/slides/slide11.xml><?xml version="1.0" encoding="utf-8"?>
-<p:sld xmlns:a="http://schemas.openxmlformats.org/drawingml/2006/main" xmlns:r="http://schemas.openxmlformats.org/officeDocument/2006/relationships" xmlns:p="http://schemas.openxmlformats.org/presentationml/2006/main" show="0">
-  <p:cSld>
-    <p:spTree>
-      <p:nvGrpSpPr>
-        <p:cNvPr id="1" name=""/>
-        <p:cNvGrpSpPr/>
-        <p:nvPr/>
-      </p:nvGrpSpPr>
-      <p:grpSpPr>
-        <a:xfrm>
-          <a:off x="0" y="0"/>
-          <a:ext cx="0" cy="0"/>
-          <a:chOff x="0" y="0"/>
-          <a:chExt cx="0" cy="0"/>
-        </a:xfrm>
-      </p:grpSpPr>
-      <p:sp>
-        <p:nvSpPr>
-          <p:cNvPr id="2" name="Titel 1"/>
-          <p:cNvSpPr>
-            <a:spLocks noGrp="1"/>
-          </p:cNvSpPr>
-          <p:nvPr>
-            <p:ph type="title"/>
-          </p:nvPr>
-        </p:nvSpPr>
-        <p:spPr/>
-        <p:txBody>
-          <a:bodyPr/>
-          <a:lstStyle/>
-          <a:p>
-            <a:r>
-              <a:rPr lang="de-DE" dirty="0" err="1"/>
-              <a:t>e</a:t>
-            </a:r>
-            <a:r>
-              <a:rPr lang="de-DE" dirty="0" err="1" smtClean="0"/>
-              <a:t>rkenntnisse</a:t>
-            </a:r>
-            <a:r>
-              <a:rPr lang="de-DE" dirty="0" smtClean="0"/>
-              <a:t> – </a:t>
-            </a:r>
-            <a:r>
-              <a:rPr lang="de-DE" dirty="0" err="1" smtClean="0"/>
-              <a:t>scope</a:t>
-            </a:r>
-            <a:endParaRPr lang="de-DE" dirty="0"/>
-          </a:p>
-        </p:txBody>
-      </p:sp>
-      <p:sp>
-        <p:nvSpPr>
-          <p:cNvPr id="3" name="Inhaltsplatzhalter 2"/>
-          <p:cNvSpPr>
-            <a:spLocks noGrp="1"/>
-          </p:cNvSpPr>
-          <p:nvPr>
-            <p:ph idx="1"/>
-          </p:nvPr>
-        </p:nvSpPr>
-        <p:spPr/>
-        <p:txBody>
-          <a:bodyPr/>
-          <a:lstStyle/>
-          <a:p>
-            <a:r>
-              <a:rPr lang="de-CH" dirty="0" smtClean="0"/>
-              <a:t>Terminverwaltung</a:t>
-            </a:r>
-          </a:p>
-          <a:p>
-            <a:pPr lvl="1"/>
-            <a:r>
-              <a:rPr lang="de-CH" dirty="0" smtClean="0"/>
-              <a:t>Anzeigen</a:t>
-            </a:r>
-          </a:p>
-          <a:p>
-            <a:pPr lvl="1"/>
-            <a:r>
-              <a:rPr lang="de-CH" dirty="0" smtClean="0"/>
-              <a:t>Erinnern</a:t>
-            </a:r>
-          </a:p>
-          <a:p>
-            <a:r>
-              <a:rPr lang="de-CH" dirty="0" smtClean="0"/>
-              <a:t>Behandlung</a:t>
-            </a:r>
-          </a:p>
-          <a:p>
-            <a:pPr lvl="1"/>
-            <a:r>
-              <a:rPr lang="de-CH" dirty="0" smtClean="0"/>
-              <a:t>An Handlung erinnern</a:t>
-            </a:r>
-            <a:endParaRPr lang="de-CH" b="1" dirty="0" smtClean="0"/>
-          </a:p>
-          <a:p>
-            <a:r>
-              <a:rPr lang="de-CH" dirty="0" smtClean="0"/>
-              <a:t>Verwaltung medikamentöse Behandlung</a:t>
-            </a:r>
-          </a:p>
-          <a:p>
-            <a:pPr lvl="1"/>
-            <a:r>
-              <a:rPr lang="de-CH" dirty="0" smtClean="0"/>
-              <a:t>«Medikation»</a:t>
-            </a:r>
-          </a:p>
-          <a:p>
-            <a:pPr lvl="1"/>
-            <a:r>
-              <a:rPr lang="de-CH" dirty="0" smtClean="0"/>
-              <a:t>Ausdruck um Rezepte abzuholen</a:t>
-            </a:r>
-          </a:p>
-        </p:txBody>
-      </p:sp>
-    </p:spTree>
-    <p:extLst>
-      <p:ext uri="{BB962C8B-B14F-4D97-AF65-F5344CB8AC3E}">
-        <p14:creationId xmlns:p14="http://schemas.microsoft.com/office/powerpoint/2010/main" val="11114944"/>
-      </p:ext>
-    </p:extLst>
-  </p:cSld>
-  <p:clrMapOvr>
-    <a:masterClrMapping/>
-  </p:clrMapOvr>
-  <mc:AlternateContent xmlns:mc="http://schemas.openxmlformats.org/markup-compatibility/2006" xmlns:p14="http://schemas.microsoft.com/office/powerpoint/2010/main">
-    <mc:Choice Requires="p14">
-      <p:transition spd="slow" p14:dur="2000"/>
-    </mc:Choice>
-    <mc:Fallback xmlns="">
-      <p:transition xmlns:p14="http://schemas.microsoft.com/office/powerpoint/2010/main" spd="slow"/>
-    </mc:Fallback>
-  </mc:AlternateContent>
-  <p:timing>
-    <p:tnLst>
-      <p:par>
-        <p:cTn id="1" dur="indefinite" restart="never" nodeType="tmRoot"/>
-      </p:par>
-    </p:tnLst>
-  </p:timing>
-</p:sld>
-</file>
-
-<file path=ppt/slides/slide12.xml><?xml version="1.0" encoding="utf-8"?>
-<p:sld xmlns:a="http://schemas.openxmlformats.org/drawingml/2006/main" xmlns:r="http://schemas.openxmlformats.org/officeDocument/2006/relationships" xmlns:p="http://schemas.openxmlformats.org/presentationml/2006/main" show="0">
-  <p:cSld>
-    <p:spTree>
-      <p:nvGrpSpPr>
-        <p:cNvPr id="1" name=""/>
-        <p:cNvGrpSpPr/>
-        <p:nvPr/>
-      </p:nvGrpSpPr>
-      <p:grpSpPr>
-        <a:xfrm>
-          <a:off x="0" y="0"/>
-          <a:ext cx="0" cy="0"/>
-          <a:chOff x="0" y="0"/>
-          <a:chExt cx="0" cy="0"/>
-        </a:xfrm>
-      </p:grpSpPr>
-      <p:sp>
-        <p:nvSpPr>
-          <p:cNvPr id="2" name="Titel 1"/>
-          <p:cNvSpPr>
-            <a:spLocks noGrp="1"/>
-          </p:cNvSpPr>
-          <p:nvPr>
-            <p:ph type="title"/>
-          </p:nvPr>
-        </p:nvSpPr>
-        <p:spPr/>
-        <p:txBody>
-          <a:bodyPr/>
-          <a:lstStyle/>
-          <a:p>
-            <a:r>
-              <a:rPr lang="de-DE" dirty="0" err="1"/>
-              <a:t>e</a:t>
-            </a:r>
-            <a:r>
-              <a:rPr lang="de-DE" dirty="0" err="1" smtClean="0"/>
-              <a:t>rkenntnisse</a:t>
-            </a:r>
-            <a:r>
-              <a:rPr lang="de-DE" dirty="0" smtClean="0"/>
-              <a:t> – out </a:t>
-            </a:r>
-            <a:r>
-              <a:rPr lang="de-DE" dirty="0" err="1" smtClean="0"/>
-              <a:t>of</a:t>
-            </a:r>
-            <a:r>
-              <a:rPr lang="de-DE" dirty="0"/>
-              <a:t> </a:t>
-            </a:r>
-            <a:r>
-              <a:rPr lang="de-DE" dirty="0" err="1" smtClean="0"/>
-              <a:t>scope</a:t>
-            </a:r>
-            <a:endParaRPr lang="de-DE" dirty="0"/>
-          </a:p>
-        </p:txBody>
-      </p:sp>
-      <p:sp>
-        <p:nvSpPr>
-          <p:cNvPr id="3" name="Inhaltsplatzhalter 2"/>
-          <p:cNvSpPr>
-            <a:spLocks noGrp="1"/>
-          </p:cNvSpPr>
-          <p:nvPr>
-            <p:ph idx="1"/>
-          </p:nvPr>
-        </p:nvSpPr>
-        <p:spPr/>
-        <p:txBody>
-          <a:bodyPr/>
-          <a:lstStyle/>
-          <a:p>
-            <a:r>
-              <a:rPr lang="de-CH" dirty="0" smtClean="0"/>
-              <a:t>Terminverwaltung</a:t>
-            </a:r>
-          </a:p>
-          <a:p>
-            <a:pPr lvl="1"/>
-            <a:r>
-              <a:rPr lang="de-CH" dirty="0" smtClean="0"/>
-              <a:t>Termine vereinbaren</a:t>
-            </a:r>
-          </a:p>
-          <a:p>
-            <a:r>
-              <a:rPr lang="de-CH" dirty="0" smtClean="0"/>
-              <a:t>Verwaltung medikamentöse Behandlung</a:t>
-            </a:r>
-          </a:p>
-          <a:p>
-            <a:pPr lvl="1"/>
-            <a:r>
-              <a:rPr lang="de-CH" dirty="0" smtClean="0"/>
-              <a:t>Rezeptverwaltung</a:t>
-            </a:r>
-          </a:p>
-          <a:p>
-            <a:pPr lvl="1"/>
-            <a:r>
-              <a:rPr lang="de-CH" dirty="0" smtClean="0"/>
-              <a:t>Rezeptdatenbank</a:t>
-            </a:r>
-          </a:p>
-          <a:p>
-            <a:endParaRPr lang="de-DE" dirty="0"/>
-          </a:p>
-        </p:txBody>
-      </p:sp>
-    </p:spTree>
-    <p:extLst>
-      <p:ext uri="{BB962C8B-B14F-4D97-AF65-F5344CB8AC3E}">
-        <p14:creationId xmlns:p14="http://schemas.microsoft.com/office/powerpoint/2010/main" val="3010319095"/>
-      </p:ext>
-    </p:extLst>
-  </p:cSld>
-  <p:clrMapOvr>
-    <a:masterClrMapping/>
-  </p:clrMapOvr>
-  <mc:AlternateContent xmlns:mc="http://schemas.openxmlformats.org/markup-compatibility/2006" xmlns:p14="http://schemas.microsoft.com/office/powerpoint/2010/main">
-    <mc:Choice Requires="p14">
-      <p:transition spd="slow" p14:dur="2000"/>
-    </mc:Choice>
-    <mc:Fallback xmlns="">
-      <p:transition xmlns:p14="http://schemas.microsoft.com/office/powerpoint/2010/main" spd="slow"/>
-    </mc:Fallback>
-  </mc:AlternateContent>
-  <p:timing>
-    <p:tnLst>
-      <p:par>
-        <p:cTn id="1" dur="indefinite" restart="never" nodeType="tmRoot"/>
-      </p:par>
-    </p:tnLst>
-  </p:timing>
-</p:sld>
-</file>
-
-<file path=ppt/slides/slide13.xml><?xml version="1.0" encoding="utf-8"?>
 <p:sld xmlns:a="http://schemas.openxmlformats.org/drawingml/2006/main" xmlns:r="http://schemas.openxmlformats.org/officeDocument/2006/relationships" xmlns:p="http://schemas.openxmlformats.org/presentationml/2006/main">
   <p:cSld>
     <p:spTree>
@@ -5514,7 +5657,7 @@
           </p:nvPr>
         </p:nvPicPr>
         <p:blipFill>
-          <a:blip r:embed="rId2">
+          <a:blip r:embed="rId3">
             <a:extLst>
               <a:ext uri="{28A0092B-C50C-407E-A947-70E740481C1C}">
                 <a14:useLocalDpi xmlns:a14="http://schemas.microsoft.com/office/drawing/2010/main" val="0"/>
@@ -5548,7 +5691,7 @@
 </p:sld>
 </file>
 
-<file path=ppt/slides/slide14.xml><?xml version="1.0" encoding="utf-8"?>
+<file path=ppt/slides/slide11.xml><?xml version="1.0" encoding="utf-8"?>
 <p:sld xmlns:a="http://schemas.openxmlformats.org/drawingml/2006/main" xmlns:r="http://schemas.openxmlformats.org/officeDocument/2006/relationships" xmlns:p="http://schemas.openxmlformats.org/presentationml/2006/main">
   <p:cSld>
     <p:spTree>
@@ -5649,7 +5792,7 @@
 </p:sld>
 </file>
 
-<file path=ppt/slides/slide15.xml><?xml version="1.0" encoding="utf-8"?>
+<file path=ppt/slides/slide12.xml><?xml version="1.0" encoding="utf-8"?>
 <p:sld xmlns:a="http://schemas.openxmlformats.org/drawingml/2006/main" xmlns:r="http://schemas.openxmlformats.org/officeDocument/2006/relationships" xmlns:p="http://schemas.openxmlformats.org/presentationml/2006/main">
   <p:cSld>
     <p:spTree>
@@ -5769,6 +5912,284 @@
 </p:sld>
 </file>
 
+<file path=ppt/slides/slide13.xml><?xml version="1.0" encoding="utf-8"?>
+<p:sld xmlns:a="http://schemas.openxmlformats.org/drawingml/2006/main" xmlns:r="http://schemas.openxmlformats.org/officeDocument/2006/relationships" xmlns:p="http://schemas.openxmlformats.org/presentationml/2006/main">
+  <p:cSld>
+    <p:spTree>
+      <p:nvGrpSpPr>
+        <p:cNvPr id="1" name=""/>
+        <p:cNvGrpSpPr/>
+        <p:nvPr/>
+      </p:nvGrpSpPr>
+      <p:grpSpPr>
+        <a:xfrm>
+          <a:off x="0" y="0"/>
+          <a:ext cx="0" cy="0"/>
+          <a:chOff x="0" y="0"/>
+          <a:chExt cx="0" cy="0"/>
+        </a:xfrm>
+      </p:grpSpPr>
+      <p:sp>
+        <p:nvSpPr>
+          <p:cNvPr id="2" name="Titel 1"/>
+          <p:cNvSpPr>
+            <a:spLocks noGrp="1"/>
+          </p:cNvSpPr>
+          <p:nvPr>
+            <p:ph type="title"/>
+          </p:nvPr>
+        </p:nvSpPr>
+        <p:spPr/>
+        <p:txBody>
+          <a:bodyPr/>
+          <a:lstStyle/>
+          <a:p>
+            <a:r>
+              <a:rPr lang="en-US" dirty="0" err="1" smtClean="0"/>
+              <a:t>termin</a:t>
+            </a:r>
+            <a:endParaRPr lang="de-CH" dirty="0"/>
+          </a:p>
+        </p:txBody>
+      </p:sp>
+      <p:sp>
+        <p:nvSpPr>
+          <p:cNvPr id="3" name="Inhaltsplatzhalter 2"/>
+          <p:cNvSpPr>
+            <a:spLocks noGrp="1"/>
+          </p:cNvSpPr>
+          <p:nvPr>
+            <p:ph idx="1"/>
+          </p:nvPr>
+        </p:nvSpPr>
+        <p:spPr/>
+        <p:txBody>
+          <a:bodyPr/>
+          <a:lstStyle/>
+          <a:p>
+            <a:endParaRPr lang="de-CH" dirty="0"/>
+          </a:p>
+        </p:txBody>
+      </p:sp>
+      <p:pic>
+        <p:nvPicPr>
+          <p:cNvPr id="1026" name="Picture 2" descr="C:\Users\James\Desktop\it3_prototype_kalender.png"/>
+          <p:cNvPicPr>
+            <a:picLocks noChangeAspect="1" noChangeArrowheads="1"/>
+          </p:cNvPicPr>
+          <p:nvPr/>
+        </p:nvPicPr>
+        <p:blipFill>
+          <a:blip r:embed="rId3">
+            <a:extLst>
+              <a:ext uri="{28A0092B-C50C-407E-A947-70E740481C1C}">
+                <a14:useLocalDpi xmlns:a14="http://schemas.microsoft.com/office/drawing/2010/main" val="0"/>
+              </a:ext>
+            </a:extLst>
+          </a:blip>
+          <a:srcRect/>
+          <a:stretch>
+            <a:fillRect/>
+          </a:stretch>
+        </p:blipFill>
+        <p:spPr bwMode="auto">
+          <a:xfrm>
+            <a:off x="493058" y="1543137"/>
+            <a:ext cx="8028272" cy="5290763"/>
+          </a:xfrm>
+          <a:prstGeom prst="rect">
+            <a:avLst/>
+          </a:prstGeom>
+          <a:noFill/>
+          <a:extLst>
+            <a:ext uri="{909E8E84-426E-40DD-AFC4-6F175D3DCCD1}">
+              <a14:hiddenFill xmlns:a14="http://schemas.microsoft.com/office/drawing/2010/main">
+                <a:solidFill>
+                  <a:srgbClr val="FFFFFF"/>
+                </a:solidFill>
+              </a14:hiddenFill>
+            </a:ext>
+          </a:extLst>
+        </p:spPr>
+      </p:pic>
+    </p:spTree>
+    <p:extLst>
+      <p:ext uri="{BB962C8B-B14F-4D97-AF65-F5344CB8AC3E}">
+        <p14:creationId xmlns:p14="http://schemas.microsoft.com/office/powerpoint/2010/main" val="2777860091"/>
+      </p:ext>
+    </p:extLst>
+  </p:cSld>
+  <p:clrMapOvr>
+    <a:masterClrMapping/>
+  </p:clrMapOvr>
+  <p:timing>
+    <p:tnLst>
+      <p:par>
+        <p:cTn id="1" dur="indefinite" restart="never" nodeType="tmRoot"/>
+      </p:par>
+    </p:tnLst>
+  </p:timing>
+</p:sld>
+</file>
+
+<file path=ppt/slides/slide14.xml><?xml version="1.0" encoding="utf-8"?>
+<p:sld xmlns:a="http://schemas.openxmlformats.org/drawingml/2006/main" xmlns:r="http://schemas.openxmlformats.org/officeDocument/2006/relationships" xmlns:p="http://schemas.openxmlformats.org/presentationml/2006/main">
+  <p:cSld>
+    <p:spTree>
+      <p:nvGrpSpPr>
+        <p:cNvPr id="1" name=""/>
+        <p:cNvGrpSpPr/>
+        <p:nvPr/>
+      </p:nvGrpSpPr>
+      <p:grpSpPr>
+        <a:xfrm>
+          <a:off x="0" y="0"/>
+          <a:ext cx="0" cy="0"/>
+          <a:chOff x="0" y="0"/>
+          <a:chExt cx="0" cy="0"/>
+        </a:xfrm>
+      </p:grpSpPr>
+      <p:sp>
+        <p:nvSpPr>
+          <p:cNvPr id="2" name="Titel 1"/>
+          <p:cNvSpPr>
+            <a:spLocks noGrp="1"/>
+          </p:cNvSpPr>
+          <p:nvPr>
+            <p:ph type="title"/>
+          </p:nvPr>
+        </p:nvSpPr>
+        <p:spPr/>
+        <p:txBody>
+          <a:bodyPr/>
+          <a:lstStyle/>
+          <a:p>
+            <a:r>
+              <a:rPr lang="en-US" dirty="0" err="1" smtClean="0"/>
+              <a:t>diskussion</a:t>
+            </a:r>
+            <a:r>
+              <a:rPr lang="en-US" dirty="0" smtClean="0"/>
+              <a:t> / </a:t>
+            </a:r>
+            <a:r>
+              <a:rPr lang="en-US" dirty="0" err="1" smtClean="0"/>
+              <a:t>fragen</a:t>
+            </a:r>
+            <a:endParaRPr lang="de-CH" dirty="0"/>
+          </a:p>
+        </p:txBody>
+      </p:sp>
+      <p:sp>
+        <p:nvSpPr>
+          <p:cNvPr id="3" name="Inhaltsplatzhalter 2"/>
+          <p:cNvSpPr>
+            <a:spLocks noGrp="1"/>
+          </p:cNvSpPr>
+          <p:nvPr>
+            <p:ph idx="1"/>
+          </p:nvPr>
+        </p:nvSpPr>
+        <p:spPr>
+          <a:xfrm>
+            <a:off x="457200" y="1600200"/>
+            <a:ext cx="8229600" cy="4525963"/>
+          </a:xfrm>
+        </p:spPr>
+        <p:txBody>
+          <a:bodyPr/>
+          <a:lstStyle/>
+          <a:p>
+            <a:pPr marL="0" indent="0">
+              <a:buNone/>
+            </a:pPr>
+            <a:r>
+              <a:rPr lang="en-US" dirty="0" err="1" smtClean="0"/>
+              <a:t>Fragen</a:t>
+            </a:r>
+            <a:r>
+              <a:rPr lang="en-US" dirty="0" smtClean="0"/>
+              <a:t>? </a:t>
+            </a:r>
+          </a:p>
+          <a:p>
+            <a:pPr marL="0" indent="0">
+              <a:buNone/>
+            </a:pPr>
+            <a:r>
+              <a:rPr lang="en-US" dirty="0" smtClean="0"/>
+              <a:t>Was </a:t>
+            </a:r>
+            <a:r>
+              <a:rPr lang="en-US" dirty="0" err="1" smtClean="0"/>
+              <a:t>gefällt</a:t>
+            </a:r>
+            <a:r>
+              <a:rPr lang="en-US" dirty="0" smtClean="0"/>
+              <a:t> </a:t>
+            </a:r>
+            <a:r>
+              <a:rPr lang="en-US" dirty="0" err="1" smtClean="0"/>
+              <a:t>euch</a:t>
+            </a:r>
+            <a:r>
+              <a:rPr lang="en-US" dirty="0" smtClean="0"/>
+              <a:t>? </a:t>
+            </a:r>
+          </a:p>
+          <a:p>
+            <a:pPr marL="0" indent="0">
+              <a:buNone/>
+            </a:pPr>
+            <a:r>
+              <a:rPr lang="en-US" dirty="0" smtClean="0"/>
+              <a:t>Was </a:t>
+            </a:r>
+            <a:r>
+              <a:rPr lang="en-US" dirty="0" err="1" smtClean="0"/>
+              <a:t>nicht</a:t>
+            </a:r>
+            <a:r>
+              <a:rPr lang="en-US" dirty="0" smtClean="0"/>
+              <a:t>?</a:t>
+            </a:r>
+          </a:p>
+          <a:p>
+            <a:pPr marL="0" indent="0">
+              <a:buNone/>
+            </a:pPr>
+            <a:r>
+              <a:rPr lang="en-US" dirty="0" err="1" smtClean="0"/>
+              <a:t>Verbesserungsvorschläge</a:t>
+            </a:r>
+            <a:r>
+              <a:rPr lang="en-US" dirty="0" smtClean="0"/>
+              <a:t>?</a:t>
+            </a:r>
+            <a:endParaRPr lang="de-CH" dirty="0"/>
+          </a:p>
+        </p:txBody>
+      </p:sp>
+    </p:spTree>
+    <p:extLst>
+      <p:ext uri="{BB962C8B-B14F-4D97-AF65-F5344CB8AC3E}">
+        <p14:creationId xmlns:p14="http://schemas.microsoft.com/office/powerpoint/2010/main" val="1011503979"/>
+      </p:ext>
+    </p:extLst>
+  </p:cSld>
+  <p:clrMapOvr>
+    <a:masterClrMapping/>
+  </p:clrMapOvr>
+  <p:timing>
+    <p:tnLst>
+      <p:par>
+        <p:cTn id="1" dur="indefinite" restart="never" nodeType="tmRoot"/>
+      </p:par>
+    </p:tnLst>
+  </p:timing>
+</p:sld>
+</file>
+
 <file path=ppt/slides/slide2.xml><?xml version="1.0" encoding="utf-8"?>
 <p:sld xmlns:a="http://schemas.openxmlformats.org/drawingml/2006/main" xmlns:r="http://schemas.openxmlformats.org/officeDocument/2006/relationships" xmlns:p="http://schemas.openxmlformats.org/presentationml/2006/main">
   <p:cSld>
@@ -5952,11 +6373,7 @@
           <a:p>
             <a:r>
               <a:rPr lang="de-DE" dirty="0" smtClean="0"/>
-              <a:t>Anwendung für </a:t>
-            </a:r>
-            <a:r>
-              <a:rPr lang="de-DE" dirty="0" smtClean="0"/>
-              <a:t>Suchtpatienten</a:t>
+              <a:t>Anwendung für Suchtpatienten</a:t>
             </a:r>
           </a:p>
           <a:p>
@@ -5984,7 +6401,11 @@
             <a:pPr lvl="1"/>
             <a:r>
               <a:rPr lang="de-DE" dirty="0" smtClean="0"/>
-              <a:t>Unterstützung in Ausnahmesituationen</a:t>
+              <a:t>Unterstützung </a:t>
+            </a:r>
+            <a:r>
+              <a:rPr lang="de-DE" dirty="0" smtClean="0"/>
+              <a:t>bei Rückfallgefahr</a:t>
             </a:r>
             <a:endParaRPr lang="de-DE" dirty="0"/>
           </a:p>
@@ -6077,11 +6498,7 @@
           <a:p>
             <a:r>
               <a:rPr lang="de-DE" dirty="0" smtClean="0"/>
-              <a:t>10 Jahren </a:t>
-            </a:r>
-            <a:r>
-              <a:rPr lang="de-DE" dirty="0" smtClean="0"/>
-              <a:t>Berufserfahrung</a:t>
+              <a:t>10 Jahren Berufserfahrung</a:t>
             </a:r>
           </a:p>
           <a:p>
@@ -6187,8 +6604,9 @@
           <a:p>
             <a:r>
               <a:rPr lang="de-DE" dirty="0" smtClean="0"/>
-              <a:t>Seit längerem Drogenabhängig</a:t>
-            </a:r>
+              <a:t>Sucht bestimmt Leben</a:t>
+            </a:r>
+            <a:endParaRPr lang="de-DE" dirty="0" smtClean="0"/>
           </a:p>
           <a:p>
             <a:r>
@@ -6211,17 +6629,13 @@
           <a:p>
             <a:r>
               <a:rPr lang="de-DE" dirty="0" smtClean="0"/>
-              <a:t>Termine gehen oft </a:t>
-            </a:r>
+              <a:t>Termine gehen oft vergessen</a:t>
+            </a:r>
+          </a:p>
+          <a:p>
             <a:r>
               <a:rPr lang="de-DE" dirty="0" smtClean="0"/>
-              <a:t>vergessen</a:t>
-            </a:r>
-          </a:p>
-          <a:p>
-            <a:r>
-              <a:rPr lang="de-DE" dirty="0" smtClean="0"/>
-              <a:t>Sucht bestimmt Leben</a:t>
+              <a:t>i.d.R Arbeitslos</a:t>
             </a:r>
             <a:endParaRPr lang="de-DE" dirty="0" smtClean="0"/>
           </a:p>
@@ -6449,7 +6863,7 @@
 </file>
 
 <file path=ppt/slides/slide8.xml><?xml version="1.0" encoding="utf-8"?>
-<p:sld xmlns:a="http://schemas.openxmlformats.org/drawingml/2006/main" xmlns:r="http://schemas.openxmlformats.org/officeDocument/2006/relationships" xmlns:p="http://schemas.openxmlformats.org/presentationml/2006/main">
+<p:sld xmlns:a="http://schemas.openxmlformats.org/drawingml/2006/main" xmlns:r="http://schemas.openxmlformats.org/officeDocument/2006/relationships" xmlns:p="http://schemas.openxmlformats.org/presentationml/2006/main" show="0">
   <p:cSld>
     <p:spTree>
       <p:nvGrpSpPr>
@@ -6546,6 +6960,14 @@
   <p:clrMapOvr>
     <a:masterClrMapping/>
   </p:clrMapOvr>
+  <mc:AlternateContent xmlns:mc="http://schemas.openxmlformats.org/markup-compatibility/2006">
+    <mc:Choice xmlns:p14="http://schemas.microsoft.com/office/powerpoint/2010/main" Requires="p14">
+      <p:transition spd="slow" p14:dur="2000"/>
+    </mc:Choice>
+    <mc:Fallback>
+      <p:transition spd="slow"/>
+    </mc:Fallback>
+  </mc:AlternateContent>
   <p:timing>
     <p:tnLst>
       <p:par>

--- a/doc/task03/Design_Thinking_final.pptx
+++ b/doc/task03/Design_Thinking_final.pptx
@@ -120,6 +120,22 @@
       </a:defRPr>
     </a:lvl9pPr>
   </p:defaultTextStyle>
+  <p:extLst>
+    <p:ext uri="{EFAFB233-063F-42B5-8137-9DF3F51BA10A}">
+      <p15:sldGuideLst xmlns:p15="http://schemas.microsoft.com/office/powerpoint/2012/main">
+        <p15:guide id="1" orient="horz" pos="2160">
+          <p15:clr>
+            <a:srgbClr val="A4A3A4"/>
+          </p15:clr>
+        </p15:guide>
+        <p15:guide id="2" pos="2880">
+          <p15:clr>
+            <a:srgbClr val="A4A3A4"/>
+          </p15:clr>
+        </p15:guide>
+      </p15:sldGuideLst>
+    </p:ext>
+  </p:extLst>
 </p:presentation>
 </file>
 
@@ -1139,11 +1155,7 @@
           <a:p>
             <a:r>
               <a:rPr lang="en-US" dirty="0" smtClean="0"/>
-              <a:t>- </a:t>
-            </a:r>
-            <a:r>
-              <a:rPr lang="en-US" dirty="0" smtClean="0"/>
-              <a:t> </a:t>
+              <a:t>-  </a:t>
             </a:r>
             <a:r>
               <a:rPr lang="en-US" dirty="0" err="1" smtClean="0"/>
@@ -5639,8 +5651,8 @@
           <a:lstStyle/>
           <a:p>
             <a:r>
-              <a:rPr lang="de-DE" dirty="0" err="1" smtClean="0"/>
-              <a:t>prototyp</a:t>
+              <a:rPr lang="de-DE" dirty="0" smtClean="0"/>
+              <a:t>Prototyp</a:t>
             </a:r>
             <a:endParaRPr lang="de-DE" dirty="0"/>
           </a:p>
@@ -5728,12 +5740,12 @@
               <a:t>„</a:t>
             </a:r>
             <a:r>
-              <a:rPr lang="de-DE" dirty="0" err="1" smtClean="0"/>
-              <a:t>life</a:t>
+              <a:rPr lang="de-DE" dirty="0"/>
+              <a:t>L</a:t>
             </a:r>
             <a:r>
               <a:rPr lang="de-DE" dirty="0" smtClean="0"/>
-              <a:t> </a:t>
+              <a:t>ife </a:t>
             </a:r>
             <a:r>
               <a:rPr lang="de-DE" dirty="0" err="1" smtClean="0"/>
@@ -5946,7 +5958,7 @@
           <a:p>
             <a:r>
               <a:rPr lang="en-US" dirty="0" err="1" smtClean="0"/>
-              <a:t>termin</a:t>
+              <a:t>Termin</a:t>
             </a:r>
             <a:endParaRPr lang="de-CH" dirty="0"/>
           </a:p>
@@ -6066,15 +6078,19 @@
           <a:p>
             <a:r>
               <a:rPr lang="en-US" dirty="0" err="1" smtClean="0"/>
-              <a:t>diskussion</a:t>
+              <a:t>Diskussion</a:t>
             </a:r>
             <a:r>
               <a:rPr lang="en-US" dirty="0" smtClean="0"/>
-              <a:t> / </a:t>
-            </a:r>
-            <a:r>
-              <a:rPr lang="en-US" dirty="0" err="1" smtClean="0"/>
-              <a:t>fragen</a:t>
+              <a:t> </a:t>
+            </a:r>
+            <a:r>
+              <a:rPr lang="en-US" dirty="0" smtClean="0"/>
+              <a:t>/ </a:t>
+            </a:r>
+            <a:r>
+              <a:rPr lang="en-US" smtClean="0"/>
+              <a:t>Fragen</a:t>
             </a:r>
             <a:endParaRPr lang="de-CH" dirty="0"/>
           </a:p>
@@ -6401,11 +6417,7 @@
             <a:pPr lvl="1"/>
             <a:r>
               <a:rPr lang="de-DE" dirty="0" smtClean="0"/>
-              <a:t>Unterstützung </a:t>
-            </a:r>
-            <a:r>
-              <a:rPr lang="de-DE" dirty="0" smtClean="0"/>
-              <a:t>bei Rückfallgefahr</a:t>
+              <a:t>Unterstützung bei Rückfallgefahr</a:t>
             </a:r>
             <a:endParaRPr lang="de-DE" dirty="0"/>
           </a:p>
@@ -6468,8 +6480,12 @@
               <a:t>Interview - </a:t>
             </a:r>
             <a:r>
-              <a:rPr lang="de-DE" dirty="0" err="1" smtClean="0"/>
-              <a:t>research</a:t>
+              <a:rPr lang="de-DE" dirty="0"/>
+              <a:t>R</a:t>
+            </a:r>
+            <a:r>
+              <a:rPr lang="de-DE" dirty="0" smtClean="0"/>
+              <a:t>esearch</a:t>
             </a:r>
             <a:endParaRPr lang="de-DE" dirty="0"/>
           </a:p>
@@ -6572,16 +6588,24 @@
           <a:lstStyle/>
           <a:p>
             <a:r>
+              <a:rPr lang="de-DE" dirty="0"/>
+              <a:t>E</a:t>
+            </a:r>
+            <a:r>
+              <a:rPr lang="de-DE" dirty="0" smtClean="0"/>
+              <a:t>rkenntnisse </a:t>
+            </a:r>
+            <a:r>
+              <a:rPr lang="de-DE" dirty="0" smtClean="0"/>
+              <a:t>– </a:t>
+            </a:r>
+            <a:r>
+              <a:rPr lang="de-DE" dirty="0" err="1"/>
+              <a:t>P</a:t>
+            </a:r>
+            <a:r>
               <a:rPr lang="de-DE" dirty="0" err="1" smtClean="0"/>
-              <a:t>erkenntnisse</a:t>
-            </a:r>
-            <a:r>
-              <a:rPr lang="de-DE" dirty="0" smtClean="0"/>
-              <a:t> – </a:t>
-            </a:r>
-            <a:r>
-              <a:rPr lang="de-DE" dirty="0" err="1" smtClean="0"/>
-              <a:t>personas</a:t>
+              <a:t>ersonas</a:t>
             </a:r>
             <a:endParaRPr lang="de-DE" dirty="0"/>
           </a:p>
@@ -6606,7 +6630,6 @@
               <a:rPr lang="de-DE" dirty="0" smtClean="0"/>
               <a:t>Sucht bestimmt Leben</a:t>
             </a:r>
-            <a:endParaRPr lang="de-DE" dirty="0" smtClean="0"/>
           </a:p>
           <a:p>
             <a:r>
@@ -6637,7 +6660,6 @@
               <a:rPr lang="de-DE" dirty="0" smtClean="0"/>
               <a:t>i.d.R Arbeitslos</a:t>
             </a:r>
-            <a:endParaRPr lang="de-DE" dirty="0" smtClean="0"/>
           </a:p>
           <a:p>
             <a:endParaRPr lang="de-DE" dirty="0"/>
@@ -6699,24 +6721,32 @@
           <a:lstStyle/>
           <a:p>
             <a:r>
-              <a:rPr lang="de-DE" dirty="0" err="1" smtClean="0"/>
-              <a:t>erkenntnisse</a:t>
+              <a:rPr lang="de-DE" dirty="0"/>
+              <a:t>E</a:t>
             </a:r>
             <a:r>
               <a:rPr lang="de-DE" dirty="0" smtClean="0"/>
-              <a:t> – </a:t>
-            </a:r>
-            <a:r>
-              <a:rPr lang="de-DE" dirty="0" err="1" smtClean="0"/>
-              <a:t>szenario</a:t>
+              <a:t>rkenntnisse </a:t>
+            </a:r>
+            <a:r>
+              <a:rPr lang="de-DE" dirty="0" smtClean="0"/>
+              <a:t>– </a:t>
             </a:r>
             <a:r>
               <a:rPr lang="de-DE" dirty="0"/>
-              <a:t> </a:t>
-            </a:r>
-            <a:r>
-              <a:rPr lang="de-DE" dirty="0" err="1" smtClean="0"/>
-              <a:t>tagesablauf</a:t>
+              <a:t>S</a:t>
+            </a:r>
+            <a:r>
+              <a:rPr lang="de-DE" dirty="0" smtClean="0"/>
+              <a:t>zenario </a:t>
+            </a:r>
+            <a:r>
+              <a:rPr lang="de-DE" dirty="0"/>
+              <a:t>T</a:t>
+            </a:r>
+            <a:r>
+              <a:rPr lang="de-DE" dirty="0" smtClean="0"/>
+              <a:t>agesablauf</a:t>
             </a:r>
             <a:endParaRPr lang="de-DE" dirty="0"/>
           </a:p>
@@ -6797,24 +6827,36 @@
           <a:lstStyle/>
           <a:p>
             <a:r>
+              <a:rPr lang="de-DE" dirty="0" err="1"/>
+              <a:t>E</a:t>
+            </a:r>
+            <a:r>
               <a:rPr lang="de-DE" dirty="0" err="1" smtClean="0"/>
-              <a:t>erkentnisse</a:t>
-            </a:r>
-            <a:r>
-              <a:rPr lang="de-DE" dirty="0" smtClean="0"/>
-              <a:t> – </a:t>
-            </a:r>
-            <a:r>
-              <a:rPr lang="de-DE" dirty="0" err="1" smtClean="0"/>
-              <a:t>szenario</a:t>
+              <a:t>rkentnisse</a:t>
             </a:r>
             <a:r>
               <a:rPr lang="de-DE" dirty="0" smtClean="0"/>
               <a:t> </a:t>
             </a:r>
             <a:r>
-              <a:rPr lang="de-DE" dirty="0" err="1" smtClean="0"/>
-              <a:t>rückfall</a:t>
+              <a:rPr lang="de-DE" dirty="0" smtClean="0"/>
+              <a:t>– </a:t>
+            </a:r>
+            <a:r>
+              <a:rPr lang="de-DE" dirty="0"/>
+              <a:t>S</a:t>
+            </a:r>
+            <a:r>
+              <a:rPr lang="de-DE" dirty="0" smtClean="0"/>
+              <a:t>zenario </a:t>
+            </a:r>
+            <a:r>
+              <a:rPr lang="de-DE" dirty="0"/>
+              <a:t>R</a:t>
+            </a:r>
+            <a:r>
+              <a:rPr lang="de-DE" dirty="0" smtClean="0"/>
+              <a:t>ückfall</a:t>
             </a:r>
             <a:endParaRPr lang="de-DE" dirty="0"/>
           </a:p>
@@ -6895,8 +6937,12 @@
           <a:lstStyle/>
           <a:p>
             <a:r>
+              <a:rPr lang="de-DE" dirty="0"/>
+              <a:t>Z</a:t>
+            </a:r>
+            <a:r>
               <a:rPr lang="de-DE" dirty="0" smtClean="0"/>
-              <a:t>ziel</a:t>
+              <a:t>iel</a:t>
             </a:r>
             <a:endParaRPr lang="de-DE" dirty="0"/>
           </a:p>
@@ -6960,11 +7006,11 @@
   <p:clrMapOvr>
     <a:masterClrMapping/>
   </p:clrMapOvr>
-  <mc:AlternateContent xmlns:mc="http://schemas.openxmlformats.org/markup-compatibility/2006">
-    <mc:Choice xmlns:p14="http://schemas.microsoft.com/office/powerpoint/2010/main" Requires="p14">
+  <mc:AlternateContent xmlns:mc="http://schemas.openxmlformats.org/markup-compatibility/2006" xmlns:p14="http://schemas.microsoft.com/office/powerpoint/2010/main">
+    <mc:Choice Requires="p14">
       <p:transition spd="slow" p14:dur="2000"/>
     </mc:Choice>
-    <mc:Fallback>
+    <mc:Fallback xmlns="">
       <p:transition spd="slow"/>
     </mc:Fallback>
   </mc:AlternateContent>
@@ -7011,8 +7057,8 @@
           <a:lstStyle/>
           <a:p>
             <a:r>
-              <a:rPr lang="de-DE" dirty="0" err="1" smtClean="0"/>
-              <a:t>funktionen</a:t>
+              <a:rPr lang="de-DE" dirty="0" smtClean="0"/>
+              <a:t>Funktionen</a:t>
             </a:r>
             <a:endParaRPr lang="de-DE" dirty="0"/>
           </a:p>

--- a/doc/task03/Design_Thinking_final.pptx
+++ b/doc/task03/Design_Thinking_final.pptx
@@ -122,7 +122,7 @@
   </p:defaultTextStyle>
   <p:extLst>
     <p:ext uri="{EFAFB233-063F-42B5-8137-9DF3F51BA10A}">
-      <p15:sldGuideLst xmlns:p15="http://schemas.microsoft.com/office/powerpoint/2012/main">
+      <p15:sldGuideLst xmlns:p15="http://schemas.microsoft.com/office/powerpoint/2012/main" xmlns="">
         <p15:guide id="1" orient="horz" pos="2160">
           <p15:clr>
             <a:srgbClr val="A4A3A4"/>
@@ -964,6 +964,159 @@
     <p:extLst>
       <p:ext uri="{BB962C8B-B14F-4D97-AF65-F5344CB8AC3E}">
         <p14:creationId xmlns:p14="http://schemas.microsoft.com/office/powerpoint/2010/main" val="4104595800"/>
+      </p:ext>
+    </p:extLst>
+  </p:cSld>
+  <p:clrMapOvr>
+    <a:masterClrMapping/>
+  </p:clrMapOvr>
+</p:notes>
+</file>
+
+<file path=ppt/notesSlides/notesSlide12.xml><?xml version="1.0" encoding="utf-8"?>
+<p:notes xmlns:a="http://schemas.openxmlformats.org/drawingml/2006/main" xmlns:r="http://schemas.openxmlformats.org/officeDocument/2006/relationships" xmlns:p="http://schemas.openxmlformats.org/presentationml/2006/main">
+  <p:cSld>
+    <p:spTree>
+      <p:nvGrpSpPr>
+        <p:cNvPr id="1" name=""/>
+        <p:cNvGrpSpPr/>
+        <p:nvPr/>
+      </p:nvGrpSpPr>
+      <p:grpSpPr>
+        <a:xfrm>
+          <a:off x="0" y="0"/>
+          <a:ext cx="0" cy="0"/>
+          <a:chOff x="0" y="0"/>
+          <a:chExt cx="0" cy="0"/>
+        </a:xfrm>
+      </p:grpSpPr>
+      <p:sp>
+        <p:nvSpPr>
+          <p:cNvPr id="2" name="Folienbildplatzhalter 1"/>
+          <p:cNvSpPr>
+            <a:spLocks noGrp="1" noRot="1" noChangeAspect="1"/>
+          </p:cNvSpPr>
+          <p:nvPr>
+            <p:ph type="sldImg"/>
+          </p:nvPr>
+        </p:nvSpPr>
+        <p:spPr/>
+      </p:sp>
+      <p:sp>
+        <p:nvSpPr>
+          <p:cNvPr id="3" name="Notizenplatzhalter 2"/>
+          <p:cNvSpPr>
+            <a:spLocks noGrp="1"/>
+          </p:cNvSpPr>
+          <p:nvPr>
+            <p:ph type="body" idx="1"/>
+          </p:nvPr>
+        </p:nvSpPr>
+        <p:spPr/>
+        <p:txBody>
+          <a:bodyPr/>
+          <a:lstStyle/>
+          <a:p>
+            <a:pPr marL="0" indent="0">
+              <a:buNone/>
+            </a:pPr>
+            <a:r>
+              <a:rPr lang="en-US" dirty="0" err="1" smtClean="0"/>
+              <a:t>Fragen</a:t>
+            </a:r>
+            <a:r>
+              <a:rPr lang="en-US" dirty="0" smtClean="0"/>
+              <a:t>? </a:t>
+            </a:r>
+          </a:p>
+          <a:p>
+            <a:pPr marL="0" indent="0">
+              <a:buNone/>
+            </a:pPr>
+            <a:r>
+              <a:rPr lang="en-US" dirty="0" smtClean="0"/>
+              <a:t>Was </a:t>
+            </a:r>
+            <a:r>
+              <a:rPr lang="en-US" dirty="0" err="1" smtClean="0"/>
+              <a:t>gefällt</a:t>
+            </a:r>
+            <a:r>
+              <a:rPr lang="en-US" dirty="0" smtClean="0"/>
+              <a:t> </a:t>
+            </a:r>
+            <a:r>
+              <a:rPr lang="en-US" dirty="0" err="1" smtClean="0"/>
+              <a:t>euch</a:t>
+            </a:r>
+            <a:r>
+              <a:rPr lang="en-US" dirty="0" smtClean="0"/>
+              <a:t>? </a:t>
+            </a:r>
+          </a:p>
+          <a:p>
+            <a:pPr marL="0" indent="0">
+              <a:buNone/>
+            </a:pPr>
+            <a:r>
+              <a:rPr lang="en-US" dirty="0" smtClean="0"/>
+              <a:t>Was </a:t>
+            </a:r>
+            <a:r>
+              <a:rPr lang="en-US" dirty="0" err="1" smtClean="0"/>
+              <a:t>nicht</a:t>
+            </a:r>
+            <a:r>
+              <a:rPr lang="en-US" dirty="0" smtClean="0"/>
+              <a:t>?</a:t>
+            </a:r>
+          </a:p>
+          <a:p>
+            <a:pPr marL="0" indent="0">
+              <a:buNone/>
+            </a:pPr>
+            <a:r>
+              <a:rPr lang="en-US" dirty="0" err="1" smtClean="0"/>
+              <a:t>Verbesserungsvorschläge</a:t>
+            </a:r>
+            <a:r>
+              <a:rPr lang="en-US" dirty="0" smtClean="0"/>
+              <a:t>?</a:t>
+            </a:r>
+            <a:endParaRPr lang="de-CH" dirty="0" smtClean="0"/>
+          </a:p>
+          <a:p>
+            <a:endParaRPr lang="de-CH" dirty="0"/>
+          </a:p>
+        </p:txBody>
+      </p:sp>
+      <p:sp>
+        <p:nvSpPr>
+          <p:cNvPr id="4" name="Foliennummernplatzhalter 3"/>
+          <p:cNvSpPr>
+            <a:spLocks noGrp="1"/>
+          </p:cNvSpPr>
+          <p:nvPr>
+            <p:ph type="sldNum" sz="quarter" idx="10"/>
+          </p:nvPr>
+        </p:nvSpPr>
+        <p:spPr/>
+        <p:txBody>
+          <a:bodyPr/>
+          <a:lstStyle/>
+          <a:p>
+            <a:fld id="{9A061F0F-BF1A-47A6-BC67-894693F926E4}" type="slidenum">
+              <a:rPr lang="de-CH" smtClean="0"/>
+              <a:t>14</a:t>
+            </a:fld>
+            <a:endParaRPr lang="de-CH"/>
+          </a:p>
+        </p:txBody>
+      </p:sp>
+    </p:spTree>
+    <p:extLst>
+      <p:ext uri="{BB962C8B-B14F-4D97-AF65-F5344CB8AC3E}">
+        <p14:creationId xmlns:p14="http://schemas.microsoft.com/office/powerpoint/2010/main" val="2482635759"/>
       </p:ext>
     </p:extLst>
   </p:cSld>
@@ -6082,11 +6235,7 @@
             </a:r>
             <a:r>
               <a:rPr lang="en-US" dirty="0" smtClean="0"/>
-              <a:t> </a:t>
-            </a:r>
-            <a:r>
-              <a:rPr lang="en-US" dirty="0" smtClean="0"/>
-              <a:t>/ </a:t>
+              <a:t> / </a:t>
             </a:r>
             <a:r>
               <a:rPr lang="en-US" smtClean="0"/>
@@ -6096,96 +6245,47 @@
           </a:p>
         </p:txBody>
       </p:sp>
-      <p:sp>
-        <p:nvSpPr>
-          <p:cNvPr id="3" name="Inhaltsplatzhalter 2"/>
-          <p:cNvSpPr>
-            <a:spLocks noGrp="1"/>
-          </p:cNvSpPr>
+      <p:pic>
+        <p:nvPicPr>
+          <p:cNvPr id="1026" name="Picture 2" descr="C:\Users\James\Desktop\7cd81fe6d5d842e8cd4ca21fe3763154.jpg"/>
+          <p:cNvPicPr>
+            <a:picLocks noGrp="1" noChangeAspect="1" noChangeArrowheads="1"/>
+          </p:cNvPicPr>
           <p:nvPr>
             <p:ph idx="1"/>
           </p:nvPr>
-        </p:nvSpPr>
-        <p:spPr>
+        </p:nvPicPr>
+        <p:blipFill rotWithShape="1">
+          <a:blip r:embed="rId3">
+            <a:extLst>
+              <a:ext uri="{28A0092B-C50C-407E-A947-70E740481C1C}">
+                <a14:useLocalDpi xmlns:a14="http://schemas.microsoft.com/office/drawing/2010/main" val="0"/>
+              </a:ext>
+            </a:extLst>
+          </a:blip>
+          <a:srcRect l="2346" t="12604" r="2639" b="14082"/>
+          <a:stretch/>
+        </p:blipFill>
+        <p:spPr bwMode="auto">
           <a:xfrm>
-            <a:off x="457200" y="1600200"/>
-            <a:ext cx="8229600" cy="4525963"/>
+            <a:off x="2118360" y="2209800"/>
+            <a:ext cx="4937760" cy="3810000"/>
           </a:xfrm>
+          <a:prstGeom prst="rect">
+            <a:avLst/>
+          </a:prstGeom>
+          <a:noFill/>
+          <a:extLst>
+            <a:ext uri="{909E8E84-426E-40DD-AFC4-6F175D3DCCD1}">
+              <a14:hiddenFill xmlns:a14="http://schemas.microsoft.com/office/drawing/2010/main">
+                <a:solidFill>
+                  <a:srgbClr val="FFFFFF"/>
+                </a:solidFill>
+              </a14:hiddenFill>
+            </a:ext>
+          </a:extLst>
         </p:spPr>
-        <p:txBody>
-          <a:bodyPr/>
-          <a:lstStyle/>
-          <a:p>
-            <a:pPr marL="0" indent="0">
-              <a:buNone/>
-            </a:pPr>
-            <a:r>
-              <a:rPr lang="en-US" dirty="0" err="1" smtClean="0"/>
-              <a:t>Fragen</a:t>
-            </a:r>
-            <a:r>
-              <a:rPr lang="en-US" dirty="0" smtClean="0"/>
-              <a:t>? </a:t>
-            </a:r>
-          </a:p>
-          <a:p>
-            <a:pPr marL="0" indent="0">
-              <a:buNone/>
-            </a:pPr>
-            <a:r>
-              <a:rPr lang="en-US" dirty="0" smtClean="0"/>
-              <a:t>Was </a:t>
-            </a:r>
-            <a:r>
-              <a:rPr lang="en-US" dirty="0" err="1" smtClean="0"/>
-              <a:t>gefällt</a:t>
-            </a:r>
-            <a:r>
-              <a:rPr lang="en-US" dirty="0" smtClean="0"/>
-              <a:t> </a:t>
-            </a:r>
-            <a:r>
-              <a:rPr lang="en-US" dirty="0" err="1" smtClean="0"/>
-              <a:t>euch</a:t>
-            </a:r>
-            <a:r>
-              <a:rPr lang="en-US" dirty="0" smtClean="0"/>
-              <a:t>? </a:t>
-            </a:r>
-          </a:p>
-          <a:p>
-            <a:pPr marL="0" indent="0">
-              <a:buNone/>
-            </a:pPr>
-            <a:r>
-              <a:rPr lang="en-US" dirty="0" smtClean="0"/>
-              <a:t>Was </a:t>
-            </a:r>
-            <a:r>
-              <a:rPr lang="en-US" dirty="0" err="1" smtClean="0"/>
-              <a:t>nicht</a:t>
-            </a:r>
-            <a:r>
-              <a:rPr lang="en-US" dirty="0" smtClean="0"/>
-              <a:t>?</a:t>
-            </a:r>
-          </a:p>
-          <a:p>
-            <a:pPr marL="0" indent="0">
-              <a:buNone/>
-            </a:pPr>
-            <a:r>
-              <a:rPr lang="en-US" dirty="0" err="1" smtClean="0"/>
-              <a:t>Verbesserungsvorschläge</a:t>
-            </a:r>
-            <a:r>
-              <a:rPr lang="en-US" dirty="0" smtClean="0"/>
-              <a:t>?</a:t>
-            </a:r>
-            <a:endParaRPr lang="de-CH" dirty="0"/>
-          </a:p>
-        </p:txBody>
-      </p:sp>
+      </p:pic>
     </p:spTree>
     <p:extLst>
       <p:ext uri="{BB962C8B-B14F-4D97-AF65-F5344CB8AC3E}">
@@ -6593,11 +6693,7 @@
             </a:r>
             <a:r>
               <a:rPr lang="de-DE" dirty="0" smtClean="0"/>
-              <a:t>rkenntnisse </a:t>
-            </a:r>
-            <a:r>
-              <a:rPr lang="de-DE" dirty="0" smtClean="0"/>
-              <a:t>– </a:t>
+              <a:t>rkenntnisse – </a:t>
             </a:r>
             <a:r>
               <a:rPr lang="de-DE" dirty="0" err="1"/>
@@ -6726,11 +6822,7 @@
             </a:r>
             <a:r>
               <a:rPr lang="de-DE" dirty="0" smtClean="0"/>
-              <a:t>rkenntnisse </a:t>
-            </a:r>
-            <a:r>
-              <a:rPr lang="de-DE" dirty="0" smtClean="0"/>
-              <a:t>– </a:t>
+              <a:t>rkenntnisse – </a:t>
             </a:r>
             <a:r>
               <a:rPr lang="de-DE" dirty="0"/>
@@ -6836,11 +6928,7 @@
             </a:r>
             <a:r>
               <a:rPr lang="de-DE" dirty="0" smtClean="0"/>
-              <a:t> </a:t>
-            </a:r>
-            <a:r>
-              <a:rPr lang="de-DE" dirty="0" smtClean="0"/>
-              <a:t>– </a:t>
+              <a:t> – </a:t>
             </a:r>
             <a:r>
               <a:rPr lang="de-DE" dirty="0"/>
@@ -6905,7 +6993,7 @@
 </file>
 
 <file path=ppt/slides/slide8.xml><?xml version="1.0" encoding="utf-8"?>
-<p:sld xmlns:a="http://schemas.openxmlformats.org/drawingml/2006/main" xmlns:r="http://schemas.openxmlformats.org/officeDocument/2006/relationships" xmlns:p="http://schemas.openxmlformats.org/presentationml/2006/main" show="0">
+<p:sld xmlns:a="http://schemas.openxmlformats.org/drawingml/2006/main" xmlns:r="http://schemas.openxmlformats.org/officeDocument/2006/relationships" xmlns:p="http://schemas.openxmlformats.org/presentationml/2006/main">
   <p:cSld>
     <p:spTree>
       <p:nvGrpSpPr>
@@ -7006,11 +7094,11 @@
   <p:clrMapOvr>
     <a:masterClrMapping/>
   </p:clrMapOvr>
-  <mc:AlternateContent xmlns:mc="http://schemas.openxmlformats.org/markup-compatibility/2006" xmlns:p14="http://schemas.microsoft.com/office/powerpoint/2010/main">
-    <mc:Choice Requires="p14">
+  <mc:AlternateContent xmlns:mc="http://schemas.openxmlformats.org/markup-compatibility/2006">
+    <mc:Choice xmlns:p14="http://schemas.microsoft.com/office/powerpoint/2010/main" Requires="p14">
       <p:transition spd="slow" p14:dur="2000"/>
     </mc:Choice>
-    <mc:Fallback xmlns="">
+    <mc:Fallback>
       <p:transition spd="slow"/>
     </mc:Fallback>
   </mc:AlternateContent>
